--- a/workflows/Programworkflow.pptx
+++ b/workflows/Programworkflow.pptx
@@ -244,7 +244,7 @@
           <a:p>
             <a:fld id="{55326EAA-D170-421E-872D-6B74E357AC81}" type="datetimeFigureOut">
               <a:rPr lang="de-CH" smtClean="0"/>
-              <a:t>04.04.2016</a:t>
+              <a:t>08.04.2016</a:t>
             </a:fld>
             <a:endParaRPr lang="de-CH"/>
           </a:p>
@@ -414,7 +414,7 @@
           <a:p>
             <a:fld id="{55326EAA-D170-421E-872D-6B74E357AC81}" type="datetimeFigureOut">
               <a:rPr lang="de-CH" smtClean="0"/>
-              <a:t>04.04.2016</a:t>
+              <a:t>08.04.2016</a:t>
             </a:fld>
             <a:endParaRPr lang="de-CH"/>
           </a:p>
@@ -594,7 +594,7 @@
           <a:p>
             <a:fld id="{55326EAA-D170-421E-872D-6B74E357AC81}" type="datetimeFigureOut">
               <a:rPr lang="de-CH" smtClean="0"/>
-              <a:t>04.04.2016</a:t>
+              <a:t>08.04.2016</a:t>
             </a:fld>
             <a:endParaRPr lang="de-CH"/>
           </a:p>
@@ -764,7 +764,7 @@
           <a:p>
             <a:fld id="{55326EAA-D170-421E-872D-6B74E357AC81}" type="datetimeFigureOut">
               <a:rPr lang="de-CH" smtClean="0"/>
-              <a:t>04.04.2016</a:t>
+              <a:t>08.04.2016</a:t>
             </a:fld>
             <a:endParaRPr lang="de-CH"/>
           </a:p>
@@ -1010,7 +1010,7 @@
           <a:p>
             <a:fld id="{55326EAA-D170-421E-872D-6B74E357AC81}" type="datetimeFigureOut">
               <a:rPr lang="de-CH" smtClean="0"/>
-              <a:t>04.04.2016</a:t>
+              <a:t>08.04.2016</a:t>
             </a:fld>
             <a:endParaRPr lang="de-CH"/>
           </a:p>
@@ -1242,7 +1242,7 @@
           <a:p>
             <a:fld id="{55326EAA-D170-421E-872D-6B74E357AC81}" type="datetimeFigureOut">
               <a:rPr lang="de-CH" smtClean="0"/>
-              <a:t>04.04.2016</a:t>
+              <a:t>08.04.2016</a:t>
             </a:fld>
             <a:endParaRPr lang="de-CH"/>
           </a:p>
@@ -1609,7 +1609,7 @@
           <a:p>
             <a:fld id="{55326EAA-D170-421E-872D-6B74E357AC81}" type="datetimeFigureOut">
               <a:rPr lang="de-CH" smtClean="0"/>
-              <a:t>04.04.2016</a:t>
+              <a:t>08.04.2016</a:t>
             </a:fld>
             <a:endParaRPr lang="de-CH"/>
           </a:p>
@@ -1727,7 +1727,7 @@
           <a:p>
             <a:fld id="{55326EAA-D170-421E-872D-6B74E357AC81}" type="datetimeFigureOut">
               <a:rPr lang="de-CH" smtClean="0"/>
-              <a:t>04.04.2016</a:t>
+              <a:t>08.04.2016</a:t>
             </a:fld>
             <a:endParaRPr lang="de-CH"/>
           </a:p>
@@ -1822,7 +1822,7 @@
           <a:p>
             <a:fld id="{55326EAA-D170-421E-872D-6B74E357AC81}" type="datetimeFigureOut">
               <a:rPr lang="de-CH" smtClean="0"/>
-              <a:t>04.04.2016</a:t>
+              <a:t>08.04.2016</a:t>
             </a:fld>
             <a:endParaRPr lang="de-CH"/>
           </a:p>
@@ -2099,7 +2099,7 @@
           <a:p>
             <a:fld id="{55326EAA-D170-421E-872D-6B74E357AC81}" type="datetimeFigureOut">
               <a:rPr lang="de-CH" smtClean="0"/>
-              <a:t>04.04.2016</a:t>
+              <a:t>08.04.2016</a:t>
             </a:fld>
             <a:endParaRPr lang="de-CH"/>
           </a:p>
@@ -2352,7 +2352,7 @@
           <a:p>
             <a:fld id="{55326EAA-D170-421E-872D-6B74E357AC81}" type="datetimeFigureOut">
               <a:rPr lang="de-CH" smtClean="0"/>
-              <a:t>04.04.2016</a:t>
+              <a:t>08.04.2016</a:t>
             </a:fld>
             <a:endParaRPr lang="de-CH"/>
           </a:p>
@@ -2565,7 +2565,7 @@
           <a:p>
             <a:fld id="{55326EAA-D170-421E-872D-6B74E357AC81}" type="datetimeFigureOut">
               <a:rPr lang="de-CH" smtClean="0"/>
-              <a:t>04.04.2016</a:t>
+              <a:t>08.04.2016</a:t>
             </a:fld>
             <a:endParaRPr lang="de-CH"/>
           </a:p>
@@ -2970,2046 +2970,2104 @@
           <a:chExt cx="0" cy="0"/>
         </a:xfrm>
       </p:grpSpPr>
-      <p:grpSp>
-        <p:nvGrpSpPr>
-          <p:cNvPr id="2" name="Gruppieren 1"/>
-          <p:cNvGrpSpPr/>
-          <p:nvPr/>
-        </p:nvGrpSpPr>
-        <p:grpSpPr>
-          <a:xfrm>
-            <a:off x="3968407" y="136207"/>
-            <a:ext cx="4255187" cy="6585586"/>
-            <a:chOff x="3813670" y="165135"/>
-            <a:chExt cx="4255187" cy="6585586"/>
-          </a:xfrm>
-        </p:grpSpPr>
-        <p:sp>
-          <p:nvSpPr>
-            <p:cNvPr id="4" name="Rechteck 3"/>
-            <p:cNvSpPr/>
-            <p:nvPr/>
-          </p:nvSpPr>
-          <p:spPr>
-            <a:xfrm>
-              <a:off x="5480019" y="165135"/>
-              <a:ext cx="611614" cy="281950"/>
-            </a:xfrm>
-            <a:prstGeom prst="rect">
-              <a:avLst/>
-            </a:prstGeom>
-          </p:spPr>
-          <p:style>
-            <a:lnRef idx="2">
-              <a:schemeClr val="dk1"/>
-            </a:lnRef>
-            <a:fillRef idx="1">
-              <a:schemeClr val="lt1"/>
-            </a:fillRef>
-            <a:effectRef idx="0">
-              <a:schemeClr val="dk1"/>
-            </a:effectRef>
-            <a:fontRef idx="minor">
-              <a:schemeClr val="dk1"/>
-            </a:fontRef>
-          </p:style>
-          <p:txBody>
-            <a:bodyPr rtlCol="0" anchor="ctr"/>
-            <a:lstStyle/>
-            <a:p>
-              <a:pPr algn="ctr"/>
-              <a:r>
-                <a:rPr lang="de-CH" sz="800" dirty="0" smtClean="0"/>
-                <a:t>Main</a:t>
-              </a:r>
-              <a:endParaRPr lang="de-CH" sz="800" dirty="0"/>
-            </a:p>
-          </p:txBody>
-        </p:sp>
-        <p:cxnSp>
-          <p:nvCxnSpPr>
-            <p:cNvPr id="6" name="Gerade Verbindung mit Pfeil 5"/>
-            <p:cNvCxnSpPr>
-              <a:stCxn id="4" idx="2"/>
-              <a:endCxn id="130" idx="0"/>
-            </p:cNvCxnSpPr>
-            <p:nvPr/>
-          </p:nvCxnSpPr>
-          <p:spPr>
-            <a:xfrm>
-              <a:off x="5785826" y="447085"/>
-              <a:ext cx="736" cy="104706"/>
-            </a:xfrm>
-            <a:prstGeom prst="straightConnector1">
-              <a:avLst/>
-            </a:prstGeom>
-            <a:ln>
-              <a:solidFill>
-                <a:schemeClr val="tx1"/>
-              </a:solidFill>
-              <a:tailEnd type="triangle"/>
-            </a:ln>
-          </p:spPr>
-          <p:style>
-            <a:lnRef idx="1">
-              <a:schemeClr val="accent1"/>
-            </a:lnRef>
-            <a:fillRef idx="0">
-              <a:schemeClr val="accent1"/>
-            </a:fillRef>
-            <a:effectRef idx="0">
-              <a:schemeClr val="accent1"/>
-            </a:effectRef>
-            <a:fontRef idx="minor">
+      <p:sp>
+        <p:nvSpPr>
+          <p:cNvPr id="4" name="Rechteck 3"/>
+          <p:cNvSpPr/>
+          <p:nvPr/>
+        </p:nvSpPr>
+        <p:spPr>
+          <a:xfrm>
+            <a:off x="5634756" y="136207"/>
+            <a:ext cx="611614" cy="281950"/>
+          </a:xfrm>
+          <a:prstGeom prst="rect">
+            <a:avLst/>
+          </a:prstGeom>
+        </p:spPr>
+        <p:style>
+          <a:lnRef idx="2">
+            <a:schemeClr val="dk1"/>
+          </a:lnRef>
+          <a:fillRef idx="1">
+            <a:schemeClr val="lt1"/>
+          </a:fillRef>
+          <a:effectRef idx="0">
+            <a:schemeClr val="dk1"/>
+          </a:effectRef>
+          <a:fontRef idx="minor">
+            <a:schemeClr val="dk1"/>
+          </a:fontRef>
+        </p:style>
+        <p:txBody>
+          <a:bodyPr rtlCol="0" anchor="ctr"/>
+          <a:lstStyle/>
+          <a:p>
+            <a:pPr algn="ctr"/>
+            <a:r>
+              <a:rPr lang="de-CH" sz="800" dirty="0" smtClean="0"/>
+              <a:t>Main</a:t>
+            </a:r>
+            <a:endParaRPr lang="de-CH" sz="800" dirty="0"/>
+          </a:p>
+        </p:txBody>
+      </p:sp>
+      <p:cxnSp>
+        <p:nvCxnSpPr>
+          <p:cNvPr id="6" name="Gerade Verbindung mit Pfeil 5"/>
+          <p:cNvCxnSpPr>
+            <a:stCxn id="4" idx="2"/>
+            <a:endCxn id="130" idx="0"/>
+          </p:cNvCxnSpPr>
+          <p:nvPr/>
+        </p:nvCxnSpPr>
+        <p:spPr>
+          <a:xfrm>
+            <a:off x="5940563" y="418157"/>
+            <a:ext cx="736" cy="104706"/>
+          </a:xfrm>
+          <a:prstGeom prst="straightConnector1">
+            <a:avLst/>
+          </a:prstGeom>
+          <a:ln>
+            <a:solidFill>
               <a:schemeClr val="tx1"/>
-            </a:fontRef>
-          </p:style>
-        </p:cxnSp>
-        <p:sp>
-          <p:nvSpPr>
-            <p:cNvPr id="7" name="Rechteck 6"/>
-            <p:cNvSpPr/>
-            <p:nvPr/>
-          </p:nvSpPr>
-          <p:spPr>
-            <a:xfrm>
-              <a:off x="5356828" y="1003383"/>
-              <a:ext cx="870287" cy="281950"/>
-            </a:xfrm>
-            <a:prstGeom prst="rect">
-              <a:avLst/>
-            </a:prstGeom>
-          </p:spPr>
-          <p:style>
-            <a:lnRef idx="2">
-              <a:schemeClr val="dk1"/>
-            </a:lnRef>
-            <a:fillRef idx="1">
-              <a:schemeClr val="lt1"/>
-            </a:fillRef>
-            <a:effectRef idx="0">
-              <a:schemeClr val="dk1"/>
-            </a:effectRef>
-            <a:fontRef idx="minor">
-              <a:schemeClr val="dk1"/>
-            </a:fontRef>
-          </p:style>
-          <p:txBody>
-            <a:bodyPr rtlCol="0" anchor="ctr"/>
-            <a:lstStyle/>
-            <a:p>
-              <a:pPr algn="ctr"/>
-              <a:r>
-                <a:rPr lang="de-CH" sz="800" dirty="0" err="1" smtClean="0"/>
-                <a:t>Init</a:t>
-              </a:r>
-              <a:r>
-                <a:rPr lang="de-CH" sz="800" dirty="0" smtClean="0"/>
-                <a:t> </a:t>
-              </a:r>
-              <a:r>
-                <a:rPr lang="de-CH" sz="800" dirty="0" err="1" smtClean="0"/>
-                <a:t>LoggingServer</a:t>
-              </a:r>
-              <a:endParaRPr lang="de-CH" sz="800" dirty="0"/>
-            </a:p>
-          </p:txBody>
-        </p:sp>
-        <p:sp>
-          <p:nvSpPr>
-            <p:cNvPr id="8" name="Rechteck 7"/>
-            <p:cNvSpPr/>
-            <p:nvPr/>
-          </p:nvSpPr>
-          <p:spPr>
-            <a:xfrm>
-              <a:off x="5280522" y="1454502"/>
-              <a:ext cx="1022899" cy="281950"/>
-            </a:xfrm>
-            <a:prstGeom prst="rect">
-              <a:avLst/>
-            </a:prstGeom>
-          </p:spPr>
-          <p:style>
-            <a:lnRef idx="2">
-              <a:schemeClr val="dk1"/>
-            </a:lnRef>
-            <a:fillRef idx="1">
-              <a:schemeClr val="lt1"/>
-            </a:fillRef>
-            <a:effectRef idx="0">
-              <a:schemeClr val="dk1"/>
-            </a:effectRef>
-            <a:fontRef idx="minor">
-              <a:schemeClr val="dk1"/>
-            </a:fontRef>
-          </p:style>
-          <p:txBody>
-            <a:bodyPr rtlCol="0" anchor="ctr"/>
-            <a:lstStyle/>
-            <a:p>
-              <a:pPr algn="ctr"/>
-              <a:r>
-                <a:rPr lang="de-CH" sz="800" dirty="0" err="1" smtClean="0"/>
-                <a:t>Init</a:t>
-              </a:r>
-              <a:r>
-                <a:rPr lang="de-CH" sz="800" dirty="0" smtClean="0"/>
-                <a:t> </a:t>
-              </a:r>
-              <a:r>
-                <a:rPr lang="de-CH" sz="800" dirty="0" err="1" smtClean="0"/>
-                <a:t>MainLanguageAPI</a:t>
-              </a:r>
-              <a:r>
-                <a:rPr lang="de-CH" sz="800" dirty="0" smtClean="0"/>
-                <a:t> </a:t>
-              </a:r>
-              <a:endParaRPr lang="de-CH" sz="800" dirty="0"/>
-            </a:p>
-          </p:txBody>
-        </p:sp>
-        <p:cxnSp>
-          <p:nvCxnSpPr>
-            <p:cNvPr id="11" name="Gerade Verbindung mit Pfeil 10"/>
-            <p:cNvCxnSpPr>
-              <a:stCxn id="7" idx="2"/>
-            </p:cNvCxnSpPr>
-            <p:nvPr/>
-          </p:nvCxnSpPr>
-          <p:spPr>
-            <a:xfrm>
-              <a:off x="5791972" y="1285332"/>
-              <a:ext cx="0" cy="169169"/>
-            </a:xfrm>
-            <a:prstGeom prst="straightConnector1">
-              <a:avLst/>
-            </a:prstGeom>
-            <a:ln>
-              <a:solidFill>
-                <a:schemeClr val="tx1"/>
-              </a:solidFill>
-              <a:tailEnd type="triangle"/>
-            </a:ln>
-          </p:spPr>
-          <p:style>
-            <a:lnRef idx="1">
-              <a:schemeClr val="accent1"/>
-            </a:lnRef>
-            <a:fillRef idx="0">
-              <a:schemeClr val="accent1"/>
-            </a:fillRef>
-            <a:effectRef idx="0">
-              <a:schemeClr val="accent1"/>
-            </a:effectRef>
-            <a:fontRef idx="minor">
+            </a:solidFill>
+            <a:tailEnd type="triangle"/>
+          </a:ln>
+        </p:spPr>
+        <p:style>
+          <a:lnRef idx="1">
+            <a:schemeClr val="accent1"/>
+          </a:lnRef>
+          <a:fillRef idx="0">
+            <a:schemeClr val="accent1"/>
+          </a:fillRef>
+          <a:effectRef idx="0">
+            <a:schemeClr val="accent1"/>
+          </a:effectRef>
+          <a:fontRef idx="minor">
+            <a:schemeClr val="tx1"/>
+          </a:fontRef>
+        </p:style>
+      </p:cxnSp>
+      <p:sp>
+        <p:nvSpPr>
+          <p:cNvPr id="7" name="Rechteck 6"/>
+          <p:cNvSpPr/>
+          <p:nvPr/>
+        </p:nvSpPr>
+        <p:spPr>
+          <a:xfrm>
+            <a:off x="5511565" y="974455"/>
+            <a:ext cx="870287" cy="281950"/>
+          </a:xfrm>
+          <a:prstGeom prst="rect">
+            <a:avLst/>
+          </a:prstGeom>
+        </p:spPr>
+        <p:style>
+          <a:lnRef idx="2">
+            <a:schemeClr val="dk1"/>
+          </a:lnRef>
+          <a:fillRef idx="1">
+            <a:schemeClr val="lt1"/>
+          </a:fillRef>
+          <a:effectRef idx="0">
+            <a:schemeClr val="dk1"/>
+          </a:effectRef>
+          <a:fontRef idx="minor">
+            <a:schemeClr val="dk1"/>
+          </a:fontRef>
+        </p:style>
+        <p:txBody>
+          <a:bodyPr rtlCol="0" anchor="ctr"/>
+          <a:lstStyle/>
+          <a:p>
+            <a:pPr algn="ctr"/>
+            <a:r>
+              <a:rPr lang="de-CH" sz="800" dirty="0" err="1" smtClean="0"/>
+              <a:t>Init</a:t>
+            </a:r>
+            <a:r>
+              <a:rPr lang="de-CH" sz="800" dirty="0" smtClean="0"/>
+              <a:t> </a:t>
+            </a:r>
+            <a:r>
+              <a:rPr lang="de-CH" sz="800" dirty="0" err="1" smtClean="0"/>
+              <a:t>LoggingServer</a:t>
+            </a:r>
+            <a:endParaRPr lang="de-CH" sz="800" dirty="0"/>
+          </a:p>
+        </p:txBody>
+      </p:sp>
+      <p:sp>
+        <p:nvSpPr>
+          <p:cNvPr id="8" name="Rechteck 7"/>
+          <p:cNvSpPr/>
+          <p:nvPr/>
+        </p:nvSpPr>
+        <p:spPr>
+          <a:xfrm>
+            <a:off x="5435259" y="1425574"/>
+            <a:ext cx="1022899" cy="281950"/>
+          </a:xfrm>
+          <a:prstGeom prst="rect">
+            <a:avLst/>
+          </a:prstGeom>
+        </p:spPr>
+        <p:style>
+          <a:lnRef idx="2">
+            <a:schemeClr val="dk1"/>
+          </a:lnRef>
+          <a:fillRef idx="1">
+            <a:schemeClr val="lt1"/>
+          </a:fillRef>
+          <a:effectRef idx="0">
+            <a:schemeClr val="dk1"/>
+          </a:effectRef>
+          <a:fontRef idx="minor">
+            <a:schemeClr val="dk1"/>
+          </a:fontRef>
+        </p:style>
+        <p:txBody>
+          <a:bodyPr rtlCol="0" anchor="ctr"/>
+          <a:lstStyle/>
+          <a:p>
+            <a:pPr algn="ctr"/>
+            <a:r>
+              <a:rPr lang="de-CH" sz="800" dirty="0" err="1" smtClean="0"/>
+              <a:t>Init</a:t>
+            </a:r>
+            <a:r>
+              <a:rPr lang="de-CH" sz="800" dirty="0" smtClean="0"/>
+              <a:t> </a:t>
+            </a:r>
+            <a:r>
+              <a:rPr lang="de-CH" sz="800" dirty="0" err="1" smtClean="0"/>
+              <a:t>MainLanguageAPI</a:t>
+            </a:r>
+            <a:r>
+              <a:rPr lang="de-CH" sz="800" dirty="0" smtClean="0"/>
+              <a:t> </a:t>
+            </a:r>
+            <a:endParaRPr lang="de-CH" sz="800" dirty="0"/>
+          </a:p>
+        </p:txBody>
+      </p:sp>
+      <p:cxnSp>
+        <p:nvCxnSpPr>
+          <p:cNvPr id="11" name="Gerade Verbindung mit Pfeil 10"/>
+          <p:cNvCxnSpPr>
+            <a:stCxn id="7" idx="2"/>
+          </p:cNvCxnSpPr>
+          <p:nvPr/>
+        </p:nvCxnSpPr>
+        <p:spPr>
+          <a:xfrm>
+            <a:off x="5946709" y="1256404"/>
+            <a:ext cx="0" cy="169169"/>
+          </a:xfrm>
+          <a:prstGeom prst="straightConnector1">
+            <a:avLst/>
+          </a:prstGeom>
+          <a:ln>
+            <a:solidFill>
               <a:schemeClr val="tx1"/>
-            </a:fontRef>
-          </p:style>
-        </p:cxnSp>
-        <p:cxnSp>
-          <p:nvCxnSpPr>
-            <p:cNvPr id="14" name="Gerade Verbindung mit Pfeil 13"/>
-            <p:cNvCxnSpPr>
-              <a:stCxn id="8" idx="2"/>
-            </p:cNvCxnSpPr>
-            <p:nvPr/>
-          </p:nvCxnSpPr>
-          <p:spPr>
-            <a:xfrm>
-              <a:off x="5791972" y="1736451"/>
-              <a:ext cx="0" cy="169169"/>
-            </a:xfrm>
-            <a:prstGeom prst="straightConnector1">
-              <a:avLst/>
-            </a:prstGeom>
-            <a:ln>
-              <a:tailEnd type="triangle"/>
-            </a:ln>
-          </p:spPr>
-          <p:style>
-            <a:lnRef idx="1">
-              <a:schemeClr val="dk1"/>
-            </a:lnRef>
-            <a:fillRef idx="0">
-              <a:schemeClr val="dk1"/>
-            </a:fillRef>
-            <a:effectRef idx="0">
-              <a:schemeClr val="dk1"/>
-            </a:effectRef>
-            <a:fontRef idx="minor">
+            </a:solidFill>
+            <a:tailEnd type="triangle"/>
+          </a:ln>
+        </p:spPr>
+        <p:style>
+          <a:lnRef idx="1">
+            <a:schemeClr val="accent1"/>
+          </a:lnRef>
+          <a:fillRef idx="0">
+            <a:schemeClr val="accent1"/>
+          </a:fillRef>
+          <a:effectRef idx="0">
+            <a:schemeClr val="accent1"/>
+          </a:effectRef>
+          <a:fontRef idx="minor">
+            <a:schemeClr val="tx1"/>
+          </a:fontRef>
+        </p:style>
+      </p:cxnSp>
+      <p:cxnSp>
+        <p:nvCxnSpPr>
+          <p:cNvPr id="14" name="Gerade Verbindung mit Pfeil 13"/>
+          <p:cNvCxnSpPr>
+            <a:stCxn id="8" idx="2"/>
+          </p:cNvCxnSpPr>
+          <p:nvPr/>
+        </p:nvCxnSpPr>
+        <p:spPr>
+          <a:xfrm>
+            <a:off x="5946709" y="1707523"/>
+            <a:ext cx="0" cy="169169"/>
+          </a:xfrm>
+          <a:prstGeom prst="straightConnector1">
+            <a:avLst/>
+          </a:prstGeom>
+          <a:ln>
+            <a:tailEnd type="triangle"/>
+          </a:ln>
+        </p:spPr>
+        <p:style>
+          <a:lnRef idx="1">
+            <a:schemeClr val="dk1"/>
+          </a:lnRef>
+          <a:fillRef idx="0">
+            <a:schemeClr val="dk1"/>
+          </a:fillRef>
+          <a:effectRef idx="0">
+            <a:schemeClr val="dk1"/>
+          </a:effectRef>
+          <a:fontRef idx="minor">
+            <a:schemeClr val="tx1"/>
+          </a:fontRef>
+        </p:style>
+      </p:cxnSp>
+      <p:sp>
+        <p:nvSpPr>
+          <p:cNvPr id="20" name="Flussdiagramm: Verzweigung 19"/>
+          <p:cNvSpPr/>
+          <p:nvPr/>
+        </p:nvSpPr>
+        <p:spPr>
+          <a:xfrm>
+            <a:off x="5435259" y="1876693"/>
+            <a:ext cx="1022900" cy="355690"/>
+          </a:xfrm>
+          <a:prstGeom prst="flowChartDecision">
+            <a:avLst/>
+          </a:prstGeom>
+        </p:spPr>
+        <p:style>
+          <a:lnRef idx="2">
+            <a:schemeClr val="dk1"/>
+          </a:lnRef>
+          <a:fillRef idx="1">
+            <a:schemeClr val="lt1"/>
+          </a:fillRef>
+          <a:effectRef idx="0">
+            <a:schemeClr val="dk1"/>
+          </a:effectRef>
+          <a:fontRef idx="minor">
+            <a:schemeClr val="dk1"/>
+          </a:fontRef>
+        </p:style>
+        <p:txBody>
+          <a:bodyPr rtlCol="0" anchor="ctr"/>
+          <a:lstStyle/>
+          <a:p>
+            <a:pPr algn="ctr"/>
+            <a:r>
+              <a:rPr lang="de-CH" sz="800" dirty="0" err="1" smtClean="0"/>
+              <a:t>SqlApi</a:t>
+            </a:r>
+            <a:r>
+              <a:rPr lang="de-CH" sz="800" dirty="0" smtClean="0"/>
+              <a:t> </a:t>
+            </a:r>
+            <a:br>
+              <a:rPr lang="de-CH" sz="800" dirty="0" smtClean="0"/>
+            </a:br>
+            <a:r>
+              <a:rPr lang="de-CH" sz="800" dirty="0" smtClean="0"/>
+              <a:t>Test</a:t>
+            </a:r>
+            <a:endParaRPr lang="de-CH" sz="800" dirty="0"/>
+          </a:p>
+        </p:txBody>
+      </p:sp>
+      <p:cxnSp>
+        <p:nvCxnSpPr>
+          <p:cNvPr id="34" name="Gewinkelte Verbindung 33"/>
+          <p:cNvCxnSpPr>
+            <a:stCxn id="20" idx="3"/>
+            <a:endCxn id="39" idx="0"/>
+          </p:cNvCxnSpPr>
+          <p:nvPr/>
+        </p:nvCxnSpPr>
+        <p:spPr>
+          <a:xfrm flipH="1">
+            <a:off x="6034581" y="2054538"/>
+            <a:ext cx="423578" cy="4385305"/>
+          </a:xfrm>
+          <a:prstGeom prst="bentConnector4">
+            <a:avLst>
+              <a:gd name="adj1" fmla="val -690351"/>
+              <a:gd name="adj2" fmla="val 97423"/>
+            </a:avLst>
+          </a:prstGeom>
+          <a:ln>
+            <a:tailEnd type="triangle"/>
+          </a:ln>
+        </p:spPr>
+        <p:style>
+          <a:lnRef idx="1">
+            <a:schemeClr val="dk1"/>
+          </a:lnRef>
+          <a:fillRef idx="0">
+            <a:schemeClr val="dk1"/>
+          </a:fillRef>
+          <a:effectRef idx="0">
+            <a:schemeClr val="dk1"/>
+          </a:effectRef>
+          <a:fontRef idx="minor">
+            <a:schemeClr val="tx1"/>
+          </a:fontRef>
+        </p:style>
+      </p:cxnSp>
+      <p:sp>
+        <p:nvSpPr>
+          <p:cNvPr id="39" name="Rechteck 38"/>
+          <p:cNvSpPr/>
+          <p:nvPr/>
+        </p:nvSpPr>
+        <p:spPr>
+          <a:xfrm>
+            <a:off x="5523131" y="6439843"/>
+            <a:ext cx="1022899" cy="281950"/>
+          </a:xfrm>
+          <a:prstGeom prst="rect">
+            <a:avLst/>
+          </a:prstGeom>
+        </p:spPr>
+        <p:style>
+          <a:lnRef idx="2">
+            <a:schemeClr val="dk1"/>
+          </a:lnRef>
+          <a:fillRef idx="1">
+            <a:schemeClr val="lt1"/>
+          </a:fillRef>
+          <a:effectRef idx="0">
+            <a:schemeClr val="dk1"/>
+          </a:effectRef>
+          <a:fontRef idx="minor">
+            <a:schemeClr val="dk1"/>
+          </a:fontRef>
+        </p:style>
+        <p:txBody>
+          <a:bodyPr rtlCol="0" anchor="ctr"/>
+          <a:lstStyle/>
+          <a:p>
+            <a:pPr algn="ctr"/>
+            <a:r>
+              <a:rPr lang="de-CH" sz="800" dirty="0" err="1" smtClean="0"/>
+              <a:t>Quit</a:t>
+            </a:r>
+            <a:endParaRPr lang="de-CH" sz="800" dirty="0"/>
+          </a:p>
+        </p:txBody>
+      </p:sp>
+      <p:sp>
+        <p:nvSpPr>
+          <p:cNvPr id="40" name="Textfeld 39"/>
+          <p:cNvSpPr txBox="1"/>
+          <p:nvPr/>
+        </p:nvSpPr>
+        <p:spPr>
+          <a:xfrm>
+            <a:off x="7044035" y="1876692"/>
+            <a:ext cx="696244" cy="215444"/>
+          </a:xfrm>
+          <a:prstGeom prst="rect">
+            <a:avLst/>
+          </a:prstGeom>
+          <a:noFill/>
+        </p:spPr>
+        <p:txBody>
+          <a:bodyPr wrap="square" rtlCol="0">
+            <a:spAutoFit/>
+          </a:bodyPr>
+          <a:lstStyle/>
+          <a:p>
+            <a:r>
+              <a:rPr lang="de-CH" sz="800" dirty="0" smtClean="0"/>
+              <a:t>Not </a:t>
+            </a:r>
+            <a:r>
+              <a:rPr lang="de-CH" sz="800" dirty="0" err="1" smtClean="0"/>
+              <a:t>working</a:t>
+            </a:r>
+            <a:endParaRPr lang="de-CH" sz="800" dirty="0"/>
+          </a:p>
+        </p:txBody>
+      </p:sp>
+      <p:sp>
+        <p:nvSpPr>
+          <p:cNvPr id="47" name="Rechteck 46"/>
+          <p:cNvSpPr/>
+          <p:nvPr/>
+        </p:nvSpPr>
+        <p:spPr>
+          <a:xfrm>
+            <a:off x="5448395" y="3556064"/>
+            <a:ext cx="995363" cy="276225"/>
+          </a:xfrm>
+          <a:prstGeom prst="rect">
+            <a:avLst/>
+          </a:prstGeom>
+        </p:spPr>
+        <p:style>
+          <a:lnRef idx="2">
+            <a:schemeClr val="dk1"/>
+          </a:lnRef>
+          <a:fillRef idx="1">
+            <a:schemeClr val="lt1"/>
+          </a:fillRef>
+          <a:effectRef idx="0">
+            <a:schemeClr val="dk1"/>
+          </a:effectRef>
+          <a:fontRef idx="minor">
+            <a:schemeClr val="dk1"/>
+          </a:fontRef>
+        </p:style>
+        <p:txBody>
+          <a:bodyPr rtlCol="0" anchor="ctr"/>
+          <a:lstStyle/>
+          <a:p>
+            <a:pPr algn="ctr"/>
+            <a:r>
+              <a:rPr lang="de-CH" sz="800" dirty="0" err="1" smtClean="0"/>
+              <a:t>InputQueue</a:t>
+            </a:r>
+            <a:endParaRPr lang="de-CH" sz="800" dirty="0"/>
+          </a:p>
+        </p:txBody>
+      </p:sp>
+      <p:sp>
+        <p:nvSpPr>
+          <p:cNvPr id="51" name="Rechteck 50"/>
+          <p:cNvSpPr/>
+          <p:nvPr/>
+        </p:nvSpPr>
+        <p:spPr>
+          <a:xfrm>
+            <a:off x="5448395" y="3991058"/>
+            <a:ext cx="995363" cy="276225"/>
+          </a:xfrm>
+          <a:prstGeom prst="rect">
+            <a:avLst/>
+          </a:prstGeom>
+        </p:spPr>
+        <p:style>
+          <a:lnRef idx="2">
+            <a:schemeClr val="dk1"/>
+          </a:lnRef>
+          <a:fillRef idx="1">
+            <a:schemeClr val="lt1"/>
+          </a:fillRef>
+          <a:effectRef idx="0">
+            <a:schemeClr val="dk1"/>
+          </a:effectRef>
+          <a:fontRef idx="minor">
+            <a:schemeClr val="dk1"/>
+          </a:fontRef>
+        </p:style>
+        <p:txBody>
+          <a:bodyPr rtlCol="0" anchor="ctr"/>
+          <a:lstStyle/>
+          <a:p>
+            <a:pPr algn="ctr"/>
+            <a:r>
+              <a:rPr lang="de-CH" sz="800" dirty="0" err="1" smtClean="0"/>
+              <a:t>OutputQueue</a:t>
+            </a:r>
+            <a:endParaRPr lang="de-CH" sz="800" dirty="0"/>
+          </a:p>
+        </p:txBody>
+      </p:sp>
+      <p:sp>
+        <p:nvSpPr>
+          <p:cNvPr id="62" name="Rechteck 61"/>
+          <p:cNvSpPr/>
+          <p:nvPr/>
+        </p:nvSpPr>
+        <p:spPr>
+          <a:xfrm>
+            <a:off x="5448395" y="4426052"/>
+            <a:ext cx="995363" cy="276225"/>
+          </a:xfrm>
+          <a:prstGeom prst="rect">
+            <a:avLst/>
+          </a:prstGeom>
+        </p:spPr>
+        <p:style>
+          <a:lnRef idx="2">
+            <a:schemeClr val="dk1"/>
+          </a:lnRef>
+          <a:fillRef idx="1">
+            <a:schemeClr val="lt1"/>
+          </a:fillRef>
+          <a:effectRef idx="0">
+            <a:schemeClr val="dk1"/>
+          </a:effectRef>
+          <a:fontRef idx="minor">
+            <a:schemeClr val="dk1"/>
+          </a:fontRef>
+        </p:style>
+        <p:txBody>
+          <a:bodyPr rtlCol="0" anchor="ctr"/>
+          <a:lstStyle/>
+          <a:p>
+            <a:pPr algn="ctr"/>
+            <a:r>
+              <a:rPr lang="de-CH" sz="800" dirty="0" err="1" smtClean="0"/>
+              <a:t>Init</a:t>
+            </a:r>
+            <a:r>
+              <a:rPr lang="de-CH" sz="800" dirty="0" smtClean="0"/>
+              <a:t/>
+            </a:r>
+            <a:br>
+              <a:rPr lang="de-CH" sz="800" dirty="0" smtClean="0"/>
+            </a:br>
+            <a:r>
+              <a:rPr lang="de-CH" sz="800" dirty="0" err="1" smtClean="0"/>
+              <a:t>WorkerProcess</a:t>
+            </a:r>
+            <a:endParaRPr lang="de-CH" sz="800" dirty="0"/>
+          </a:p>
+        </p:txBody>
+      </p:sp>
+      <p:sp>
+        <p:nvSpPr>
+          <p:cNvPr id="63" name="Rechteck 62"/>
+          <p:cNvSpPr/>
+          <p:nvPr/>
+        </p:nvSpPr>
+        <p:spPr>
+          <a:xfrm>
+            <a:off x="3968407" y="4935114"/>
+            <a:ext cx="995363" cy="276225"/>
+          </a:xfrm>
+          <a:prstGeom prst="rect">
+            <a:avLst/>
+          </a:prstGeom>
+        </p:spPr>
+        <p:style>
+          <a:lnRef idx="2">
+            <a:schemeClr val="dk1"/>
+          </a:lnRef>
+          <a:fillRef idx="1">
+            <a:schemeClr val="lt1"/>
+          </a:fillRef>
+          <a:effectRef idx="0">
+            <a:schemeClr val="dk1"/>
+          </a:effectRef>
+          <a:fontRef idx="minor">
+            <a:schemeClr val="dk1"/>
+          </a:fontRef>
+        </p:style>
+        <p:txBody>
+          <a:bodyPr rtlCol="0" anchor="ctr"/>
+          <a:lstStyle/>
+          <a:p>
+            <a:pPr algn="ctr"/>
+            <a:r>
+              <a:rPr lang="de-CH" sz="800" dirty="0" err="1" smtClean="0"/>
+              <a:t>Init</a:t>
+            </a:r>
+            <a:r>
+              <a:rPr lang="de-CH" sz="800" dirty="0" smtClean="0"/>
+              <a:t/>
+            </a:r>
+            <a:br>
+              <a:rPr lang="de-CH" sz="800" dirty="0" smtClean="0"/>
+            </a:br>
+            <a:r>
+              <a:rPr lang="de-CH" sz="800" dirty="0" err="1" smtClean="0"/>
+              <a:t>InputTelegramAPI</a:t>
+            </a:r>
+            <a:endParaRPr lang="de-CH" sz="800" dirty="0"/>
+          </a:p>
+        </p:txBody>
+      </p:sp>
+      <p:sp>
+        <p:nvSpPr>
+          <p:cNvPr id="64" name="Rechteck 63"/>
+          <p:cNvSpPr/>
+          <p:nvPr/>
+        </p:nvSpPr>
+        <p:spPr>
+          <a:xfrm>
+            <a:off x="7189848" y="4935114"/>
+            <a:ext cx="1033746" cy="276225"/>
+          </a:xfrm>
+          <a:prstGeom prst="rect">
+            <a:avLst/>
+          </a:prstGeom>
+        </p:spPr>
+        <p:style>
+          <a:lnRef idx="2">
+            <a:schemeClr val="dk1"/>
+          </a:lnRef>
+          <a:fillRef idx="1">
+            <a:schemeClr val="lt1"/>
+          </a:fillRef>
+          <a:effectRef idx="0">
+            <a:schemeClr val="dk1"/>
+          </a:effectRef>
+          <a:fontRef idx="minor">
+            <a:schemeClr val="dk1"/>
+          </a:fontRef>
+        </p:style>
+        <p:txBody>
+          <a:bodyPr rtlCol="0" anchor="ctr"/>
+          <a:lstStyle/>
+          <a:p>
+            <a:pPr algn="ctr"/>
+            <a:r>
+              <a:rPr lang="de-CH" sz="800" dirty="0" err="1" smtClean="0"/>
+              <a:t>Init</a:t>
+            </a:r>
+            <a:r>
+              <a:rPr lang="de-CH" sz="800" dirty="0" smtClean="0"/>
+              <a:t/>
+            </a:r>
+            <a:br>
+              <a:rPr lang="de-CH" sz="800" dirty="0" smtClean="0"/>
+            </a:br>
+            <a:r>
+              <a:rPr lang="de-CH" sz="800" dirty="0" err="1" smtClean="0"/>
+              <a:t>OutputTelegramApi</a:t>
+            </a:r>
+            <a:endParaRPr lang="de-CH" sz="800" dirty="0"/>
+          </a:p>
+        </p:txBody>
+      </p:sp>
+      <p:cxnSp>
+        <p:nvCxnSpPr>
+          <p:cNvPr id="65" name="Gerade Verbindung mit Pfeil 64"/>
+          <p:cNvCxnSpPr>
+            <a:stCxn id="51" idx="2"/>
+            <a:endCxn id="62" idx="0"/>
+          </p:cNvCxnSpPr>
+          <p:nvPr/>
+        </p:nvCxnSpPr>
+        <p:spPr>
+          <a:xfrm>
+            <a:off x="5946077" y="4267283"/>
+            <a:ext cx="0" cy="158769"/>
+          </a:xfrm>
+          <a:prstGeom prst="straightConnector1">
+            <a:avLst/>
+          </a:prstGeom>
+          <a:ln>
+            <a:tailEnd type="triangle"/>
+          </a:ln>
+        </p:spPr>
+        <p:style>
+          <a:lnRef idx="1">
+            <a:schemeClr val="dk1"/>
+          </a:lnRef>
+          <a:fillRef idx="0">
+            <a:schemeClr val="dk1"/>
+          </a:fillRef>
+          <a:effectRef idx="0">
+            <a:schemeClr val="dk1"/>
+          </a:effectRef>
+          <a:fontRef idx="minor">
+            <a:schemeClr val="tx1"/>
+          </a:fontRef>
+        </p:style>
+      </p:cxnSp>
+      <p:sp>
+        <p:nvSpPr>
+          <p:cNvPr id="69" name="Textfeld 68"/>
+          <p:cNvSpPr txBox="1"/>
+          <p:nvPr/>
+        </p:nvSpPr>
+        <p:spPr>
+          <a:xfrm>
+            <a:off x="6034581" y="2293830"/>
+            <a:ext cx="606681" cy="215444"/>
+          </a:xfrm>
+          <a:prstGeom prst="rect">
+            <a:avLst/>
+          </a:prstGeom>
+          <a:noFill/>
+        </p:spPr>
+        <p:txBody>
+          <a:bodyPr wrap="square" rtlCol="0">
+            <a:spAutoFit/>
+          </a:bodyPr>
+          <a:lstStyle/>
+          <a:p>
+            <a:r>
+              <a:rPr lang="de-CH" sz="800" dirty="0" err="1" smtClean="0"/>
+              <a:t>It</a:t>
+            </a:r>
+            <a:r>
+              <a:rPr lang="de-CH" sz="800" dirty="0" smtClean="0"/>
+              <a:t> Works</a:t>
+            </a:r>
+            <a:endParaRPr lang="de-CH" sz="800" dirty="0"/>
+          </a:p>
+        </p:txBody>
+      </p:sp>
+      <p:sp>
+        <p:nvSpPr>
+          <p:cNvPr id="71" name="Flussdiagramm: Verzweigung 70"/>
+          <p:cNvSpPr/>
+          <p:nvPr/>
+        </p:nvSpPr>
+        <p:spPr>
+          <a:xfrm>
+            <a:off x="5170320" y="2489321"/>
+            <a:ext cx="1552776" cy="386876"/>
+          </a:xfrm>
+          <a:prstGeom prst="flowChartDecision">
+            <a:avLst/>
+          </a:prstGeom>
+        </p:spPr>
+        <p:style>
+          <a:lnRef idx="2">
+            <a:schemeClr val="dk1"/>
+          </a:lnRef>
+          <a:fillRef idx="1">
+            <a:schemeClr val="lt1"/>
+          </a:fillRef>
+          <a:effectRef idx="0">
+            <a:schemeClr val="dk1"/>
+          </a:effectRef>
+          <a:fontRef idx="minor">
+            <a:schemeClr val="dk1"/>
+          </a:fontRef>
+        </p:style>
+        <p:txBody>
+          <a:bodyPr rtlCol="0" anchor="ctr"/>
+          <a:lstStyle/>
+          <a:p>
+            <a:pPr algn="ctr"/>
+            <a:r>
+              <a:rPr lang="de-CH" sz="800" dirty="0" err="1" smtClean="0"/>
+              <a:t>TelegramAPI</a:t>
+            </a:r>
+            <a:r>
+              <a:rPr lang="de-CH" sz="800" dirty="0" smtClean="0"/>
+              <a:t/>
+            </a:r>
+            <a:br>
+              <a:rPr lang="de-CH" sz="800" dirty="0" smtClean="0"/>
+            </a:br>
+            <a:r>
+              <a:rPr lang="de-CH" sz="800" dirty="0" smtClean="0"/>
+              <a:t>Test</a:t>
+            </a:r>
+            <a:endParaRPr lang="de-CH" sz="800" dirty="0"/>
+          </a:p>
+        </p:txBody>
+      </p:sp>
+      <p:cxnSp>
+        <p:nvCxnSpPr>
+          <p:cNvPr id="72" name="Gerade Verbindung mit Pfeil 71"/>
+          <p:cNvCxnSpPr/>
+          <p:nvPr/>
+        </p:nvCxnSpPr>
+        <p:spPr>
+          <a:xfrm>
+            <a:off x="5946708" y="2232383"/>
+            <a:ext cx="0" cy="245706"/>
+          </a:xfrm>
+          <a:prstGeom prst="straightConnector1">
+            <a:avLst/>
+          </a:prstGeom>
+          <a:ln>
+            <a:tailEnd type="triangle"/>
+          </a:ln>
+        </p:spPr>
+        <p:style>
+          <a:lnRef idx="1">
+            <a:schemeClr val="dk1"/>
+          </a:lnRef>
+          <a:fillRef idx="0">
+            <a:schemeClr val="dk1"/>
+          </a:fillRef>
+          <a:effectRef idx="0">
+            <a:schemeClr val="dk1"/>
+          </a:effectRef>
+          <a:fontRef idx="minor">
+            <a:schemeClr val="tx1"/>
+          </a:fontRef>
+        </p:style>
+      </p:cxnSp>
+      <p:sp>
+        <p:nvSpPr>
+          <p:cNvPr id="73" name="Textfeld 72"/>
+          <p:cNvSpPr txBox="1"/>
+          <p:nvPr/>
+        </p:nvSpPr>
+        <p:spPr>
+          <a:xfrm>
+            <a:off x="5960995" y="2874725"/>
+            <a:ext cx="606681" cy="215444"/>
+          </a:xfrm>
+          <a:prstGeom prst="rect">
+            <a:avLst/>
+          </a:prstGeom>
+          <a:noFill/>
+        </p:spPr>
+        <p:txBody>
+          <a:bodyPr wrap="square" rtlCol="0">
+            <a:spAutoFit/>
+          </a:bodyPr>
+          <a:lstStyle/>
+          <a:p>
+            <a:r>
+              <a:rPr lang="de-CH" sz="800" dirty="0" err="1" smtClean="0"/>
+              <a:t>It</a:t>
+            </a:r>
+            <a:r>
+              <a:rPr lang="de-CH" sz="800" dirty="0" smtClean="0"/>
+              <a:t> Works</a:t>
+            </a:r>
+            <a:endParaRPr lang="de-CH" sz="800" dirty="0"/>
+          </a:p>
+        </p:txBody>
+      </p:sp>
+      <p:sp>
+        <p:nvSpPr>
+          <p:cNvPr id="74" name="Textfeld 73"/>
+          <p:cNvSpPr txBox="1"/>
+          <p:nvPr/>
+        </p:nvSpPr>
+        <p:spPr>
+          <a:xfrm>
+            <a:off x="7044035" y="2467315"/>
+            <a:ext cx="696244" cy="215444"/>
+          </a:xfrm>
+          <a:prstGeom prst="rect">
+            <a:avLst/>
+          </a:prstGeom>
+          <a:noFill/>
+        </p:spPr>
+        <p:txBody>
+          <a:bodyPr wrap="square" rtlCol="0">
+            <a:spAutoFit/>
+          </a:bodyPr>
+          <a:lstStyle/>
+          <a:p>
+            <a:r>
+              <a:rPr lang="de-CH" sz="800" dirty="0" smtClean="0"/>
+              <a:t>Not </a:t>
+            </a:r>
+            <a:r>
+              <a:rPr lang="de-CH" sz="800" dirty="0" err="1" smtClean="0"/>
+              <a:t>working</a:t>
+            </a:r>
+            <a:endParaRPr lang="de-CH" sz="800" dirty="0"/>
+          </a:p>
+        </p:txBody>
+      </p:sp>
+      <p:cxnSp>
+        <p:nvCxnSpPr>
+          <p:cNvPr id="75" name="Gerade Verbindung mit Pfeil 74"/>
+          <p:cNvCxnSpPr>
+            <a:stCxn id="71" idx="3"/>
+            <a:endCxn id="39" idx="3"/>
+          </p:cNvCxnSpPr>
+          <p:nvPr/>
+        </p:nvCxnSpPr>
+        <p:spPr>
+          <a:xfrm flipH="1">
+            <a:off x="6546030" y="2682759"/>
+            <a:ext cx="177066" cy="3898059"/>
+          </a:xfrm>
+          <a:prstGeom prst="bentConnector3">
+            <a:avLst>
+              <a:gd name="adj1" fmla="val -1248009"/>
+            </a:avLst>
+          </a:prstGeom>
+          <a:ln>
+            <a:tailEnd type="triangle"/>
+          </a:ln>
+        </p:spPr>
+        <p:style>
+          <a:lnRef idx="1">
+            <a:schemeClr val="dk1"/>
+          </a:lnRef>
+          <a:fillRef idx="0">
+            <a:schemeClr val="dk1"/>
+          </a:fillRef>
+          <a:effectRef idx="0">
+            <a:schemeClr val="dk1"/>
+          </a:effectRef>
+          <a:fontRef idx="minor">
+            <a:schemeClr val="tx1"/>
+          </a:fontRef>
+        </p:style>
+      </p:cxnSp>
+      <p:cxnSp>
+        <p:nvCxnSpPr>
+          <p:cNvPr id="79" name="Gerade Verbindung mit Pfeil 78"/>
+          <p:cNvCxnSpPr/>
+          <p:nvPr/>
+        </p:nvCxnSpPr>
+        <p:spPr>
+          <a:xfrm>
+            <a:off x="5955966" y="2876197"/>
+            <a:ext cx="0" cy="245706"/>
+          </a:xfrm>
+          <a:prstGeom prst="straightConnector1">
+            <a:avLst/>
+          </a:prstGeom>
+          <a:ln>
+            <a:tailEnd type="triangle"/>
+          </a:ln>
+        </p:spPr>
+        <p:style>
+          <a:lnRef idx="1">
+            <a:schemeClr val="dk1"/>
+          </a:lnRef>
+          <a:fillRef idx="0">
+            <a:schemeClr val="dk1"/>
+          </a:fillRef>
+          <a:effectRef idx="0">
+            <a:schemeClr val="dk1"/>
+          </a:effectRef>
+          <a:fontRef idx="minor">
+            <a:schemeClr val="tx1"/>
+          </a:fontRef>
+        </p:style>
+      </p:cxnSp>
+      <p:sp>
+        <p:nvSpPr>
+          <p:cNvPr id="80" name="Rechteck 79"/>
+          <p:cNvSpPr/>
+          <p:nvPr/>
+        </p:nvSpPr>
+        <p:spPr>
+          <a:xfrm>
+            <a:off x="5449026" y="3113695"/>
+            <a:ext cx="995363" cy="276225"/>
+          </a:xfrm>
+          <a:prstGeom prst="rect">
+            <a:avLst/>
+          </a:prstGeom>
+        </p:spPr>
+        <p:style>
+          <a:lnRef idx="2">
+            <a:schemeClr val="dk1"/>
+          </a:lnRef>
+          <a:fillRef idx="1">
+            <a:schemeClr val="lt1"/>
+          </a:fillRef>
+          <a:effectRef idx="0">
+            <a:schemeClr val="dk1"/>
+          </a:effectRef>
+          <a:fontRef idx="minor">
+            <a:schemeClr val="dk1"/>
+          </a:fontRef>
+        </p:style>
+        <p:txBody>
+          <a:bodyPr rtlCol="0" anchor="ctr"/>
+          <a:lstStyle/>
+          <a:p>
+            <a:pPr algn="ctr"/>
+            <a:r>
+              <a:rPr lang="de-CH" sz="800" dirty="0" err="1" smtClean="0"/>
+              <a:t>Init</a:t>
+            </a:r>
+            <a:r>
+              <a:rPr lang="de-CH" sz="800" dirty="0" smtClean="0"/>
+              <a:t/>
+            </a:r>
+            <a:br>
+              <a:rPr lang="de-CH" sz="800" dirty="0" smtClean="0"/>
+            </a:br>
+            <a:r>
+              <a:rPr lang="de-CH" sz="800" dirty="0" smtClean="0"/>
+              <a:t>Queues</a:t>
+            </a:r>
+            <a:endParaRPr lang="de-CH" sz="800" dirty="0"/>
+          </a:p>
+        </p:txBody>
+      </p:sp>
+      <p:cxnSp>
+        <p:nvCxnSpPr>
+          <p:cNvPr id="81" name="Gerade Verbindung mit Pfeil 80"/>
+          <p:cNvCxnSpPr>
+            <a:stCxn id="47" idx="2"/>
+            <a:endCxn id="51" idx="0"/>
+          </p:cNvCxnSpPr>
+          <p:nvPr/>
+        </p:nvCxnSpPr>
+        <p:spPr>
+          <a:xfrm>
+            <a:off x="5946077" y="3832289"/>
+            <a:ext cx="0" cy="158769"/>
+          </a:xfrm>
+          <a:prstGeom prst="straightConnector1">
+            <a:avLst/>
+          </a:prstGeom>
+          <a:ln>
+            <a:tailEnd type="triangle"/>
+          </a:ln>
+        </p:spPr>
+        <p:style>
+          <a:lnRef idx="1">
+            <a:schemeClr val="dk1"/>
+          </a:lnRef>
+          <a:fillRef idx="0">
+            <a:schemeClr val="dk1"/>
+          </a:fillRef>
+          <a:effectRef idx="0">
+            <a:schemeClr val="dk1"/>
+          </a:effectRef>
+          <a:fontRef idx="minor">
+            <a:schemeClr val="tx1"/>
+          </a:fontRef>
+        </p:style>
+      </p:cxnSp>
+      <p:cxnSp>
+        <p:nvCxnSpPr>
+          <p:cNvPr id="84" name="Gerade Verbindung mit Pfeil 83"/>
+          <p:cNvCxnSpPr>
+            <a:stCxn id="80" idx="2"/>
+            <a:endCxn id="47" idx="0"/>
+          </p:cNvCxnSpPr>
+          <p:nvPr/>
+        </p:nvCxnSpPr>
+        <p:spPr>
+          <a:xfrm flipH="1">
+            <a:off x="5946077" y="3389920"/>
+            <a:ext cx="631" cy="166144"/>
+          </a:xfrm>
+          <a:prstGeom prst="straightConnector1">
+            <a:avLst/>
+          </a:prstGeom>
+          <a:ln>
+            <a:tailEnd type="triangle"/>
+          </a:ln>
+        </p:spPr>
+        <p:style>
+          <a:lnRef idx="1">
+            <a:schemeClr val="dk1"/>
+          </a:lnRef>
+          <a:fillRef idx="0">
+            <a:schemeClr val="dk1"/>
+          </a:fillRef>
+          <a:effectRef idx="0">
+            <a:schemeClr val="dk1"/>
+          </a:effectRef>
+          <a:fontRef idx="minor">
+            <a:schemeClr val="tx1"/>
+          </a:fontRef>
+        </p:style>
+      </p:cxnSp>
+      <p:cxnSp>
+        <p:nvCxnSpPr>
+          <p:cNvPr id="96" name="Gewinkelte Verbindung 95"/>
+          <p:cNvCxnSpPr>
+            <a:stCxn id="62" idx="2"/>
+            <a:endCxn id="64" idx="0"/>
+          </p:cNvCxnSpPr>
+          <p:nvPr/>
+        </p:nvCxnSpPr>
+        <p:spPr>
+          <a:xfrm rot="16200000" flipH="1">
+            <a:off x="6709981" y="3938373"/>
+            <a:ext cx="232837" cy="1760644"/>
+          </a:xfrm>
+          <a:prstGeom prst="bentConnector3">
+            <a:avLst/>
+          </a:prstGeom>
+          <a:ln>
+            <a:tailEnd type="triangle"/>
+          </a:ln>
+        </p:spPr>
+        <p:style>
+          <a:lnRef idx="1">
+            <a:schemeClr val="dk1"/>
+          </a:lnRef>
+          <a:fillRef idx="0">
+            <a:schemeClr val="dk1"/>
+          </a:fillRef>
+          <a:effectRef idx="0">
+            <a:schemeClr val="dk1"/>
+          </a:effectRef>
+          <a:fontRef idx="minor">
+            <a:schemeClr val="tx1"/>
+          </a:fontRef>
+        </p:style>
+      </p:cxnSp>
+      <p:cxnSp>
+        <p:nvCxnSpPr>
+          <p:cNvPr id="99" name="Gewinkelte Verbindung 98"/>
+          <p:cNvCxnSpPr>
+            <a:stCxn id="62" idx="2"/>
+            <a:endCxn id="63" idx="0"/>
+          </p:cNvCxnSpPr>
+          <p:nvPr/>
+        </p:nvCxnSpPr>
+        <p:spPr>
+          <a:xfrm rot="5400000">
+            <a:off x="5089665" y="4078701"/>
+            <a:ext cx="232837" cy="1479988"/>
+          </a:xfrm>
+          <a:prstGeom prst="bentConnector3">
+            <a:avLst/>
+          </a:prstGeom>
+          <a:ln>
+            <a:tailEnd type="triangle"/>
+          </a:ln>
+        </p:spPr>
+        <p:style>
+          <a:lnRef idx="1">
+            <a:schemeClr val="dk1"/>
+          </a:lnRef>
+          <a:fillRef idx="0">
+            <a:schemeClr val="dk1"/>
+          </a:fillRef>
+          <a:effectRef idx="0">
+            <a:schemeClr val="dk1"/>
+          </a:effectRef>
+          <a:fontRef idx="minor">
+            <a:schemeClr val="tx1"/>
+          </a:fontRef>
+        </p:style>
+      </p:cxnSp>
+      <p:sp>
+        <p:nvSpPr>
+          <p:cNvPr id="100" name="Rechteck 99"/>
+          <p:cNvSpPr/>
+          <p:nvPr/>
+        </p:nvSpPr>
+        <p:spPr>
+          <a:xfrm>
+            <a:off x="6203101" y="5980631"/>
+            <a:ext cx="995363" cy="276225"/>
+          </a:xfrm>
+          <a:prstGeom prst="rect">
+            <a:avLst/>
+          </a:prstGeom>
+        </p:spPr>
+        <p:style>
+          <a:lnRef idx="2">
+            <a:schemeClr val="dk1"/>
+          </a:lnRef>
+          <a:fillRef idx="1">
+            <a:schemeClr val="lt1"/>
+          </a:fillRef>
+          <a:effectRef idx="0">
+            <a:schemeClr val="dk1"/>
+          </a:effectRef>
+          <a:fontRef idx="minor">
+            <a:schemeClr val="dk1"/>
+          </a:fontRef>
+        </p:style>
+        <p:txBody>
+          <a:bodyPr rtlCol="0" anchor="ctr"/>
+          <a:lstStyle/>
+          <a:p>
+            <a:pPr algn="ctr"/>
+            <a:r>
+              <a:rPr lang="de-CH" sz="800" dirty="0" err="1" smtClean="0"/>
+              <a:t>OutputQueue</a:t>
+            </a:r>
+            <a:endParaRPr lang="de-CH" sz="800" dirty="0"/>
+          </a:p>
+        </p:txBody>
+      </p:sp>
+      <p:sp>
+        <p:nvSpPr>
+          <p:cNvPr id="101" name="Rechteck 100"/>
+          <p:cNvSpPr/>
+          <p:nvPr/>
+        </p:nvSpPr>
+        <p:spPr>
+          <a:xfrm>
+            <a:off x="4688237" y="5982592"/>
+            <a:ext cx="995363" cy="276225"/>
+          </a:xfrm>
+          <a:prstGeom prst="rect">
+            <a:avLst/>
+          </a:prstGeom>
+        </p:spPr>
+        <p:style>
+          <a:lnRef idx="2">
+            <a:schemeClr val="dk1"/>
+          </a:lnRef>
+          <a:fillRef idx="1">
+            <a:schemeClr val="lt1"/>
+          </a:fillRef>
+          <a:effectRef idx="0">
+            <a:schemeClr val="dk1"/>
+          </a:effectRef>
+          <a:fontRef idx="minor">
+            <a:schemeClr val="dk1"/>
+          </a:fontRef>
+        </p:style>
+        <p:txBody>
+          <a:bodyPr rtlCol="0" anchor="ctr"/>
+          <a:lstStyle/>
+          <a:p>
+            <a:pPr algn="ctr"/>
+            <a:r>
+              <a:rPr lang="de-CH" sz="800" dirty="0" err="1" smtClean="0"/>
+              <a:t>InputQueue</a:t>
+            </a:r>
+            <a:endParaRPr lang="de-CH" sz="800" dirty="0"/>
+          </a:p>
+        </p:txBody>
+      </p:sp>
+      <p:cxnSp>
+        <p:nvCxnSpPr>
+          <p:cNvPr id="106" name="Gewinkelte Verbindung 105"/>
+          <p:cNvCxnSpPr>
+            <a:stCxn id="63" idx="3"/>
+            <a:endCxn id="101" idx="3"/>
+          </p:cNvCxnSpPr>
+          <p:nvPr/>
+        </p:nvCxnSpPr>
+        <p:spPr>
+          <a:xfrm>
+            <a:off x="4963770" y="5073227"/>
+            <a:ext cx="719830" cy="1047478"/>
+          </a:xfrm>
+          <a:prstGeom prst="bentConnector3">
+            <a:avLst>
+              <a:gd name="adj1" fmla="val 131757"/>
+            </a:avLst>
+          </a:prstGeom>
+          <a:ln>
+            <a:tailEnd type="triangle"/>
+          </a:ln>
+        </p:spPr>
+        <p:style>
+          <a:lnRef idx="1">
+            <a:schemeClr val="dk1"/>
+          </a:lnRef>
+          <a:fillRef idx="0">
+            <a:schemeClr val="dk1"/>
+          </a:fillRef>
+          <a:effectRef idx="0">
+            <a:schemeClr val="dk1"/>
+          </a:effectRef>
+          <a:fontRef idx="minor">
+            <a:schemeClr val="tx1"/>
+          </a:fontRef>
+        </p:style>
+      </p:cxnSp>
+      <p:cxnSp>
+        <p:nvCxnSpPr>
+          <p:cNvPr id="108" name="Gewinkelte Verbindung 107"/>
+          <p:cNvCxnSpPr>
+            <a:stCxn id="101" idx="0"/>
+            <a:endCxn id="62" idx="1"/>
+          </p:cNvCxnSpPr>
+          <p:nvPr/>
+        </p:nvCxnSpPr>
+        <p:spPr>
+          <a:xfrm rot="5400000" flipH="1" flipV="1">
+            <a:off x="4607944" y="5142141"/>
+            <a:ext cx="1418427" cy="262476"/>
+          </a:xfrm>
+          <a:prstGeom prst="bentConnector2">
+            <a:avLst/>
+          </a:prstGeom>
+          <a:ln>
+            <a:tailEnd type="triangle"/>
+          </a:ln>
+        </p:spPr>
+        <p:style>
+          <a:lnRef idx="1">
+            <a:schemeClr val="dk1"/>
+          </a:lnRef>
+          <a:fillRef idx="0">
+            <a:schemeClr val="dk1"/>
+          </a:fillRef>
+          <a:effectRef idx="0">
+            <a:schemeClr val="dk1"/>
+          </a:effectRef>
+          <a:fontRef idx="minor">
+            <a:schemeClr val="tx1"/>
+          </a:fontRef>
+        </p:style>
+      </p:cxnSp>
+      <p:cxnSp>
+        <p:nvCxnSpPr>
+          <p:cNvPr id="110" name="Gewinkelte Verbindung 109"/>
+          <p:cNvCxnSpPr>
+            <a:stCxn id="62" idx="3"/>
+            <a:endCxn id="100" idx="0"/>
+          </p:cNvCxnSpPr>
+          <p:nvPr/>
+        </p:nvCxnSpPr>
+        <p:spPr>
+          <a:xfrm>
+            <a:off x="6443758" y="4564165"/>
+            <a:ext cx="257025" cy="1416466"/>
+          </a:xfrm>
+          <a:prstGeom prst="bentConnector2">
+            <a:avLst/>
+          </a:prstGeom>
+          <a:ln>
+            <a:tailEnd type="triangle"/>
+          </a:ln>
+        </p:spPr>
+        <p:style>
+          <a:lnRef idx="1">
+            <a:schemeClr val="dk1"/>
+          </a:lnRef>
+          <a:fillRef idx="0">
+            <a:schemeClr val="dk1"/>
+          </a:fillRef>
+          <a:effectRef idx="0">
+            <a:schemeClr val="dk1"/>
+          </a:effectRef>
+          <a:fontRef idx="minor">
+            <a:schemeClr val="tx1"/>
+          </a:fontRef>
+        </p:style>
+      </p:cxnSp>
+      <p:cxnSp>
+        <p:nvCxnSpPr>
+          <p:cNvPr id="113" name="Gewinkelte Verbindung 112"/>
+          <p:cNvCxnSpPr>
+            <a:stCxn id="100" idx="3"/>
+            <a:endCxn id="64" idx="1"/>
+          </p:cNvCxnSpPr>
+          <p:nvPr/>
+        </p:nvCxnSpPr>
+        <p:spPr>
+          <a:xfrm flipH="1" flipV="1">
+            <a:off x="7189848" y="5073227"/>
+            <a:ext cx="8616" cy="1045517"/>
+          </a:xfrm>
+          <a:prstGeom prst="bentConnector5">
+            <a:avLst>
+              <a:gd name="adj1" fmla="val -1680362"/>
+              <a:gd name="adj2" fmla="val 50000"/>
+              <a:gd name="adj3" fmla="val 2753203"/>
+            </a:avLst>
+          </a:prstGeom>
+          <a:ln>
+            <a:tailEnd type="triangle"/>
+          </a:ln>
+        </p:spPr>
+        <p:style>
+          <a:lnRef idx="1">
+            <a:schemeClr val="dk1"/>
+          </a:lnRef>
+          <a:fillRef idx="0">
+            <a:schemeClr val="dk1"/>
+          </a:fillRef>
+          <a:effectRef idx="0">
+            <a:schemeClr val="dk1"/>
+          </a:effectRef>
+          <a:fontRef idx="minor">
+            <a:schemeClr val="tx1"/>
+          </a:fontRef>
+        </p:style>
+      </p:cxnSp>
+      <p:sp>
+        <p:nvSpPr>
+          <p:cNvPr id="116" name="Textfeld 115"/>
+          <p:cNvSpPr txBox="1"/>
+          <p:nvPr/>
+        </p:nvSpPr>
+        <p:spPr>
+          <a:xfrm>
+            <a:off x="5653501" y="4769279"/>
+            <a:ext cx="761341" cy="338554"/>
+          </a:xfrm>
+          <a:prstGeom prst="rect">
+            <a:avLst/>
+          </a:prstGeom>
+          <a:noFill/>
+        </p:spPr>
+        <p:txBody>
+          <a:bodyPr wrap="square" rtlCol="0">
+            <a:spAutoFit/>
+          </a:bodyPr>
+          <a:lstStyle/>
+          <a:p>
+            <a:r>
+              <a:rPr lang="de-CH" sz="800" dirty="0" err="1" smtClean="0"/>
+              <a:t>Init</a:t>
+            </a:r>
+            <a:r>
+              <a:rPr lang="de-CH" sz="800" dirty="0" smtClean="0"/>
+              <a:t> </a:t>
+            </a:r>
+            <a:r>
+              <a:rPr lang="de-CH" sz="800" dirty="0" err="1" smtClean="0"/>
+              <a:t>subproesses</a:t>
+            </a:r>
+            <a:endParaRPr lang="de-CH" sz="800" dirty="0"/>
+          </a:p>
+        </p:txBody>
+      </p:sp>
+      <p:sp>
+        <p:nvSpPr>
+          <p:cNvPr id="117" name="Textfeld 116"/>
+          <p:cNvSpPr txBox="1"/>
+          <p:nvPr/>
+        </p:nvSpPr>
+        <p:spPr>
+          <a:xfrm>
+            <a:off x="5250927" y="5369464"/>
+            <a:ext cx="761341" cy="461665"/>
+          </a:xfrm>
+          <a:prstGeom prst="rect">
+            <a:avLst/>
+          </a:prstGeom>
+          <a:noFill/>
+        </p:spPr>
+        <p:txBody>
+          <a:bodyPr wrap="square" rtlCol="0">
+            <a:spAutoFit/>
+          </a:bodyPr>
+          <a:lstStyle/>
+          <a:p>
+            <a:r>
+              <a:rPr lang="de-CH" sz="800" dirty="0" err="1" smtClean="0"/>
+              <a:t>Put</a:t>
+            </a:r>
+            <a:r>
+              <a:rPr lang="de-CH" sz="800" dirty="0" smtClean="0"/>
+              <a:t> </a:t>
+            </a:r>
+            <a:r>
+              <a:rPr lang="de-CH" sz="800" dirty="0" err="1" smtClean="0"/>
+              <a:t>Requests</a:t>
+            </a:r>
+            <a:r>
+              <a:rPr lang="de-CH" sz="800" dirty="0" smtClean="0"/>
+              <a:t> </a:t>
+            </a:r>
+            <a:r>
+              <a:rPr lang="de-CH" sz="800" dirty="0" err="1" smtClean="0"/>
+              <a:t>into</a:t>
+            </a:r>
+            <a:r>
+              <a:rPr lang="de-CH" sz="800" dirty="0" smtClean="0"/>
+              <a:t> </a:t>
+            </a:r>
+            <a:r>
+              <a:rPr lang="de-CH" sz="800" dirty="0" err="1" smtClean="0"/>
+              <a:t>the</a:t>
+            </a:r>
+            <a:r>
+              <a:rPr lang="de-CH" sz="800" dirty="0" smtClean="0"/>
+              <a:t> Queue</a:t>
+            </a:r>
+            <a:endParaRPr lang="de-CH" sz="800" dirty="0"/>
+          </a:p>
+        </p:txBody>
+      </p:sp>
+      <p:sp>
+        <p:nvSpPr>
+          <p:cNvPr id="118" name="Textfeld 117"/>
+          <p:cNvSpPr txBox="1"/>
+          <p:nvPr/>
+        </p:nvSpPr>
+        <p:spPr>
+          <a:xfrm>
+            <a:off x="4677336" y="5537090"/>
+            <a:ext cx="761341" cy="338554"/>
+          </a:xfrm>
+          <a:prstGeom prst="rect">
+            <a:avLst/>
+          </a:prstGeom>
+          <a:noFill/>
+        </p:spPr>
+        <p:txBody>
+          <a:bodyPr wrap="square" rtlCol="0">
+            <a:spAutoFit/>
+          </a:bodyPr>
+          <a:lstStyle/>
+          <a:p>
+            <a:r>
+              <a:rPr lang="de-CH" sz="800" dirty="0" err="1" smtClean="0"/>
+              <a:t>Process</a:t>
+            </a:r>
+            <a:r>
+              <a:rPr lang="de-CH" sz="800" dirty="0" smtClean="0"/>
+              <a:t> Request</a:t>
+            </a:r>
+            <a:endParaRPr lang="de-CH" sz="800" dirty="0"/>
+          </a:p>
+        </p:txBody>
+      </p:sp>
+      <p:sp>
+        <p:nvSpPr>
+          <p:cNvPr id="125" name="Textfeld 124"/>
+          <p:cNvSpPr txBox="1"/>
+          <p:nvPr/>
+        </p:nvSpPr>
+        <p:spPr>
+          <a:xfrm>
+            <a:off x="6017939" y="5212870"/>
+            <a:ext cx="761341" cy="584775"/>
+          </a:xfrm>
+          <a:prstGeom prst="rect">
+            <a:avLst/>
+          </a:prstGeom>
+          <a:noFill/>
+        </p:spPr>
+        <p:txBody>
+          <a:bodyPr wrap="square" rtlCol="0">
+            <a:spAutoFit/>
+          </a:bodyPr>
+          <a:lstStyle/>
+          <a:p>
+            <a:r>
+              <a:rPr lang="de-CH" sz="800" dirty="0" err="1" smtClean="0"/>
+              <a:t>Put</a:t>
+            </a:r>
+            <a:r>
+              <a:rPr lang="de-CH" sz="800" dirty="0" smtClean="0"/>
+              <a:t> </a:t>
+            </a:r>
+            <a:r>
+              <a:rPr lang="de-CH" sz="800" dirty="0" err="1" smtClean="0"/>
+              <a:t>processed</a:t>
+            </a:r>
+            <a:r>
+              <a:rPr lang="de-CH" sz="800" dirty="0" smtClean="0"/>
+              <a:t> Request back </a:t>
+            </a:r>
+            <a:r>
+              <a:rPr lang="de-CH" sz="800" dirty="0" err="1" smtClean="0"/>
+              <a:t>into</a:t>
+            </a:r>
+            <a:r>
+              <a:rPr lang="de-CH" sz="800" dirty="0" smtClean="0"/>
+              <a:t> Queue</a:t>
+            </a:r>
+            <a:endParaRPr lang="de-CH" sz="800" dirty="0"/>
+          </a:p>
+        </p:txBody>
+      </p:sp>
+      <p:sp>
+        <p:nvSpPr>
+          <p:cNvPr id="126" name="Textfeld 125"/>
+          <p:cNvSpPr txBox="1"/>
+          <p:nvPr/>
+        </p:nvSpPr>
+        <p:spPr>
+          <a:xfrm>
+            <a:off x="7326050" y="5507202"/>
+            <a:ext cx="761341" cy="584775"/>
+          </a:xfrm>
+          <a:prstGeom prst="rect">
+            <a:avLst/>
+          </a:prstGeom>
+          <a:noFill/>
+        </p:spPr>
+        <p:txBody>
+          <a:bodyPr wrap="square" rtlCol="0">
+            <a:spAutoFit/>
+          </a:bodyPr>
+          <a:lstStyle/>
+          <a:p>
+            <a:r>
+              <a:rPr lang="de-CH" sz="800" dirty="0" smtClean="0"/>
+              <a:t>Send </a:t>
+            </a:r>
+            <a:r>
+              <a:rPr lang="de-CH" sz="800" dirty="0" err="1" smtClean="0"/>
+              <a:t>Requests</a:t>
+            </a:r>
+            <a:r>
+              <a:rPr lang="de-CH" sz="800" dirty="0" smtClean="0"/>
+              <a:t> </a:t>
+            </a:r>
+            <a:r>
+              <a:rPr lang="de-CH" sz="800" dirty="0" err="1" smtClean="0"/>
+              <a:t>to</a:t>
+            </a:r>
+            <a:r>
+              <a:rPr lang="de-CH" sz="800" dirty="0" smtClean="0"/>
+              <a:t> Telegram</a:t>
+            </a:r>
+            <a:r>
+              <a:rPr lang="de-CH" sz="800" dirty="0"/>
+              <a:t>-</a:t>
+            </a:r>
+            <a:r>
+              <a:rPr lang="de-CH" sz="800" dirty="0" err="1" smtClean="0"/>
+              <a:t>Serves</a:t>
+            </a:r>
+            <a:endParaRPr lang="de-CH" sz="800" dirty="0"/>
+          </a:p>
+        </p:txBody>
+      </p:sp>
+      <p:sp>
+        <p:nvSpPr>
+          <p:cNvPr id="130" name="Rechteck 129"/>
+          <p:cNvSpPr/>
+          <p:nvPr/>
+        </p:nvSpPr>
+        <p:spPr>
+          <a:xfrm>
+            <a:off x="5506155" y="522863"/>
+            <a:ext cx="870287" cy="281950"/>
+          </a:xfrm>
+          <a:prstGeom prst="rect">
+            <a:avLst/>
+          </a:prstGeom>
+        </p:spPr>
+        <p:style>
+          <a:lnRef idx="2">
+            <a:schemeClr val="dk1"/>
+          </a:lnRef>
+          <a:fillRef idx="1">
+            <a:schemeClr val="lt1"/>
+          </a:fillRef>
+          <a:effectRef idx="0">
+            <a:schemeClr val="dk1"/>
+          </a:effectRef>
+          <a:fontRef idx="minor">
+            <a:schemeClr val="dk1"/>
+          </a:fontRef>
+        </p:style>
+        <p:txBody>
+          <a:bodyPr rtlCol="0" anchor="ctr"/>
+          <a:lstStyle/>
+          <a:p>
+            <a:pPr algn="ctr"/>
+            <a:r>
+              <a:rPr lang="de-CH" sz="800" dirty="0" err="1" smtClean="0"/>
+              <a:t>Init</a:t>
+            </a:r>
+            <a:r>
+              <a:rPr lang="de-CH" sz="800" dirty="0" smtClean="0"/>
+              <a:t> </a:t>
+            </a:r>
+            <a:r>
+              <a:rPr lang="de-CH" sz="800" dirty="0" err="1" smtClean="0"/>
+              <a:t>ShutdownEvent</a:t>
+            </a:r>
+            <a:endParaRPr lang="de-CH" sz="800" dirty="0"/>
+          </a:p>
+        </p:txBody>
+      </p:sp>
+      <p:cxnSp>
+        <p:nvCxnSpPr>
+          <p:cNvPr id="133" name="Gerade Verbindung mit Pfeil 132"/>
+          <p:cNvCxnSpPr>
+            <a:stCxn id="130" idx="2"/>
+            <a:endCxn id="7" idx="0"/>
+          </p:cNvCxnSpPr>
+          <p:nvPr/>
+        </p:nvCxnSpPr>
+        <p:spPr>
+          <a:xfrm>
+            <a:off x="5941299" y="804813"/>
+            <a:ext cx="5410" cy="169642"/>
+          </a:xfrm>
+          <a:prstGeom prst="straightConnector1">
+            <a:avLst/>
+          </a:prstGeom>
+          <a:ln>
+            <a:solidFill>
               <a:schemeClr val="tx1"/>
-            </a:fontRef>
-          </p:style>
-        </p:cxnSp>
-        <p:sp>
-          <p:nvSpPr>
-            <p:cNvPr id="20" name="Flussdiagramm: Verzweigung 19"/>
-            <p:cNvSpPr/>
-            <p:nvPr/>
-          </p:nvSpPr>
-          <p:spPr>
-            <a:xfrm>
-              <a:off x="5280522" y="1905621"/>
-              <a:ext cx="1022900" cy="355690"/>
-            </a:xfrm>
-            <a:prstGeom prst="flowChartDecision">
-              <a:avLst/>
-            </a:prstGeom>
-          </p:spPr>
-          <p:style>
-            <a:lnRef idx="2">
-              <a:schemeClr val="dk1"/>
-            </a:lnRef>
-            <a:fillRef idx="1">
-              <a:schemeClr val="lt1"/>
-            </a:fillRef>
-            <a:effectRef idx="0">
-              <a:schemeClr val="dk1"/>
-            </a:effectRef>
-            <a:fontRef idx="minor">
-              <a:schemeClr val="dk1"/>
-            </a:fontRef>
-          </p:style>
-          <p:txBody>
-            <a:bodyPr rtlCol="0" anchor="ctr"/>
-            <a:lstStyle/>
-            <a:p>
-              <a:pPr algn="ctr"/>
-              <a:r>
-                <a:rPr lang="de-CH" sz="800" dirty="0" err="1" smtClean="0"/>
-                <a:t>SqlApi</a:t>
-              </a:r>
-              <a:r>
-                <a:rPr lang="de-CH" sz="800" dirty="0" smtClean="0"/>
-                <a:t> </a:t>
-              </a:r>
-              <a:br>
-                <a:rPr lang="de-CH" sz="800" dirty="0" smtClean="0"/>
-              </a:br>
-              <a:r>
-                <a:rPr lang="de-CH" sz="800" dirty="0" smtClean="0"/>
-                <a:t>Test</a:t>
-              </a:r>
-              <a:endParaRPr lang="de-CH" sz="800" dirty="0"/>
-            </a:p>
-          </p:txBody>
-        </p:sp>
-        <p:cxnSp>
-          <p:nvCxnSpPr>
-            <p:cNvPr id="34" name="Gewinkelte Verbindung 33"/>
-            <p:cNvCxnSpPr>
-              <a:stCxn id="20" idx="3"/>
-              <a:endCxn id="39" idx="0"/>
-            </p:cNvCxnSpPr>
-            <p:nvPr/>
-          </p:nvCxnSpPr>
-          <p:spPr>
-            <a:xfrm flipH="1">
-              <a:off x="5879844" y="2083466"/>
-              <a:ext cx="423578" cy="4385305"/>
-            </a:xfrm>
-            <a:prstGeom prst="bentConnector4">
-              <a:avLst>
-                <a:gd name="adj1" fmla="val -690351"/>
-                <a:gd name="adj2" fmla="val 97423"/>
-              </a:avLst>
-            </a:prstGeom>
-            <a:ln>
-              <a:tailEnd type="triangle"/>
-            </a:ln>
-          </p:spPr>
-          <p:style>
-            <a:lnRef idx="1">
-              <a:schemeClr val="dk1"/>
-            </a:lnRef>
-            <a:fillRef idx="0">
-              <a:schemeClr val="dk1"/>
-            </a:fillRef>
-            <a:effectRef idx="0">
-              <a:schemeClr val="dk1"/>
-            </a:effectRef>
-            <a:fontRef idx="minor">
-              <a:schemeClr val="tx1"/>
-            </a:fontRef>
-          </p:style>
-        </p:cxnSp>
-        <p:sp>
-          <p:nvSpPr>
-            <p:cNvPr id="39" name="Rechteck 38"/>
-            <p:cNvSpPr/>
-            <p:nvPr/>
-          </p:nvSpPr>
-          <p:spPr>
-            <a:xfrm>
-              <a:off x="5368394" y="6468771"/>
-              <a:ext cx="1022899" cy="281950"/>
-            </a:xfrm>
-            <a:prstGeom prst="rect">
-              <a:avLst/>
-            </a:prstGeom>
-          </p:spPr>
-          <p:style>
-            <a:lnRef idx="2">
-              <a:schemeClr val="dk1"/>
-            </a:lnRef>
-            <a:fillRef idx="1">
-              <a:schemeClr val="lt1"/>
-            </a:fillRef>
-            <a:effectRef idx="0">
-              <a:schemeClr val="dk1"/>
-            </a:effectRef>
-            <a:fontRef idx="minor">
-              <a:schemeClr val="dk1"/>
-            </a:fontRef>
-          </p:style>
-          <p:txBody>
-            <a:bodyPr rtlCol="0" anchor="ctr"/>
-            <a:lstStyle/>
-            <a:p>
-              <a:pPr algn="ctr"/>
-              <a:r>
-                <a:rPr lang="de-CH" sz="800" dirty="0" err="1" smtClean="0"/>
-                <a:t>Quit</a:t>
-              </a:r>
-              <a:endParaRPr lang="de-CH" sz="800" dirty="0"/>
-            </a:p>
-          </p:txBody>
-        </p:sp>
-        <p:sp>
-          <p:nvSpPr>
-            <p:cNvPr id="40" name="Textfeld 39"/>
-            <p:cNvSpPr txBox="1"/>
-            <p:nvPr/>
-          </p:nvSpPr>
-          <p:spPr>
-            <a:xfrm>
-              <a:off x="6889298" y="1905620"/>
-              <a:ext cx="696244" cy="215444"/>
-            </a:xfrm>
-            <a:prstGeom prst="rect">
-              <a:avLst/>
-            </a:prstGeom>
-            <a:noFill/>
-          </p:spPr>
-          <p:txBody>
-            <a:bodyPr wrap="square" rtlCol="0">
-              <a:spAutoFit/>
-            </a:bodyPr>
-            <a:lstStyle/>
-            <a:p>
-              <a:r>
-                <a:rPr lang="de-CH" sz="800" dirty="0" smtClean="0"/>
-                <a:t>Not </a:t>
-              </a:r>
-              <a:r>
-                <a:rPr lang="de-CH" sz="800" dirty="0" err="1" smtClean="0"/>
-                <a:t>working</a:t>
-              </a:r>
-              <a:endParaRPr lang="de-CH" sz="800" dirty="0"/>
-            </a:p>
-          </p:txBody>
-        </p:sp>
-        <p:sp>
-          <p:nvSpPr>
-            <p:cNvPr id="47" name="Rechteck 46"/>
-            <p:cNvSpPr/>
-            <p:nvPr/>
-          </p:nvSpPr>
-          <p:spPr>
-            <a:xfrm>
-              <a:off x="5293658" y="3584992"/>
-              <a:ext cx="995363" cy="276225"/>
-            </a:xfrm>
-            <a:prstGeom prst="rect">
-              <a:avLst/>
-            </a:prstGeom>
-          </p:spPr>
-          <p:style>
-            <a:lnRef idx="2">
-              <a:schemeClr val="dk1"/>
-            </a:lnRef>
-            <a:fillRef idx="1">
-              <a:schemeClr val="lt1"/>
-            </a:fillRef>
-            <a:effectRef idx="0">
-              <a:schemeClr val="dk1"/>
-            </a:effectRef>
-            <a:fontRef idx="minor">
-              <a:schemeClr val="dk1"/>
-            </a:fontRef>
-          </p:style>
-          <p:txBody>
-            <a:bodyPr rtlCol="0" anchor="ctr"/>
-            <a:lstStyle/>
-            <a:p>
-              <a:pPr algn="ctr"/>
-              <a:r>
-                <a:rPr lang="de-CH" sz="800" dirty="0" err="1" smtClean="0"/>
-                <a:t>InputQueue</a:t>
-              </a:r>
-              <a:endParaRPr lang="de-CH" sz="800" dirty="0"/>
-            </a:p>
-          </p:txBody>
-        </p:sp>
-        <p:sp>
-          <p:nvSpPr>
-            <p:cNvPr id="51" name="Rechteck 50"/>
-            <p:cNvSpPr/>
-            <p:nvPr/>
-          </p:nvSpPr>
-          <p:spPr>
-            <a:xfrm>
-              <a:off x="5293658" y="4019986"/>
-              <a:ext cx="995363" cy="276225"/>
-            </a:xfrm>
-            <a:prstGeom prst="rect">
-              <a:avLst/>
-            </a:prstGeom>
-          </p:spPr>
-          <p:style>
-            <a:lnRef idx="2">
-              <a:schemeClr val="dk1"/>
-            </a:lnRef>
-            <a:fillRef idx="1">
-              <a:schemeClr val="lt1"/>
-            </a:fillRef>
-            <a:effectRef idx="0">
-              <a:schemeClr val="dk1"/>
-            </a:effectRef>
-            <a:fontRef idx="minor">
-              <a:schemeClr val="dk1"/>
-            </a:fontRef>
-          </p:style>
-          <p:txBody>
-            <a:bodyPr rtlCol="0" anchor="ctr"/>
-            <a:lstStyle/>
-            <a:p>
-              <a:pPr algn="ctr"/>
-              <a:r>
-                <a:rPr lang="de-CH" sz="800" dirty="0" err="1" smtClean="0"/>
-                <a:t>OutputQueue</a:t>
-              </a:r>
-              <a:endParaRPr lang="de-CH" sz="800" dirty="0"/>
-            </a:p>
-          </p:txBody>
-        </p:sp>
-        <p:sp>
-          <p:nvSpPr>
-            <p:cNvPr id="62" name="Rechteck 61"/>
-            <p:cNvSpPr/>
-            <p:nvPr/>
-          </p:nvSpPr>
-          <p:spPr>
-            <a:xfrm>
-              <a:off x="5293658" y="4454980"/>
-              <a:ext cx="995363" cy="276225"/>
-            </a:xfrm>
-            <a:prstGeom prst="rect">
-              <a:avLst/>
-            </a:prstGeom>
-          </p:spPr>
-          <p:style>
-            <a:lnRef idx="2">
-              <a:schemeClr val="dk1"/>
-            </a:lnRef>
-            <a:fillRef idx="1">
-              <a:schemeClr val="lt1"/>
-            </a:fillRef>
-            <a:effectRef idx="0">
-              <a:schemeClr val="dk1"/>
-            </a:effectRef>
-            <a:fontRef idx="minor">
-              <a:schemeClr val="dk1"/>
-            </a:fontRef>
-          </p:style>
-          <p:txBody>
-            <a:bodyPr rtlCol="0" anchor="ctr"/>
-            <a:lstStyle/>
-            <a:p>
-              <a:pPr algn="ctr"/>
-              <a:r>
-                <a:rPr lang="de-CH" sz="800" dirty="0" err="1" smtClean="0"/>
-                <a:t>Init</a:t>
-              </a:r>
-              <a:r>
-                <a:rPr lang="de-CH" sz="800" dirty="0" smtClean="0"/>
-                <a:t/>
-              </a:r>
-              <a:br>
-                <a:rPr lang="de-CH" sz="800" dirty="0" smtClean="0"/>
-              </a:br>
-              <a:r>
-                <a:rPr lang="de-CH" sz="800" dirty="0" err="1" smtClean="0"/>
-                <a:t>WorkerProcess</a:t>
-              </a:r>
-              <a:endParaRPr lang="de-CH" sz="800" dirty="0"/>
-            </a:p>
-          </p:txBody>
-        </p:sp>
-        <p:sp>
-          <p:nvSpPr>
-            <p:cNvPr id="63" name="Rechteck 62"/>
-            <p:cNvSpPr/>
-            <p:nvPr/>
-          </p:nvSpPr>
-          <p:spPr>
-            <a:xfrm>
-              <a:off x="3813670" y="4964042"/>
-              <a:ext cx="995363" cy="276225"/>
-            </a:xfrm>
-            <a:prstGeom prst="rect">
-              <a:avLst/>
-            </a:prstGeom>
-          </p:spPr>
-          <p:style>
-            <a:lnRef idx="2">
-              <a:schemeClr val="dk1"/>
-            </a:lnRef>
-            <a:fillRef idx="1">
-              <a:schemeClr val="lt1"/>
-            </a:fillRef>
-            <a:effectRef idx="0">
-              <a:schemeClr val="dk1"/>
-            </a:effectRef>
-            <a:fontRef idx="minor">
-              <a:schemeClr val="dk1"/>
-            </a:fontRef>
-          </p:style>
-          <p:txBody>
-            <a:bodyPr rtlCol="0" anchor="ctr"/>
-            <a:lstStyle/>
-            <a:p>
-              <a:pPr algn="ctr"/>
-              <a:r>
-                <a:rPr lang="de-CH" sz="800" dirty="0" err="1" smtClean="0"/>
-                <a:t>Init</a:t>
-              </a:r>
-              <a:r>
-                <a:rPr lang="de-CH" sz="800" dirty="0" smtClean="0"/>
-                <a:t/>
-              </a:r>
-              <a:br>
-                <a:rPr lang="de-CH" sz="800" dirty="0" smtClean="0"/>
-              </a:br>
-              <a:r>
-                <a:rPr lang="de-CH" sz="800" dirty="0" err="1" smtClean="0"/>
-                <a:t>InputTelegramAPI</a:t>
-              </a:r>
-              <a:endParaRPr lang="de-CH" sz="800" dirty="0"/>
-            </a:p>
-          </p:txBody>
-        </p:sp>
-        <p:sp>
-          <p:nvSpPr>
-            <p:cNvPr id="64" name="Rechteck 63"/>
-            <p:cNvSpPr/>
-            <p:nvPr/>
-          </p:nvSpPr>
-          <p:spPr>
-            <a:xfrm>
-              <a:off x="7035111" y="4964042"/>
-              <a:ext cx="1033746" cy="276225"/>
-            </a:xfrm>
-            <a:prstGeom prst="rect">
-              <a:avLst/>
-            </a:prstGeom>
-          </p:spPr>
-          <p:style>
-            <a:lnRef idx="2">
-              <a:schemeClr val="dk1"/>
-            </a:lnRef>
-            <a:fillRef idx="1">
-              <a:schemeClr val="lt1"/>
-            </a:fillRef>
-            <a:effectRef idx="0">
-              <a:schemeClr val="dk1"/>
-            </a:effectRef>
-            <a:fontRef idx="minor">
-              <a:schemeClr val="dk1"/>
-            </a:fontRef>
-          </p:style>
-          <p:txBody>
-            <a:bodyPr rtlCol="0" anchor="ctr"/>
-            <a:lstStyle/>
-            <a:p>
-              <a:pPr algn="ctr"/>
-              <a:r>
-                <a:rPr lang="de-CH" sz="800" dirty="0" err="1" smtClean="0"/>
-                <a:t>Init</a:t>
-              </a:r>
-              <a:r>
-                <a:rPr lang="de-CH" sz="800" dirty="0" smtClean="0"/>
-                <a:t/>
-              </a:r>
-              <a:br>
-                <a:rPr lang="de-CH" sz="800" dirty="0" smtClean="0"/>
-              </a:br>
-              <a:r>
-                <a:rPr lang="de-CH" sz="800" dirty="0" err="1" smtClean="0"/>
-                <a:t>OutputTelegramApi</a:t>
-              </a:r>
-              <a:endParaRPr lang="de-CH" sz="800" dirty="0"/>
-            </a:p>
-          </p:txBody>
-        </p:sp>
-        <p:cxnSp>
-          <p:nvCxnSpPr>
-            <p:cNvPr id="65" name="Gerade Verbindung mit Pfeil 64"/>
-            <p:cNvCxnSpPr>
-              <a:stCxn id="51" idx="2"/>
-              <a:endCxn id="62" idx="0"/>
-            </p:cNvCxnSpPr>
-            <p:nvPr/>
-          </p:nvCxnSpPr>
-          <p:spPr>
-            <a:xfrm>
-              <a:off x="5791340" y="4296211"/>
-              <a:ext cx="0" cy="158769"/>
-            </a:xfrm>
-            <a:prstGeom prst="straightConnector1">
-              <a:avLst/>
-            </a:prstGeom>
-            <a:ln>
-              <a:tailEnd type="triangle"/>
-            </a:ln>
-          </p:spPr>
-          <p:style>
-            <a:lnRef idx="1">
-              <a:schemeClr val="dk1"/>
-            </a:lnRef>
-            <a:fillRef idx="0">
-              <a:schemeClr val="dk1"/>
-            </a:fillRef>
-            <a:effectRef idx="0">
-              <a:schemeClr val="dk1"/>
-            </a:effectRef>
-            <a:fontRef idx="minor">
-              <a:schemeClr val="tx1"/>
-            </a:fontRef>
-          </p:style>
-        </p:cxnSp>
-        <p:sp>
-          <p:nvSpPr>
-            <p:cNvPr id="69" name="Textfeld 68"/>
-            <p:cNvSpPr txBox="1"/>
-            <p:nvPr/>
-          </p:nvSpPr>
-          <p:spPr>
-            <a:xfrm>
-              <a:off x="5879844" y="2322758"/>
-              <a:ext cx="606681" cy="215444"/>
-            </a:xfrm>
-            <a:prstGeom prst="rect">
-              <a:avLst/>
-            </a:prstGeom>
-            <a:noFill/>
-          </p:spPr>
-          <p:txBody>
-            <a:bodyPr wrap="square" rtlCol="0">
-              <a:spAutoFit/>
-            </a:bodyPr>
-            <a:lstStyle/>
-            <a:p>
-              <a:r>
-                <a:rPr lang="de-CH" sz="800" dirty="0" err="1" smtClean="0"/>
-                <a:t>It</a:t>
-              </a:r>
-              <a:r>
-                <a:rPr lang="de-CH" sz="800" dirty="0" smtClean="0"/>
-                <a:t> Works</a:t>
-              </a:r>
-              <a:endParaRPr lang="de-CH" sz="800" dirty="0"/>
-            </a:p>
-          </p:txBody>
-        </p:sp>
-        <p:sp>
-          <p:nvSpPr>
-            <p:cNvPr id="71" name="Flussdiagramm: Verzweigung 70"/>
-            <p:cNvSpPr/>
-            <p:nvPr/>
-          </p:nvSpPr>
-          <p:spPr>
-            <a:xfrm>
-              <a:off x="5015583" y="2518249"/>
-              <a:ext cx="1552776" cy="386876"/>
-            </a:xfrm>
-            <a:prstGeom prst="flowChartDecision">
-              <a:avLst/>
-            </a:prstGeom>
-          </p:spPr>
-          <p:style>
-            <a:lnRef idx="2">
-              <a:schemeClr val="dk1"/>
-            </a:lnRef>
-            <a:fillRef idx="1">
-              <a:schemeClr val="lt1"/>
-            </a:fillRef>
-            <a:effectRef idx="0">
-              <a:schemeClr val="dk1"/>
-            </a:effectRef>
-            <a:fontRef idx="minor">
-              <a:schemeClr val="dk1"/>
-            </a:fontRef>
-          </p:style>
-          <p:txBody>
-            <a:bodyPr rtlCol="0" anchor="ctr"/>
-            <a:lstStyle/>
-            <a:p>
-              <a:pPr algn="ctr"/>
-              <a:r>
-                <a:rPr lang="de-CH" sz="800" dirty="0" err="1" smtClean="0"/>
-                <a:t>TelegramAPI</a:t>
-              </a:r>
-              <a:r>
-                <a:rPr lang="de-CH" sz="800" dirty="0" smtClean="0"/>
-                <a:t/>
-              </a:r>
-              <a:br>
-                <a:rPr lang="de-CH" sz="800" dirty="0" smtClean="0"/>
-              </a:br>
-              <a:r>
-                <a:rPr lang="de-CH" sz="800" dirty="0" smtClean="0"/>
-                <a:t>Test</a:t>
-              </a:r>
-              <a:endParaRPr lang="de-CH" sz="800" dirty="0"/>
-            </a:p>
-          </p:txBody>
-        </p:sp>
-        <p:cxnSp>
-          <p:nvCxnSpPr>
-            <p:cNvPr id="72" name="Gerade Verbindung mit Pfeil 71"/>
-            <p:cNvCxnSpPr/>
-            <p:nvPr/>
-          </p:nvCxnSpPr>
-          <p:spPr>
-            <a:xfrm>
-              <a:off x="5791971" y="2261311"/>
-              <a:ext cx="0" cy="245706"/>
-            </a:xfrm>
-            <a:prstGeom prst="straightConnector1">
-              <a:avLst/>
-            </a:prstGeom>
-            <a:ln>
-              <a:tailEnd type="triangle"/>
-            </a:ln>
-          </p:spPr>
-          <p:style>
-            <a:lnRef idx="1">
-              <a:schemeClr val="dk1"/>
-            </a:lnRef>
-            <a:fillRef idx="0">
-              <a:schemeClr val="dk1"/>
-            </a:fillRef>
-            <a:effectRef idx="0">
-              <a:schemeClr val="dk1"/>
-            </a:effectRef>
-            <a:fontRef idx="minor">
-              <a:schemeClr val="tx1"/>
-            </a:fontRef>
-          </p:style>
-        </p:cxnSp>
-        <p:sp>
-          <p:nvSpPr>
-            <p:cNvPr id="73" name="Textfeld 72"/>
-            <p:cNvSpPr txBox="1"/>
-            <p:nvPr/>
-          </p:nvSpPr>
-          <p:spPr>
-            <a:xfrm>
-              <a:off x="5806258" y="2903653"/>
-              <a:ext cx="606681" cy="215444"/>
-            </a:xfrm>
-            <a:prstGeom prst="rect">
-              <a:avLst/>
-            </a:prstGeom>
-            <a:noFill/>
-          </p:spPr>
-          <p:txBody>
-            <a:bodyPr wrap="square" rtlCol="0">
-              <a:spAutoFit/>
-            </a:bodyPr>
-            <a:lstStyle/>
-            <a:p>
-              <a:r>
-                <a:rPr lang="de-CH" sz="800" dirty="0" err="1" smtClean="0"/>
-                <a:t>It</a:t>
-              </a:r>
-              <a:r>
-                <a:rPr lang="de-CH" sz="800" dirty="0" smtClean="0"/>
-                <a:t> Works</a:t>
-              </a:r>
-              <a:endParaRPr lang="de-CH" sz="800" dirty="0"/>
-            </a:p>
-          </p:txBody>
-        </p:sp>
-        <p:sp>
-          <p:nvSpPr>
-            <p:cNvPr id="74" name="Textfeld 73"/>
-            <p:cNvSpPr txBox="1"/>
-            <p:nvPr/>
-          </p:nvSpPr>
-          <p:spPr>
-            <a:xfrm>
-              <a:off x="6889298" y="2496243"/>
-              <a:ext cx="696244" cy="215444"/>
-            </a:xfrm>
-            <a:prstGeom prst="rect">
-              <a:avLst/>
-            </a:prstGeom>
-            <a:noFill/>
-          </p:spPr>
-          <p:txBody>
-            <a:bodyPr wrap="square" rtlCol="0">
-              <a:spAutoFit/>
-            </a:bodyPr>
-            <a:lstStyle/>
-            <a:p>
-              <a:r>
-                <a:rPr lang="de-CH" sz="800" dirty="0" smtClean="0"/>
-                <a:t>Not </a:t>
-              </a:r>
-              <a:r>
-                <a:rPr lang="de-CH" sz="800" dirty="0" err="1" smtClean="0"/>
-                <a:t>working</a:t>
-              </a:r>
-              <a:endParaRPr lang="de-CH" sz="800" dirty="0"/>
-            </a:p>
-          </p:txBody>
-        </p:sp>
-        <p:cxnSp>
-          <p:nvCxnSpPr>
-            <p:cNvPr id="75" name="Gerade Verbindung mit Pfeil 74"/>
-            <p:cNvCxnSpPr>
-              <a:stCxn id="71" idx="3"/>
-              <a:endCxn id="39" idx="3"/>
-            </p:cNvCxnSpPr>
-            <p:nvPr/>
-          </p:nvCxnSpPr>
-          <p:spPr>
-            <a:xfrm flipH="1">
-              <a:off x="6391293" y="2711687"/>
-              <a:ext cx="177066" cy="3898059"/>
-            </a:xfrm>
-            <a:prstGeom prst="bentConnector3">
-              <a:avLst>
-                <a:gd name="adj1" fmla="val -1248009"/>
-              </a:avLst>
-            </a:prstGeom>
-            <a:ln>
-              <a:tailEnd type="triangle"/>
-            </a:ln>
-          </p:spPr>
-          <p:style>
-            <a:lnRef idx="1">
-              <a:schemeClr val="dk1"/>
-            </a:lnRef>
-            <a:fillRef idx="0">
-              <a:schemeClr val="dk1"/>
-            </a:fillRef>
-            <a:effectRef idx="0">
-              <a:schemeClr val="dk1"/>
-            </a:effectRef>
-            <a:fontRef idx="minor">
-              <a:schemeClr val="tx1"/>
-            </a:fontRef>
-          </p:style>
-        </p:cxnSp>
-        <p:cxnSp>
-          <p:nvCxnSpPr>
-            <p:cNvPr id="79" name="Gerade Verbindung mit Pfeil 78"/>
-            <p:cNvCxnSpPr/>
-            <p:nvPr/>
-          </p:nvCxnSpPr>
-          <p:spPr>
-            <a:xfrm>
-              <a:off x="5801229" y="2905125"/>
-              <a:ext cx="0" cy="245706"/>
-            </a:xfrm>
-            <a:prstGeom prst="straightConnector1">
-              <a:avLst/>
-            </a:prstGeom>
-            <a:ln>
-              <a:tailEnd type="triangle"/>
-            </a:ln>
-          </p:spPr>
-          <p:style>
-            <a:lnRef idx="1">
-              <a:schemeClr val="dk1"/>
-            </a:lnRef>
-            <a:fillRef idx="0">
-              <a:schemeClr val="dk1"/>
-            </a:fillRef>
-            <a:effectRef idx="0">
-              <a:schemeClr val="dk1"/>
-            </a:effectRef>
-            <a:fontRef idx="minor">
-              <a:schemeClr val="tx1"/>
-            </a:fontRef>
-          </p:style>
-        </p:cxnSp>
-        <p:sp>
-          <p:nvSpPr>
-            <p:cNvPr id="80" name="Rechteck 79"/>
-            <p:cNvSpPr/>
-            <p:nvPr/>
-          </p:nvSpPr>
-          <p:spPr>
-            <a:xfrm>
-              <a:off x="5294289" y="3142623"/>
-              <a:ext cx="995363" cy="276225"/>
-            </a:xfrm>
-            <a:prstGeom prst="rect">
-              <a:avLst/>
-            </a:prstGeom>
-          </p:spPr>
-          <p:style>
-            <a:lnRef idx="2">
-              <a:schemeClr val="dk1"/>
-            </a:lnRef>
-            <a:fillRef idx="1">
-              <a:schemeClr val="lt1"/>
-            </a:fillRef>
-            <a:effectRef idx="0">
-              <a:schemeClr val="dk1"/>
-            </a:effectRef>
-            <a:fontRef idx="minor">
-              <a:schemeClr val="dk1"/>
-            </a:fontRef>
-          </p:style>
-          <p:txBody>
-            <a:bodyPr rtlCol="0" anchor="ctr"/>
-            <a:lstStyle/>
-            <a:p>
-              <a:pPr algn="ctr"/>
-              <a:r>
-                <a:rPr lang="de-CH" sz="800" dirty="0" err="1" smtClean="0"/>
-                <a:t>Init</a:t>
-              </a:r>
-              <a:r>
-                <a:rPr lang="de-CH" sz="800" dirty="0" smtClean="0"/>
-                <a:t/>
-              </a:r>
-              <a:br>
-                <a:rPr lang="de-CH" sz="800" dirty="0" smtClean="0"/>
-              </a:br>
-              <a:r>
-                <a:rPr lang="de-CH" sz="800" dirty="0" smtClean="0"/>
-                <a:t>Queues</a:t>
-              </a:r>
-              <a:endParaRPr lang="de-CH" sz="800" dirty="0"/>
-            </a:p>
-          </p:txBody>
-        </p:sp>
-        <p:cxnSp>
-          <p:nvCxnSpPr>
-            <p:cNvPr id="81" name="Gerade Verbindung mit Pfeil 80"/>
-            <p:cNvCxnSpPr>
-              <a:stCxn id="47" idx="2"/>
-              <a:endCxn id="51" idx="0"/>
-            </p:cNvCxnSpPr>
-            <p:nvPr/>
-          </p:nvCxnSpPr>
-          <p:spPr>
-            <a:xfrm>
-              <a:off x="5791340" y="3861217"/>
-              <a:ext cx="0" cy="158769"/>
-            </a:xfrm>
-            <a:prstGeom prst="straightConnector1">
-              <a:avLst/>
-            </a:prstGeom>
-            <a:ln>
-              <a:tailEnd type="triangle"/>
-            </a:ln>
-          </p:spPr>
-          <p:style>
-            <a:lnRef idx="1">
-              <a:schemeClr val="dk1"/>
-            </a:lnRef>
-            <a:fillRef idx="0">
-              <a:schemeClr val="dk1"/>
-            </a:fillRef>
-            <a:effectRef idx="0">
-              <a:schemeClr val="dk1"/>
-            </a:effectRef>
-            <a:fontRef idx="minor">
-              <a:schemeClr val="tx1"/>
-            </a:fontRef>
-          </p:style>
-        </p:cxnSp>
-        <p:cxnSp>
-          <p:nvCxnSpPr>
-            <p:cNvPr id="84" name="Gerade Verbindung mit Pfeil 83"/>
-            <p:cNvCxnSpPr>
-              <a:stCxn id="80" idx="2"/>
-              <a:endCxn id="47" idx="0"/>
-            </p:cNvCxnSpPr>
-            <p:nvPr/>
-          </p:nvCxnSpPr>
-          <p:spPr>
-            <a:xfrm flipH="1">
-              <a:off x="5791340" y="3418848"/>
-              <a:ext cx="631" cy="166144"/>
-            </a:xfrm>
-            <a:prstGeom prst="straightConnector1">
-              <a:avLst/>
-            </a:prstGeom>
-            <a:ln>
-              <a:tailEnd type="triangle"/>
-            </a:ln>
-          </p:spPr>
-          <p:style>
-            <a:lnRef idx="1">
-              <a:schemeClr val="dk1"/>
-            </a:lnRef>
-            <a:fillRef idx="0">
-              <a:schemeClr val="dk1"/>
-            </a:fillRef>
-            <a:effectRef idx="0">
-              <a:schemeClr val="dk1"/>
-            </a:effectRef>
-            <a:fontRef idx="minor">
-              <a:schemeClr val="tx1"/>
-            </a:fontRef>
-          </p:style>
-        </p:cxnSp>
-        <p:cxnSp>
-          <p:nvCxnSpPr>
-            <p:cNvPr id="96" name="Gewinkelte Verbindung 95"/>
-            <p:cNvCxnSpPr>
-              <a:stCxn id="62" idx="2"/>
-              <a:endCxn id="64" idx="0"/>
-            </p:cNvCxnSpPr>
-            <p:nvPr/>
-          </p:nvCxnSpPr>
-          <p:spPr>
-            <a:xfrm rot="16200000" flipH="1">
-              <a:off x="6555244" y="3967301"/>
-              <a:ext cx="232837" cy="1760644"/>
-            </a:xfrm>
-            <a:prstGeom prst="bentConnector3">
-              <a:avLst/>
-            </a:prstGeom>
-            <a:ln>
-              <a:tailEnd type="triangle"/>
-            </a:ln>
-          </p:spPr>
-          <p:style>
-            <a:lnRef idx="1">
-              <a:schemeClr val="dk1"/>
-            </a:lnRef>
-            <a:fillRef idx="0">
-              <a:schemeClr val="dk1"/>
-            </a:fillRef>
-            <a:effectRef idx="0">
-              <a:schemeClr val="dk1"/>
-            </a:effectRef>
-            <a:fontRef idx="minor">
-              <a:schemeClr val="tx1"/>
-            </a:fontRef>
-          </p:style>
-        </p:cxnSp>
-        <p:cxnSp>
-          <p:nvCxnSpPr>
-            <p:cNvPr id="99" name="Gewinkelte Verbindung 98"/>
-            <p:cNvCxnSpPr>
-              <a:stCxn id="62" idx="2"/>
-              <a:endCxn id="63" idx="0"/>
-            </p:cNvCxnSpPr>
-            <p:nvPr/>
-          </p:nvCxnSpPr>
-          <p:spPr>
-            <a:xfrm rot="5400000">
-              <a:off x="4934928" y="4107629"/>
-              <a:ext cx="232837" cy="1479988"/>
-            </a:xfrm>
-            <a:prstGeom prst="bentConnector3">
-              <a:avLst/>
-            </a:prstGeom>
-            <a:ln>
-              <a:tailEnd type="triangle"/>
-            </a:ln>
-          </p:spPr>
-          <p:style>
-            <a:lnRef idx="1">
-              <a:schemeClr val="dk1"/>
-            </a:lnRef>
-            <a:fillRef idx="0">
-              <a:schemeClr val="dk1"/>
-            </a:fillRef>
-            <a:effectRef idx="0">
-              <a:schemeClr val="dk1"/>
-            </a:effectRef>
-            <a:fontRef idx="minor">
-              <a:schemeClr val="tx1"/>
-            </a:fontRef>
-          </p:style>
-        </p:cxnSp>
-        <p:sp>
-          <p:nvSpPr>
-            <p:cNvPr id="100" name="Rechteck 99"/>
-            <p:cNvSpPr/>
-            <p:nvPr/>
-          </p:nvSpPr>
-          <p:spPr>
-            <a:xfrm>
-              <a:off x="6048364" y="6009559"/>
-              <a:ext cx="995363" cy="276225"/>
-            </a:xfrm>
-            <a:prstGeom prst="rect">
-              <a:avLst/>
-            </a:prstGeom>
-          </p:spPr>
-          <p:style>
-            <a:lnRef idx="2">
-              <a:schemeClr val="dk1"/>
-            </a:lnRef>
-            <a:fillRef idx="1">
-              <a:schemeClr val="lt1"/>
-            </a:fillRef>
-            <a:effectRef idx="0">
-              <a:schemeClr val="dk1"/>
-            </a:effectRef>
-            <a:fontRef idx="minor">
-              <a:schemeClr val="dk1"/>
-            </a:fontRef>
-          </p:style>
-          <p:txBody>
-            <a:bodyPr rtlCol="0" anchor="ctr"/>
-            <a:lstStyle/>
-            <a:p>
-              <a:pPr algn="ctr"/>
-              <a:r>
-                <a:rPr lang="de-CH" sz="800" dirty="0" err="1" smtClean="0"/>
-                <a:t>OutputQueue</a:t>
-              </a:r>
-              <a:endParaRPr lang="de-CH" sz="800" dirty="0"/>
-            </a:p>
-          </p:txBody>
-        </p:sp>
-        <p:sp>
-          <p:nvSpPr>
-            <p:cNvPr id="101" name="Rechteck 100"/>
-            <p:cNvSpPr/>
-            <p:nvPr/>
-          </p:nvSpPr>
-          <p:spPr>
-            <a:xfrm>
-              <a:off x="4533500" y="6011520"/>
-              <a:ext cx="995363" cy="276225"/>
-            </a:xfrm>
-            <a:prstGeom prst="rect">
-              <a:avLst/>
-            </a:prstGeom>
-          </p:spPr>
-          <p:style>
-            <a:lnRef idx="2">
-              <a:schemeClr val="dk1"/>
-            </a:lnRef>
-            <a:fillRef idx="1">
-              <a:schemeClr val="lt1"/>
-            </a:fillRef>
-            <a:effectRef idx="0">
-              <a:schemeClr val="dk1"/>
-            </a:effectRef>
-            <a:fontRef idx="minor">
-              <a:schemeClr val="dk1"/>
-            </a:fontRef>
-          </p:style>
-          <p:txBody>
-            <a:bodyPr rtlCol="0" anchor="ctr"/>
-            <a:lstStyle/>
-            <a:p>
-              <a:pPr algn="ctr"/>
-              <a:r>
-                <a:rPr lang="de-CH" sz="800" dirty="0" err="1" smtClean="0"/>
-                <a:t>InputQueue</a:t>
-              </a:r>
-              <a:endParaRPr lang="de-CH" sz="800" dirty="0"/>
-            </a:p>
-          </p:txBody>
-        </p:sp>
-        <p:cxnSp>
-          <p:nvCxnSpPr>
-            <p:cNvPr id="106" name="Gewinkelte Verbindung 105"/>
-            <p:cNvCxnSpPr>
-              <a:stCxn id="63" idx="3"/>
-              <a:endCxn id="101" idx="3"/>
-            </p:cNvCxnSpPr>
-            <p:nvPr/>
-          </p:nvCxnSpPr>
-          <p:spPr>
-            <a:xfrm>
-              <a:off x="4809033" y="5102155"/>
-              <a:ext cx="719830" cy="1047478"/>
-            </a:xfrm>
-            <a:prstGeom prst="bentConnector3">
-              <a:avLst>
-                <a:gd name="adj1" fmla="val 131757"/>
-              </a:avLst>
-            </a:prstGeom>
-            <a:ln>
-              <a:tailEnd type="triangle"/>
-            </a:ln>
-          </p:spPr>
-          <p:style>
-            <a:lnRef idx="1">
-              <a:schemeClr val="dk1"/>
-            </a:lnRef>
-            <a:fillRef idx="0">
-              <a:schemeClr val="dk1"/>
-            </a:fillRef>
-            <a:effectRef idx="0">
-              <a:schemeClr val="dk1"/>
-            </a:effectRef>
-            <a:fontRef idx="minor">
-              <a:schemeClr val="tx1"/>
-            </a:fontRef>
-          </p:style>
-        </p:cxnSp>
-        <p:cxnSp>
-          <p:nvCxnSpPr>
-            <p:cNvPr id="108" name="Gewinkelte Verbindung 107"/>
-            <p:cNvCxnSpPr>
-              <a:stCxn id="101" idx="0"/>
-              <a:endCxn id="62" idx="1"/>
-            </p:cNvCxnSpPr>
-            <p:nvPr/>
-          </p:nvCxnSpPr>
-          <p:spPr>
-            <a:xfrm rot="5400000" flipH="1" flipV="1">
-              <a:off x="4453207" y="5171069"/>
-              <a:ext cx="1418427" cy="262476"/>
-            </a:xfrm>
-            <a:prstGeom prst="bentConnector2">
-              <a:avLst/>
-            </a:prstGeom>
-            <a:ln>
-              <a:tailEnd type="triangle"/>
-            </a:ln>
-          </p:spPr>
-          <p:style>
-            <a:lnRef idx="1">
-              <a:schemeClr val="dk1"/>
-            </a:lnRef>
-            <a:fillRef idx="0">
-              <a:schemeClr val="dk1"/>
-            </a:fillRef>
-            <a:effectRef idx="0">
-              <a:schemeClr val="dk1"/>
-            </a:effectRef>
-            <a:fontRef idx="minor">
-              <a:schemeClr val="tx1"/>
-            </a:fontRef>
-          </p:style>
-        </p:cxnSp>
-        <p:cxnSp>
-          <p:nvCxnSpPr>
-            <p:cNvPr id="110" name="Gewinkelte Verbindung 109"/>
-            <p:cNvCxnSpPr>
-              <a:stCxn id="62" idx="3"/>
-              <a:endCxn id="100" idx="0"/>
-            </p:cNvCxnSpPr>
-            <p:nvPr/>
-          </p:nvCxnSpPr>
-          <p:spPr>
-            <a:xfrm>
-              <a:off x="6289021" y="4593093"/>
-              <a:ext cx="257025" cy="1416466"/>
-            </a:xfrm>
-            <a:prstGeom prst="bentConnector2">
-              <a:avLst/>
-            </a:prstGeom>
-            <a:ln>
-              <a:tailEnd type="triangle"/>
-            </a:ln>
-          </p:spPr>
-          <p:style>
-            <a:lnRef idx="1">
-              <a:schemeClr val="dk1"/>
-            </a:lnRef>
-            <a:fillRef idx="0">
-              <a:schemeClr val="dk1"/>
-            </a:fillRef>
-            <a:effectRef idx="0">
-              <a:schemeClr val="dk1"/>
-            </a:effectRef>
-            <a:fontRef idx="minor">
-              <a:schemeClr val="tx1"/>
-            </a:fontRef>
-          </p:style>
-        </p:cxnSp>
-        <p:cxnSp>
-          <p:nvCxnSpPr>
-            <p:cNvPr id="113" name="Gewinkelte Verbindung 112"/>
-            <p:cNvCxnSpPr>
-              <a:stCxn id="100" idx="3"/>
-              <a:endCxn id="64" idx="1"/>
-            </p:cNvCxnSpPr>
-            <p:nvPr/>
-          </p:nvCxnSpPr>
-          <p:spPr>
-            <a:xfrm flipH="1" flipV="1">
-              <a:off x="7035111" y="5102155"/>
-              <a:ext cx="8616" cy="1045517"/>
-            </a:xfrm>
-            <a:prstGeom prst="bentConnector5">
-              <a:avLst>
-                <a:gd name="adj1" fmla="val -1680362"/>
-                <a:gd name="adj2" fmla="val 50000"/>
-                <a:gd name="adj3" fmla="val 2753203"/>
-              </a:avLst>
-            </a:prstGeom>
-            <a:ln>
-              <a:tailEnd type="triangle"/>
-            </a:ln>
-          </p:spPr>
-          <p:style>
-            <a:lnRef idx="1">
-              <a:schemeClr val="dk1"/>
-            </a:lnRef>
-            <a:fillRef idx="0">
-              <a:schemeClr val="dk1"/>
-            </a:fillRef>
-            <a:effectRef idx="0">
-              <a:schemeClr val="dk1"/>
-            </a:effectRef>
-            <a:fontRef idx="minor">
-              <a:schemeClr val="tx1"/>
-            </a:fontRef>
-          </p:style>
-        </p:cxnSp>
-        <p:sp>
-          <p:nvSpPr>
-            <p:cNvPr id="116" name="Textfeld 115"/>
-            <p:cNvSpPr txBox="1"/>
-            <p:nvPr/>
-          </p:nvSpPr>
-          <p:spPr>
-            <a:xfrm>
-              <a:off x="5498764" y="4798207"/>
-              <a:ext cx="761341" cy="338554"/>
-            </a:xfrm>
-            <a:prstGeom prst="rect">
-              <a:avLst/>
-            </a:prstGeom>
-            <a:noFill/>
-          </p:spPr>
-          <p:txBody>
-            <a:bodyPr wrap="square" rtlCol="0">
-              <a:spAutoFit/>
-            </a:bodyPr>
-            <a:lstStyle/>
-            <a:p>
-              <a:r>
-                <a:rPr lang="de-CH" sz="800" dirty="0" err="1" smtClean="0"/>
-                <a:t>Init</a:t>
-              </a:r>
-              <a:r>
-                <a:rPr lang="de-CH" sz="800" dirty="0" smtClean="0"/>
-                <a:t> </a:t>
-              </a:r>
-              <a:r>
-                <a:rPr lang="de-CH" sz="800" dirty="0" err="1" smtClean="0"/>
-                <a:t>subproesses</a:t>
-              </a:r>
-              <a:endParaRPr lang="de-CH" sz="800" dirty="0"/>
-            </a:p>
-          </p:txBody>
-        </p:sp>
-        <p:sp>
-          <p:nvSpPr>
-            <p:cNvPr id="117" name="Textfeld 116"/>
-            <p:cNvSpPr txBox="1"/>
-            <p:nvPr/>
-          </p:nvSpPr>
-          <p:spPr>
-            <a:xfrm>
-              <a:off x="5096190" y="5398392"/>
-              <a:ext cx="761341" cy="461665"/>
-            </a:xfrm>
-            <a:prstGeom prst="rect">
-              <a:avLst/>
-            </a:prstGeom>
-            <a:noFill/>
-          </p:spPr>
-          <p:txBody>
-            <a:bodyPr wrap="square" rtlCol="0">
-              <a:spAutoFit/>
-            </a:bodyPr>
-            <a:lstStyle/>
-            <a:p>
-              <a:r>
-                <a:rPr lang="de-CH" sz="800" dirty="0" err="1" smtClean="0"/>
-                <a:t>Put</a:t>
-              </a:r>
-              <a:r>
-                <a:rPr lang="de-CH" sz="800" dirty="0" smtClean="0"/>
-                <a:t> </a:t>
-              </a:r>
-              <a:r>
-                <a:rPr lang="de-CH" sz="800" dirty="0" err="1" smtClean="0"/>
-                <a:t>Requests</a:t>
-              </a:r>
-              <a:r>
-                <a:rPr lang="de-CH" sz="800" dirty="0" smtClean="0"/>
-                <a:t> </a:t>
-              </a:r>
-              <a:r>
-                <a:rPr lang="de-CH" sz="800" dirty="0" err="1" smtClean="0"/>
-                <a:t>into</a:t>
-              </a:r>
-              <a:r>
-                <a:rPr lang="de-CH" sz="800" dirty="0" smtClean="0"/>
-                <a:t> </a:t>
-              </a:r>
-              <a:r>
-                <a:rPr lang="de-CH" sz="800" dirty="0" err="1" smtClean="0"/>
-                <a:t>the</a:t>
-              </a:r>
-              <a:r>
-                <a:rPr lang="de-CH" sz="800" dirty="0" smtClean="0"/>
-                <a:t> Queue</a:t>
-              </a:r>
-              <a:endParaRPr lang="de-CH" sz="800" dirty="0"/>
-            </a:p>
-          </p:txBody>
-        </p:sp>
-        <p:sp>
-          <p:nvSpPr>
-            <p:cNvPr id="118" name="Textfeld 117"/>
-            <p:cNvSpPr txBox="1"/>
-            <p:nvPr/>
-          </p:nvSpPr>
-          <p:spPr>
-            <a:xfrm>
-              <a:off x="4522599" y="5566018"/>
-              <a:ext cx="761341" cy="338554"/>
-            </a:xfrm>
-            <a:prstGeom prst="rect">
-              <a:avLst/>
-            </a:prstGeom>
-            <a:noFill/>
-          </p:spPr>
-          <p:txBody>
-            <a:bodyPr wrap="square" rtlCol="0">
-              <a:spAutoFit/>
-            </a:bodyPr>
-            <a:lstStyle/>
-            <a:p>
-              <a:r>
-                <a:rPr lang="de-CH" sz="800" dirty="0" err="1" smtClean="0"/>
-                <a:t>Process</a:t>
-              </a:r>
-              <a:r>
-                <a:rPr lang="de-CH" sz="800" dirty="0" smtClean="0"/>
-                <a:t> Request</a:t>
-              </a:r>
-              <a:endParaRPr lang="de-CH" sz="800" dirty="0"/>
-            </a:p>
-          </p:txBody>
-        </p:sp>
-        <p:sp>
-          <p:nvSpPr>
-            <p:cNvPr id="125" name="Textfeld 124"/>
-            <p:cNvSpPr txBox="1"/>
-            <p:nvPr/>
-          </p:nvSpPr>
-          <p:spPr>
-            <a:xfrm>
-              <a:off x="5863202" y="5241798"/>
-              <a:ext cx="761341" cy="584775"/>
-            </a:xfrm>
-            <a:prstGeom prst="rect">
-              <a:avLst/>
-            </a:prstGeom>
-            <a:noFill/>
-          </p:spPr>
-          <p:txBody>
-            <a:bodyPr wrap="square" rtlCol="0">
-              <a:spAutoFit/>
-            </a:bodyPr>
-            <a:lstStyle/>
-            <a:p>
-              <a:r>
-                <a:rPr lang="de-CH" sz="800" dirty="0" err="1" smtClean="0"/>
-                <a:t>Put</a:t>
-              </a:r>
-              <a:r>
-                <a:rPr lang="de-CH" sz="800" dirty="0" smtClean="0"/>
-                <a:t> </a:t>
-              </a:r>
-              <a:r>
-                <a:rPr lang="de-CH" sz="800" dirty="0" err="1" smtClean="0"/>
-                <a:t>processed</a:t>
-              </a:r>
-              <a:r>
-                <a:rPr lang="de-CH" sz="800" dirty="0" smtClean="0"/>
-                <a:t> Request back </a:t>
-              </a:r>
-              <a:r>
-                <a:rPr lang="de-CH" sz="800" dirty="0" err="1" smtClean="0"/>
-                <a:t>into</a:t>
-              </a:r>
-              <a:r>
-                <a:rPr lang="de-CH" sz="800" dirty="0" smtClean="0"/>
-                <a:t> Queue</a:t>
-              </a:r>
-              <a:endParaRPr lang="de-CH" sz="800" dirty="0"/>
-            </a:p>
-          </p:txBody>
-        </p:sp>
-        <p:sp>
-          <p:nvSpPr>
-            <p:cNvPr id="126" name="Textfeld 125"/>
-            <p:cNvSpPr txBox="1"/>
-            <p:nvPr/>
-          </p:nvSpPr>
-          <p:spPr>
-            <a:xfrm>
-              <a:off x="7171313" y="5536130"/>
-              <a:ext cx="761341" cy="584775"/>
-            </a:xfrm>
-            <a:prstGeom prst="rect">
-              <a:avLst/>
-            </a:prstGeom>
-            <a:noFill/>
-          </p:spPr>
-          <p:txBody>
-            <a:bodyPr wrap="square" rtlCol="0">
-              <a:spAutoFit/>
-            </a:bodyPr>
-            <a:lstStyle/>
-            <a:p>
-              <a:r>
-                <a:rPr lang="de-CH" sz="800" dirty="0" smtClean="0"/>
-                <a:t>Send </a:t>
-              </a:r>
-              <a:r>
-                <a:rPr lang="de-CH" sz="800" dirty="0" err="1" smtClean="0"/>
-                <a:t>Requests</a:t>
-              </a:r>
-              <a:r>
-                <a:rPr lang="de-CH" sz="800" dirty="0" smtClean="0"/>
-                <a:t> </a:t>
-              </a:r>
-              <a:r>
-                <a:rPr lang="de-CH" sz="800" dirty="0" err="1" smtClean="0"/>
-                <a:t>to</a:t>
-              </a:r>
-              <a:r>
-                <a:rPr lang="de-CH" sz="800" dirty="0" smtClean="0"/>
-                <a:t> Telegram</a:t>
-              </a:r>
-              <a:r>
-                <a:rPr lang="de-CH" sz="800" dirty="0"/>
-                <a:t>-</a:t>
-              </a:r>
-              <a:r>
-                <a:rPr lang="de-CH" sz="800" dirty="0" err="1" smtClean="0"/>
-                <a:t>Serves</a:t>
-              </a:r>
-              <a:endParaRPr lang="de-CH" sz="800" dirty="0"/>
-            </a:p>
-          </p:txBody>
-        </p:sp>
-        <p:sp>
-          <p:nvSpPr>
-            <p:cNvPr id="130" name="Rechteck 129"/>
-            <p:cNvSpPr/>
-            <p:nvPr/>
-          </p:nvSpPr>
-          <p:spPr>
-            <a:xfrm>
-              <a:off x="5351418" y="551791"/>
-              <a:ext cx="870287" cy="281950"/>
-            </a:xfrm>
-            <a:prstGeom prst="rect">
-              <a:avLst/>
-            </a:prstGeom>
-          </p:spPr>
-          <p:style>
-            <a:lnRef idx="2">
-              <a:schemeClr val="dk1"/>
-            </a:lnRef>
-            <a:fillRef idx="1">
-              <a:schemeClr val="lt1"/>
-            </a:fillRef>
-            <a:effectRef idx="0">
-              <a:schemeClr val="dk1"/>
-            </a:effectRef>
-            <a:fontRef idx="minor">
-              <a:schemeClr val="dk1"/>
-            </a:fontRef>
-          </p:style>
-          <p:txBody>
-            <a:bodyPr rtlCol="0" anchor="ctr"/>
-            <a:lstStyle/>
-            <a:p>
-              <a:pPr algn="ctr"/>
-              <a:r>
-                <a:rPr lang="de-CH" sz="800" dirty="0" err="1" smtClean="0"/>
-                <a:t>Init</a:t>
-              </a:r>
-              <a:r>
-                <a:rPr lang="de-CH" sz="800" dirty="0" smtClean="0"/>
-                <a:t> </a:t>
-              </a:r>
-              <a:r>
-                <a:rPr lang="de-CH" sz="800" dirty="0" err="1" smtClean="0"/>
-                <a:t>ShutdownEvent</a:t>
-              </a:r>
-              <a:endParaRPr lang="de-CH" sz="800" dirty="0"/>
-            </a:p>
-          </p:txBody>
-        </p:sp>
-        <p:cxnSp>
-          <p:nvCxnSpPr>
-            <p:cNvPr id="133" name="Gerade Verbindung mit Pfeil 132"/>
-            <p:cNvCxnSpPr>
-              <a:stCxn id="130" idx="2"/>
-              <a:endCxn id="7" idx="0"/>
-            </p:cNvCxnSpPr>
-            <p:nvPr/>
-          </p:nvCxnSpPr>
-          <p:spPr>
-            <a:xfrm>
-              <a:off x="5786562" y="833741"/>
-              <a:ext cx="5410" cy="169642"/>
-            </a:xfrm>
-            <a:prstGeom prst="straightConnector1">
-              <a:avLst/>
-            </a:prstGeom>
-            <a:ln>
-              <a:solidFill>
-                <a:schemeClr val="tx1"/>
-              </a:solidFill>
-              <a:tailEnd type="triangle"/>
-            </a:ln>
-          </p:spPr>
-          <p:style>
-            <a:lnRef idx="1">
-              <a:schemeClr val="accent1"/>
-            </a:lnRef>
-            <a:fillRef idx="0">
-              <a:schemeClr val="accent1"/>
-            </a:fillRef>
-            <a:effectRef idx="0">
-              <a:schemeClr val="accent1"/>
-            </a:effectRef>
-            <a:fontRef idx="minor">
-              <a:schemeClr val="tx1"/>
-            </a:fontRef>
-          </p:style>
-        </p:cxnSp>
-        <p:cxnSp>
-          <p:nvCxnSpPr>
-            <p:cNvPr id="137" name="Gewinkelte Verbindung 136"/>
-            <p:cNvCxnSpPr>
-              <a:stCxn id="130" idx="1"/>
-              <a:endCxn id="7" idx="1"/>
-            </p:cNvCxnSpPr>
-            <p:nvPr/>
-          </p:nvCxnSpPr>
-          <p:spPr>
-            <a:xfrm rot="10800000" flipH="1" flipV="1">
-              <a:off x="5351418" y="692766"/>
-              <a:ext cx="5410" cy="451592"/>
-            </a:xfrm>
-            <a:prstGeom prst="bentConnector3">
-              <a:avLst>
-                <a:gd name="adj1" fmla="val -4225508"/>
-              </a:avLst>
-            </a:prstGeom>
-            <a:ln>
-              <a:tailEnd type="triangle"/>
-            </a:ln>
-          </p:spPr>
-          <p:style>
-            <a:lnRef idx="1">
-              <a:schemeClr val="dk1"/>
-            </a:lnRef>
-            <a:fillRef idx="0">
-              <a:schemeClr val="dk1"/>
-            </a:fillRef>
-            <a:effectRef idx="0">
-              <a:schemeClr val="dk1"/>
-            </a:effectRef>
-            <a:fontRef idx="minor">
-              <a:schemeClr val="tx1"/>
-            </a:fontRef>
-          </p:style>
-        </p:cxnSp>
-        <p:cxnSp>
-          <p:nvCxnSpPr>
-            <p:cNvPr id="139" name="Gewinkelte Verbindung 138"/>
-            <p:cNvCxnSpPr>
-              <a:stCxn id="130" idx="1"/>
-              <a:endCxn id="62" idx="0"/>
-            </p:cNvCxnSpPr>
-            <p:nvPr/>
-          </p:nvCxnSpPr>
-          <p:spPr>
-            <a:xfrm rot="10800000" flipH="1" flipV="1">
-              <a:off x="5351418" y="692766"/>
-              <a:ext cx="439922" cy="3762214"/>
-            </a:xfrm>
-            <a:prstGeom prst="bentConnector4">
-              <a:avLst>
-                <a:gd name="adj1" fmla="val -154448"/>
-                <a:gd name="adj2" fmla="val 97446"/>
-              </a:avLst>
-            </a:prstGeom>
-            <a:ln>
-              <a:tailEnd type="triangle"/>
-            </a:ln>
-          </p:spPr>
-          <p:style>
-            <a:lnRef idx="1">
-              <a:schemeClr val="dk1"/>
-            </a:lnRef>
-            <a:fillRef idx="0">
-              <a:schemeClr val="dk1"/>
-            </a:fillRef>
-            <a:effectRef idx="0">
-              <a:schemeClr val="dk1"/>
-            </a:effectRef>
-            <a:fontRef idx="minor">
-              <a:schemeClr val="tx1"/>
-            </a:fontRef>
-          </p:style>
-        </p:cxnSp>
-        <p:cxnSp>
-          <p:nvCxnSpPr>
-            <p:cNvPr id="143" name="Gewinkelte Verbindung 142"/>
-            <p:cNvCxnSpPr>
-              <a:stCxn id="130" idx="1"/>
-              <a:endCxn id="63" idx="2"/>
-            </p:cNvCxnSpPr>
-            <p:nvPr/>
-          </p:nvCxnSpPr>
-          <p:spPr>
-            <a:xfrm rot="10800000" flipV="1">
-              <a:off x="4311352" y="692765"/>
-              <a:ext cx="1040066" cy="4547501"/>
-            </a:xfrm>
-            <a:prstGeom prst="bentConnector4">
-              <a:avLst>
-                <a:gd name="adj1" fmla="val 46588"/>
-                <a:gd name="adj2" fmla="val 105027"/>
-              </a:avLst>
-            </a:prstGeom>
-            <a:ln>
-              <a:tailEnd type="triangle"/>
-            </a:ln>
-          </p:spPr>
-          <p:style>
-            <a:lnRef idx="1">
-              <a:schemeClr val="dk1"/>
-            </a:lnRef>
-            <a:fillRef idx="0">
-              <a:schemeClr val="dk1"/>
-            </a:fillRef>
-            <a:effectRef idx="0">
-              <a:schemeClr val="dk1"/>
-            </a:effectRef>
-            <a:fontRef idx="minor">
-              <a:schemeClr val="tx1"/>
-            </a:fontRef>
-          </p:style>
-        </p:cxnSp>
-        <p:cxnSp>
-          <p:nvCxnSpPr>
-            <p:cNvPr id="147" name="Gewinkelte Verbindung 146"/>
-            <p:cNvCxnSpPr>
-              <a:stCxn id="130" idx="3"/>
-              <a:endCxn id="64" idx="2"/>
-            </p:cNvCxnSpPr>
-            <p:nvPr/>
-          </p:nvCxnSpPr>
-          <p:spPr>
-            <a:xfrm>
-              <a:off x="6221705" y="692766"/>
-              <a:ext cx="1330279" cy="4547501"/>
-            </a:xfrm>
-            <a:prstGeom prst="bentConnector4">
-              <a:avLst>
-                <a:gd name="adj1" fmla="val 163465"/>
-                <a:gd name="adj2" fmla="val 105027"/>
-              </a:avLst>
-            </a:prstGeom>
-            <a:ln>
-              <a:tailEnd type="triangle"/>
-            </a:ln>
-          </p:spPr>
-          <p:style>
-            <a:lnRef idx="1">
-              <a:schemeClr val="dk1"/>
-            </a:lnRef>
-            <a:fillRef idx="0">
-              <a:schemeClr val="dk1"/>
-            </a:fillRef>
-            <a:effectRef idx="0">
-              <a:schemeClr val="dk1"/>
-            </a:effectRef>
-            <a:fontRef idx="minor">
-              <a:schemeClr val="tx1"/>
-            </a:fontRef>
-          </p:style>
-        </p:cxnSp>
-        <p:sp>
-          <p:nvSpPr>
-            <p:cNvPr id="150" name="Textfeld 149"/>
-            <p:cNvSpPr txBox="1"/>
-            <p:nvPr/>
-          </p:nvSpPr>
-          <p:spPr>
-            <a:xfrm>
-              <a:off x="4015229" y="472692"/>
-              <a:ext cx="996182" cy="215444"/>
-            </a:xfrm>
-            <a:prstGeom prst="rect">
-              <a:avLst/>
-            </a:prstGeom>
-            <a:noFill/>
-          </p:spPr>
-          <p:txBody>
-            <a:bodyPr wrap="square" rtlCol="0">
-              <a:spAutoFit/>
-            </a:bodyPr>
-            <a:lstStyle/>
-            <a:p>
-              <a:r>
-                <a:rPr lang="de-CH" sz="800" dirty="0" err="1" smtClean="0"/>
-                <a:t>Process</a:t>
-              </a:r>
-              <a:r>
-                <a:rPr lang="de-CH" sz="800" dirty="0" smtClean="0"/>
-                <a:t> </a:t>
-              </a:r>
-              <a:r>
-                <a:rPr lang="de-CH" sz="800" dirty="0" err="1" smtClean="0"/>
-                <a:t>shutdown</a:t>
-              </a:r>
-              <a:endParaRPr lang="de-CH" sz="800" dirty="0"/>
-            </a:p>
-          </p:txBody>
-        </p:sp>
-        <p:sp>
-          <p:nvSpPr>
-            <p:cNvPr id="151" name="Textfeld 150"/>
-            <p:cNvSpPr txBox="1"/>
-            <p:nvPr/>
-          </p:nvSpPr>
-          <p:spPr>
-            <a:xfrm>
-              <a:off x="6685776" y="444069"/>
-              <a:ext cx="981376" cy="215444"/>
-            </a:xfrm>
-            <a:prstGeom prst="rect">
-              <a:avLst/>
-            </a:prstGeom>
-            <a:noFill/>
-          </p:spPr>
-          <p:txBody>
-            <a:bodyPr wrap="square" rtlCol="0">
-              <a:spAutoFit/>
-            </a:bodyPr>
-            <a:lstStyle/>
-            <a:p>
-              <a:r>
-                <a:rPr lang="de-CH" sz="800" dirty="0" err="1" smtClean="0"/>
-                <a:t>Process</a:t>
-              </a:r>
-              <a:r>
-                <a:rPr lang="de-CH" sz="800" dirty="0" smtClean="0"/>
-                <a:t> </a:t>
-              </a:r>
-              <a:r>
-                <a:rPr lang="de-CH" sz="800" dirty="0" err="1" smtClean="0"/>
-                <a:t>shutdown</a:t>
-              </a:r>
-              <a:endParaRPr lang="de-CH" sz="800" dirty="0"/>
-            </a:p>
-          </p:txBody>
-        </p:sp>
-        <p:cxnSp>
-          <p:nvCxnSpPr>
-            <p:cNvPr id="158" name="Gewinkelte Verbindung 157"/>
-            <p:cNvCxnSpPr>
-              <a:stCxn id="63" idx="1"/>
-              <a:endCxn id="39" idx="1"/>
-            </p:cNvCxnSpPr>
-            <p:nvPr/>
-          </p:nvCxnSpPr>
-          <p:spPr>
-            <a:xfrm rot="10800000" flipH="1" flipV="1">
-              <a:off x="3813670" y="5102154"/>
-              <a:ext cx="1554724" cy="1507591"/>
-            </a:xfrm>
-            <a:prstGeom prst="bentConnector3">
-              <a:avLst>
-                <a:gd name="adj1" fmla="val -14704"/>
-              </a:avLst>
-            </a:prstGeom>
-            <a:ln>
-              <a:tailEnd type="triangle"/>
-            </a:ln>
-          </p:spPr>
-          <p:style>
-            <a:lnRef idx="1">
-              <a:schemeClr val="dk1"/>
-            </a:lnRef>
-            <a:fillRef idx="0">
-              <a:schemeClr val="dk1"/>
-            </a:fillRef>
-            <a:effectRef idx="0">
-              <a:schemeClr val="dk1"/>
-            </a:effectRef>
-            <a:fontRef idx="minor">
-              <a:schemeClr val="tx1"/>
-            </a:fontRef>
-          </p:style>
-        </p:cxnSp>
-        <p:cxnSp>
-          <p:nvCxnSpPr>
-            <p:cNvPr id="184" name="Gewinkelte Verbindung 183"/>
-            <p:cNvCxnSpPr>
-              <a:stCxn id="64" idx="3"/>
-              <a:endCxn id="39" idx="3"/>
-            </p:cNvCxnSpPr>
-            <p:nvPr/>
-          </p:nvCxnSpPr>
-          <p:spPr>
-            <a:xfrm flipH="1">
-              <a:off x="6391293" y="5102155"/>
-              <a:ext cx="1677564" cy="1507591"/>
-            </a:xfrm>
-            <a:prstGeom prst="bentConnector3">
-              <a:avLst>
-                <a:gd name="adj1" fmla="val -32932"/>
-              </a:avLst>
-            </a:prstGeom>
-            <a:ln>
-              <a:tailEnd type="triangle"/>
-            </a:ln>
-          </p:spPr>
-          <p:style>
-            <a:lnRef idx="1">
-              <a:schemeClr val="dk1"/>
-            </a:lnRef>
-            <a:fillRef idx="0">
-              <a:schemeClr val="dk1"/>
-            </a:fillRef>
-            <a:effectRef idx="0">
-              <a:schemeClr val="dk1"/>
-            </a:effectRef>
-            <a:fontRef idx="minor">
-              <a:schemeClr val="tx1"/>
-            </a:fontRef>
-          </p:style>
-        </p:cxnSp>
-      </p:grpSp>
+            </a:solidFill>
+            <a:tailEnd type="triangle"/>
+          </a:ln>
+        </p:spPr>
+        <p:style>
+          <a:lnRef idx="1">
+            <a:schemeClr val="accent1"/>
+          </a:lnRef>
+          <a:fillRef idx="0">
+            <a:schemeClr val="accent1"/>
+          </a:fillRef>
+          <a:effectRef idx="0">
+            <a:schemeClr val="accent1"/>
+          </a:effectRef>
+          <a:fontRef idx="minor">
+            <a:schemeClr val="tx1"/>
+          </a:fontRef>
+        </p:style>
+      </p:cxnSp>
+      <p:cxnSp>
+        <p:nvCxnSpPr>
+          <p:cNvPr id="137" name="Gewinkelte Verbindung 136"/>
+          <p:cNvCxnSpPr>
+            <a:stCxn id="130" idx="1"/>
+            <a:endCxn id="7" idx="1"/>
+          </p:cNvCxnSpPr>
+          <p:nvPr/>
+        </p:nvCxnSpPr>
+        <p:spPr>
+          <a:xfrm rot="10800000" flipH="1" flipV="1">
+            <a:off x="5506155" y="663838"/>
+            <a:ext cx="5410" cy="451592"/>
+          </a:xfrm>
+          <a:prstGeom prst="bentConnector3">
+            <a:avLst>
+              <a:gd name="adj1" fmla="val -4225508"/>
+            </a:avLst>
+          </a:prstGeom>
+          <a:ln>
+            <a:tailEnd type="triangle"/>
+          </a:ln>
+        </p:spPr>
+        <p:style>
+          <a:lnRef idx="1">
+            <a:schemeClr val="dk1"/>
+          </a:lnRef>
+          <a:fillRef idx="0">
+            <a:schemeClr val="dk1"/>
+          </a:fillRef>
+          <a:effectRef idx="0">
+            <a:schemeClr val="dk1"/>
+          </a:effectRef>
+          <a:fontRef idx="minor">
+            <a:schemeClr val="tx1"/>
+          </a:fontRef>
+        </p:style>
+      </p:cxnSp>
+      <p:cxnSp>
+        <p:nvCxnSpPr>
+          <p:cNvPr id="139" name="Gewinkelte Verbindung 138"/>
+          <p:cNvCxnSpPr>
+            <a:stCxn id="130" idx="1"/>
+            <a:endCxn id="62" idx="0"/>
+          </p:cNvCxnSpPr>
+          <p:nvPr/>
+        </p:nvCxnSpPr>
+        <p:spPr>
+          <a:xfrm rot="10800000" flipH="1" flipV="1">
+            <a:off x="5506155" y="663838"/>
+            <a:ext cx="439922" cy="3762214"/>
+          </a:xfrm>
+          <a:prstGeom prst="bentConnector4">
+            <a:avLst>
+              <a:gd name="adj1" fmla="val -154448"/>
+              <a:gd name="adj2" fmla="val 97446"/>
+            </a:avLst>
+          </a:prstGeom>
+          <a:ln>
+            <a:tailEnd type="triangle"/>
+          </a:ln>
+        </p:spPr>
+        <p:style>
+          <a:lnRef idx="1">
+            <a:schemeClr val="dk1"/>
+          </a:lnRef>
+          <a:fillRef idx="0">
+            <a:schemeClr val="dk1"/>
+          </a:fillRef>
+          <a:effectRef idx="0">
+            <a:schemeClr val="dk1"/>
+          </a:effectRef>
+          <a:fontRef idx="minor">
+            <a:schemeClr val="tx1"/>
+          </a:fontRef>
+        </p:style>
+      </p:cxnSp>
+      <p:cxnSp>
+        <p:nvCxnSpPr>
+          <p:cNvPr id="143" name="Gewinkelte Verbindung 142"/>
+          <p:cNvCxnSpPr>
+            <a:stCxn id="130" idx="1"/>
+            <a:endCxn id="63" idx="2"/>
+          </p:cNvCxnSpPr>
+          <p:nvPr/>
+        </p:nvCxnSpPr>
+        <p:spPr>
+          <a:xfrm rot="10800000" flipV="1">
+            <a:off x="4466089" y="663837"/>
+            <a:ext cx="1040066" cy="4547501"/>
+          </a:xfrm>
+          <a:prstGeom prst="bentConnector4">
+            <a:avLst>
+              <a:gd name="adj1" fmla="val 46588"/>
+              <a:gd name="adj2" fmla="val 105027"/>
+            </a:avLst>
+          </a:prstGeom>
+          <a:ln>
+            <a:tailEnd type="triangle"/>
+          </a:ln>
+        </p:spPr>
+        <p:style>
+          <a:lnRef idx="1">
+            <a:schemeClr val="dk1"/>
+          </a:lnRef>
+          <a:fillRef idx="0">
+            <a:schemeClr val="dk1"/>
+          </a:fillRef>
+          <a:effectRef idx="0">
+            <a:schemeClr val="dk1"/>
+          </a:effectRef>
+          <a:fontRef idx="minor">
+            <a:schemeClr val="tx1"/>
+          </a:fontRef>
+        </p:style>
+      </p:cxnSp>
+      <p:cxnSp>
+        <p:nvCxnSpPr>
+          <p:cNvPr id="147" name="Gewinkelte Verbindung 146"/>
+          <p:cNvCxnSpPr>
+            <a:stCxn id="130" idx="3"/>
+            <a:endCxn id="64" idx="2"/>
+          </p:cNvCxnSpPr>
+          <p:nvPr/>
+        </p:nvCxnSpPr>
+        <p:spPr>
+          <a:xfrm>
+            <a:off x="6376442" y="663838"/>
+            <a:ext cx="1330279" cy="4547501"/>
+          </a:xfrm>
+          <a:prstGeom prst="bentConnector4">
+            <a:avLst>
+              <a:gd name="adj1" fmla="val 163465"/>
+              <a:gd name="adj2" fmla="val 105027"/>
+            </a:avLst>
+          </a:prstGeom>
+          <a:ln>
+            <a:tailEnd type="triangle"/>
+          </a:ln>
+        </p:spPr>
+        <p:style>
+          <a:lnRef idx="1">
+            <a:schemeClr val="dk1"/>
+          </a:lnRef>
+          <a:fillRef idx="0">
+            <a:schemeClr val="dk1"/>
+          </a:fillRef>
+          <a:effectRef idx="0">
+            <a:schemeClr val="dk1"/>
+          </a:effectRef>
+          <a:fontRef idx="minor">
+            <a:schemeClr val="tx1"/>
+          </a:fontRef>
+        </p:style>
+      </p:cxnSp>
+      <p:sp>
+        <p:nvSpPr>
+          <p:cNvPr id="150" name="Textfeld 149"/>
+          <p:cNvSpPr txBox="1"/>
+          <p:nvPr/>
+        </p:nvSpPr>
+        <p:spPr>
+          <a:xfrm>
+            <a:off x="4169966" y="443764"/>
+            <a:ext cx="996182" cy="215444"/>
+          </a:xfrm>
+          <a:prstGeom prst="rect">
+            <a:avLst/>
+          </a:prstGeom>
+          <a:noFill/>
+        </p:spPr>
+        <p:txBody>
+          <a:bodyPr wrap="square" rtlCol="0">
+            <a:spAutoFit/>
+          </a:bodyPr>
+          <a:lstStyle/>
+          <a:p>
+            <a:r>
+              <a:rPr lang="de-CH" sz="800" dirty="0" err="1" smtClean="0"/>
+              <a:t>Process</a:t>
+            </a:r>
+            <a:r>
+              <a:rPr lang="de-CH" sz="800" dirty="0" smtClean="0"/>
+              <a:t> </a:t>
+            </a:r>
+            <a:r>
+              <a:rPr lang="de-CH" sz="800" dirty="0" err="1" smtClean="0"/>
+              <a:t>shutdown</a:t>
+            </a:r>
+            <a:endParaRPr lang="de-CH" sz="800" dirty="0"/>
+          </a:p>
+        </p:txBody>
+      </p:sp>
+      <p:sp>
+        <p:nvSpPr>
+          <p:cNvPr id="151" name="Textfeld 150"/>
+          <p:cNvSpPr txBox="1"/>
+          <p:nvPr/>
+        </p:nvSpPr>
+        <p:spPr>
+          <a:xfrm>
+            <a:off x="6840513" y="415141"/>
+            <a:ext cx="981376" cy="215444"/>
+          </a:xfrm>
+          <a:prstGeom prst="rect">
+            <a:avLst/>
+          </a:prstGeom>
+          <a:noFill/>
+        </p:spPr>
+        <p:txBody>
+          <a:bodyPr wrap="square" rtlCol="0">
+            <a:spAutoFit/>
+          </a:bodyPr>
+          <a:lstStyle/>
+          <a:p>
+            <a:r>
+              <a:rPr lang="de-CH" sz="800" dirty="0" err="1" smtClean="0"/>
+              <a:t>Process</a:t>
+            </a:r>
+            <a:r>
+              <a:rPr lang="de-CH" sz="800" dirty="0" smtClean="0"/>
+              <a:t> </a:t>
+            </a:r>
+            <a:r>
+              <a:rPr lang="de-CH" sz="800" dirty="0" err="1" smtClean="0"/>
+              <a:t>shutdown</a:t>
+            </a:r>
+            <a:endParaRPr lang="de-CH" sz="800" dirty="0"/>
+          </a:p>
+        </p:txBody>
+      </p:sp>
+      <p:cxnSp>
+        <p:nvCxnSpPr>
+          <p:cNvPr id="158" name="Gewinkelte Verbindung 157"/>
+          <p:cNvCxnSpPr>
+            <a:stCxn id="63" idx="1"/>
+            <a:endCxn id="39" idx="1"/>
+          </p:cNvCxnSpPr>
+          <p:nvPr/>
+        </p:nvCxnSpPr>
+        <p:spPr>
+          <a:xfrm rot="10800000" flipH="1" flipV="1">
+            <a:off x="3968407" y="5073226"/>
+            <a:ext cx="1554724" cy="1507591"/>
+          </a:xfrm>
+          <a:prstGeom prst="bentConnector3">
+            <a:avLst>
+              <a:gd name="adj1" fmla="val -14704"/>
+            </a:avLst>
+          </a:prstGeom>
+          <a:ln>
+            <a:tailEnd type="triangle"/>
+          </a:ln>
+        </p:spPr>
+        <p:style>
+          <a:lnRef idx="1">
+            <a:schemeClr val="dk1"/>
+          </a:lnRef>
+          <a:fillRef idx="0">
+            <a:schemeClr val="dk1"/>
+          </a:fillRef>
+          <a:effectRef idx="0">
+            <a:schemeClr val="dk1"/>
+          </a:effectRef>
+          <a:fontRef idx="minor">
+            <a:schemeClr val="tx1"/>
+          </a:fontRef>
+        </p:style>
+      </p:cxnSp>
+      <p:cxnSp>
+        <p:nvCxnSpPr>
+          <p:cNvPr id="184" name="Gewinkelte Verbindung 183"/>
+          <p:cNvCxnSpPr>
+            <a:stCxn id="64" idx="3"/>
+            <a:endCxn id="39" idx="3"/>
+          </p:cNvCxnSpPr>
+          <p:nvPr/>
+        </p:nvCxnSpPr>
+        <p:spPr>
+          <a:xfrm flipH="1">
+            <a:off x="6546030" y="5073227"/>
+            <a:ext cx="1677564" cy="1507591"/>
+          </a:xfrm>
+          <a:prstGeom prst="bentConnector3">
+            <a:avLst>
+              <a:gd name="adj1" fmla="val -32932"/>
+            </a:avLst>
+          </a:prstGeom>
+          <a:ln>
+            <a:tailEnd type="triangle"/>
+          </a:ln>
+        </p:spPr>
+        <p:style>
+          <a:lnRef idx="1">
+            <a:schemeClr val="dk1"/>
+          </a:lnRef>
+          <a:fillRef idx="0">
+            <a:schemeClr val="dk1"/>
+          </a:fillRef>
+          <a:effectRef idx="0">
+            <a:schemeClr val="dk1"/>
+          </a:effectRef>
+          <a:fontRef idx="minor">
+            <a:schemeClr val="tx1"/>
+          </a:fontRef>
+        </p:style>
+      </p:cxnSp>
+      <p:cxnSp>
+        <p:nvCxnSpPr>
+          <p:cNvPr id="5" name="Gewinkelte Verbindung 4"/>
+          <p:cNvCxnSpPr>
+            <a:endCxn id="64" idx="0"/>
+          </p:cNvCxnSpPr>
+          <p:nvPr/>
+        </p:nvCxnSpPr>
+        <p:spPr>
+          <a:xfrm>
+            <a:off x="6458158" y="4564165"/>
+            <a:ext cx="1248563" cy="370949"/>
+          </a:xfrm>
+          <a:prstGeom prst="bentConnector2">
+            <a:avLst/>
+          </a:prstGeom>
+          <a:ln>
+            <a:tailEnd type="triangle"/>
+          </a:ln>
+        </p:spPr>
+        <p:style>
+          <a:lnRef idx="1">
+            <a:schemeClr val="dk1"/>
+          </a:lnRef>
+          <a:fillRef idx="0">
+            <a:schemeClr val="dk1"/>
+          </a:fillRef>
+          <a:effectRef idx="0">
+            <a:schemeClr val="dk1"/>
+          </a:effectRef>
+          <a:fontRef idx="minor">
+            <a:schemeClr val="tx1"/>
+          </a:fontRef>
+        </p:style>
+      </p:cxnSp>
+      <p:sp>
+        <p:nvSpPr>
+          <p:cNvPr id="54" name="Textfeld 53"/>
+          <p:cNvSpPr txBox="1"/>
+          <p:nvPr/>
+        </p:nvSpPr>
+        <p:spPr>
+          <a:xfrm>
+            <a:off x="6694736" y="4332095"/>
+            <a:ext cx="915739" cy="215444"/>
+          </a:xfrm>
+          <a:prstGeom prst="rect">
+            <a:avLst/>
+          </a:prstGeom>
+          <a:noFill/>
+        </p:spPr>
+        <p:txBody>
+          <a:bodyPr wrap="square" rtlCol="0">
+            <a:spAutoFit/>
+          </a:bodyPr>
+          <a:lstStyle/>
+          <a:p>
+            <a:r>
+              <a:rPr lang="de-CH" sz="800" dirty="0" err="1" smtClean="0"/>
+              <a:t>Workload</a:t>
+            </a:r>
+            <a:r>
+              <a:rPr lang="de-CH" sz="800" dirty="0" smtClean="0"/>
+              <a:t> </a:t>
+            </a:r>
+            <a:r>
+              <a:rPr lang="de-CH" sz="800" dirty="0" err="1" smtClean="0"/>
+              <a:t>done</a:t>
+            </a:r>
+            <a:endParaRPr lang="de-CH" sz="800" dirty="0"/>
+          </a:p>
+        </p:txBody>
+      </p:sp>
     </p:spTree>
     <p:extLst>
       <p:ext uri="{BB962C8B-B14F-4D97-AF65-F5344CB8AC3E}">
@@ -5080,11 +5138,7 @@
             </a:r>
             <a:r>
               <a:rPr lang="de-CH" sz="800" dirty="0" smtClean="0"/>
-              <a:t> </a:t>
-            </a:r>
-            <a:r>
-              <a:rPr lang="de-CH" sz="800" dirty="0" smtClean="0"/>
-              <a:t>/ </a:t>
+              <a:t> / </a:t>
             </a:r>
             <a:r>
               <a:rPr lang="de-CH" sz="800" dirty="0"/>
@@ -6074,8 +6128,8 @@
         </p:nvSpPr>
         <p:spPr>
           <a:xfrm>
-            <a:off x="6801886" y="2581894"/>
-            <a:ext cx="981376" cy="215444"/>
+            <a:off x="6337176" y="3947793"/>
+            <a:ext cx="1129910" cy="215444"/>
           </a:xfrm>
           <a:prstGeom prst="rect">
             <a:avLst/>
@@ -6092,6 +6146,22 @@
               <a:rPr lang="de-CH" sz="800" dirty="0" err="1" smtClean="0"/>
               <a:t>Workload</a:t>
             </a:r>
+            <a:r>
+              <a:rPr lang="de-CH" sz="800" dirty="0" smtClean="0"/>
+              <a:t> </a:t>
+            </a:r>
+            <a:r>
+              <a:rPr lang="de-CH" sz="800" dirty="0" err="1" smtClean="0"/>
+              <a:t>done</a:t>
+            </a:r>
+            <a:r>
+              <a:rPr lang="de-CH" sz="800" dirty="0" smtClean="0"/>
+              <a:t> </a:t>
+            </a:r>
+            <a:r>
+              <a:rPr lang="de-CH" sz="800" dirty="0" err="1" smtClean="0"/>
+              <a:t>event</a:t>
+            </a:r>
             <a:endParaRPr lang="de-CH" sz="800" dirty="0"/>
           </a:p>
         </p:txBody>
@@ -6104,7 +6174,7 @@
         </p:nvSpPr>
         <p:spPr>
           <a:xfrm>
-            <a:off x="2711214" y="3708678"/>
+            <a:off x="4458540" y="2882079"/>
             <a:ext cx="981376" cy="215444"/>
           </a:xfrm>
           <a:prstGeom prst="rect">
@@ -6217,6 +6287,225 @@
           </a:xfrm>
           <a:prstGeom prst="bentConnector3">
             <a:avLst/>
+          </a:prstGeom>
+          <a:ln>
+            <a:tailEnd type="triangle"/>
+          </a:ln>
+        </p:spPr>
+        <p:style>
+          <a:lnRef idx="1">
+            <a:schemeClr val="dk1"/>
+          </a:lnRef>
+          <a:fillRef idx="0">
+            <a:schemeClr val="dk1"/>
+          </a:fillRef>
+          <a:effectRef idx="0">
+            <a:schemeClr val="dk1"/>
+          </a:effectRef>
+          <a:fontRef idx="minor">
+            <a:schemeClr val="tx1"/>
+          </a:fontRef>
+        </p:style>
+      </p:cxnSp>
+      <p:cxnSp>
+        <p:nvCxnSpPr>
+          <p:cNvPr id="3" name="Gewinkelte Verbindung 2"/>
+          <p:cNvCxnSpPr>
+            <a:stCxn id="5" idx="2"/>
+            <a:endCxn id="10" idx="1"/>
+          </p:cNvCxnSpPr>
+          <p:nvPr/>
+        </p:nvCxnSpPr>
+        <p:spPr>
+          <a:xfrm rot="16200000" flipH="1">
+            <a:off x="6485779" y="2450481"/>
+            <a:ext cx="1087158" cy="1870818"/>
+          </a:xfrm>
+          <a:prstGeom prst="bentConnector2">
+            <a:avLst/>
+          </a:prstGeom>
+          <a:ln>
+            <a:tailEnd type="triangle"/>
+          </a:ln>
+        </p:spPr>
+        <p:style>
+          <a:lnRef idx="1">
+            <a:schemeClr val="dk1"/>
+          </a:lnRef>
+          <a:fillRef idx="0">
+            <a:schemeClr val="dk1"/>
+          </a:fillRef>
+          <a:effectRef idx="0">
+            <a:schemeClr val="dk1"/>
+          </a:effectRef>
+          <a:fontRef idx="minor">
+            <a:schemeClr val="tx1"/>
+          </a:fontRef>
+        </p:style>
+      </p:cxnSp>
+      <p:sp>
+        <p:nvSpPr>
+          <p:cNvPr id="34" name="Textfeld 33"/>
+          <p:cNvSpPr txBox="1"/>
+          <p:nvPr/>
+        </p:nvSpPr>
+        <p:spPr>
+          <a:xfrm>
+            <a:off x="6954286" y="2734294"/>
+            <a:ext cx="981376" cy="215444"/>
+          </a:xfrm>
+          <a:prstGeom prst="rect">
+            <a:avLst/>
+          </a:prstGeom>
+          <a:noFill/>
+        </p:spPr>
+        <p:txBody>
+          <a:bodyPr wrap="square" rtlCol="0">
+            <a:spAutoFit/>
+          </a:bodyPr>
+          <a:lstStyle/>
+          <a:p>
+            <a:r>
+              <a:rPr lang="de-CH" sz="800" dirty="0" err="1" smtClean="0"/>
+              <a:t>Workload</a:t>
+            </a:r>
+            <a:endParaRPr lang="de-CH" sz="800" dirty="0"/>
+          </a:p>
+        </p:txBody>
+      </p:sp>
+      <p:cxnSp>
+        <p:nvCxnSpPr>
+          <p:cNvPr id="9" name="Gewinkelte Verbindung 8"/>
+          <p:cNvCxnSpPr>
+            <a:stCxn id="11" idx="3"/>
+            <a:endCxn id="10" idx="0"/>
+          </p:cNvCxnSpPr>
+          <p:nvPr/>
+        </p:nvCxnSpPr>
+        <p:spPr>
+          <a:xfrm flipV="1">
+            <a:off x="4627999" y="3791356"/>
+            <a:ext cx="3834450" cy="132767"/>
+          </a:xfrm>
+          <a:prstGeom prst="bentConnector4">
+            <a:avLst>
+              <a:gd name="adj1" fmla="val 22271"/>
+              <a:gd name="adj2" fmla="val 186530"/>
+            </a:avLst>
+          </a:prstGeom>
+          <a:ln>
+            <a:tailEnd type="triangle"/>
+          </a:ln>
+        </p:spPr>
+        <p:style>
+          <a:lnRef idx="1">
+            <a:schemeClr val="dk1"/>
+          </a:lnRef>
+          <a:fillRef idx="0">
+            <a:schemeClr val="dk1"/>
+          </a:fillRef>
+          <a:effectRef idx="0">
+            <a:schemeClr val="dk1"/>
+          </a:effectRef>
+          <a:fontRef idx="minor">
+            <a:schemeClr val="tx1"/>
+          </a:fontRef>
+        </p:style>
+      </p:cxnSp>
+      <p:sp>
+        <p:nvSpPr>
+          <p:cNvPr id="38" name="Textfeld 37"/>
+          <p:cNvSpPr txBox="1"/>
+          <p:nvPr/>
+        </p:nvSpPr>
+        <p:spPr>
+          <a:xfrm>
+            <a:off x="6337176" y="3686058"/>
+            <a:ext cx="1129910" cy="215444"/>
+          </a:xfrm>
+          <a:prstGeom prst="rect">
+            <a:avLst/>
+          </a:prstGeom>
+          <a:noFill/>
+        </p:spPr>
+        <p:txBody>
+          <a:bodyPr wrap="square" rtlCol="0">
+            <a:spAutoFit/>
+          </a:bodyPr>
+          <a:lstStyle/>
+          <a:p>
+            <a:r>
+              <a:rPr lang="de-CH" sz="800" dirty="0" err="1" smtClean="0"/>
+              <a:t>Connectionlost</a:t>
+            </a:r>
+            <a:r>
+              <a:rPr lang="de-CH" sz="800" dirty="0" smtClean="0"/>
+              <a:t> </a:t>
+            </a:r>
+            <a:r>
+              <a:rPr lang="de-CH" sz="800" dirty="0" err="1" smtClean="0"/>
+              <a:t>event</a:t>
+            </a:r>
+            <a:endParaRPr lang="de-CH" sz="800" dirty="0"/>
+          </a:p>
+        </p:txBody>
+      </p:sp>
+      <p:sp>
+        <p:nvSpPr>
+          <p:cNvPr id="39" name="Textfeld 38"/>
+          <p:cNvSpPr txBox="1"/>
+          <p:nvPr/>
+        </p:nvSpPr>
+        <p:spPr>
+          <a:xfrm>
+            <a:off x="4079435" y="3123675"/>
+            <a:ext cx="1129910" cy="215444"/>
+          </a:xfrm>
+          <a:prstGeom prst="rect">
+            <a:avLst/>
+          </a:prstGeom>
+          <a:noFill/>
+        </p:spPr>
+        <p:txBody>
+          <a:bodyPr wrap="square" rtlCol="0">
+            <a:spAutoFit/>
+          </a:bodyPr>
+          <a:lstStyle/>
+          <a:p>
+            <a:r>
+              <a:rPr lang="de-CH" sz="800" dirty="0" err="1" smtClean="0"/>
+              <a:t>Connectionlost</a:t>
+            </a:r>
+            <a:r>
+              <a:rPr lang="de-CH" sz="800" dirty="0" smtClean="0"/>
+              <a:t> </a:t>
+            </a:r>
+            <a:r>
+              <a:rPr lang="de-CH" sz="800" dirty="0" err="1" smtClean="0"/>
+              <a:t>event</a:t>
+            </a:r>
+            <a:endParaRPr lang="de-CH" sz="800" dirty="0"/>
+          </a:p>
+        </p:txBody>
+      </p:sp>
+      <p:cxnSp>
+        <p:nvCxnSpPr>
+          <p:cNvPr id="16" name="Gewinkelte Verbindung 15"/>
+          <p:cNvCxnSpPr>
+            <a:stCxn id="11" idx="3"/>
+            <a:endCxn id="5" idx="1"/>
+          </p:cNvCxnSpPr>
+          <p:nvPr/>
+        </p:nvCxnSpPr>
+        <p:spPr>
+          <a:xfrm flipV="1">
+            <a:off x="4627999" y="2551504"/>
+            <a:ext cx="897461" cy="1372619"/>
+          </a:xfrm>
+          <a:prstGeom prst="bentConnector3">
+            <a:avLst>
+              <a:gd name="adj1" fmla="val 61675"/>
+            </a:avLst>
           </a:prstGeom>
           <a:ln>
             <a:tailEnd type="triangle"/>

--- a/workflows/Programworkflow.pptx
+++ b/workflows/Programworkflow.pptx
@@ -244,7 +244,7 @@
           <a:p>
             <a:fld id="{55326EAA-D170-421E-872D-6B74E357AC81}" type="datetimeFigureOut">
               <a:rPr lang="de-CH" smtClean="0"/>
-              <a:t>08.04.2016</a:t>
+              <a:t>09.04.2016</a:t>
             </a:fld>
             <a:endParaRPr lang="de-CH"/>
           </a:p>
@@ -414,7 +414,7 @@
           <a:p>
             <a:fld id="{55326EAA-D170-421E-872D-6B74E357AC81}" type="datetimeFigureOut">
               <a:rPr lang="de-CH" smtClean="0"/>
-              <a:t>08.04.2016</a:t>
+              <a:t>09.04.2016</a:t>
             </a:fld>
             <a:endParaRPr lang="de-CH"/>
           </a:p>
@@ -594,7 +594,7 @@
           <a:p>
             <a:fld id="{55326EAA-D170-421E-872D-6B74E357AC81}" type="datetimeFigureOut">
               <a:rPr lang="de-CH" smtClean="0"/>
-              <a:t>08.04.2016</a:t>
+              <a:t>09.04.2016</a:t>
             </a:fld>
             <a:endParaRPr lang="de-CH"/>
           </a:p>
@@ -764,7 +764,7 @@
           <a:p>
             <a:fld id="{55326EAA-D170-421E-872D-6B74E357AC81}" type="datetimeFigureOut">
               <a:rPr lang="de-CH" smtClean="0"/>
-              <a:t>08.04.2016</a:t>
+              <a:t>09.04.2016</a:t>
             </a:fld>
             <a:endParaRPr lang="de-CH"/>
           </a:p>
@@ -1010,7 +1010,7 @@
           <a:p>
             <a:fld id="{55326EAA-D170-421E-872D-6B74E357AC81}" type="datetimeFigureOut">
               <a:rPr lang="de-CH" smtClean="0"/>
-              <a:t>08.04.2016</a:t>
+              <a:t>09.04.2016</a:t>
             </a:fld>
             <a:endParaRPr lang="de-CH"/>
           </a:p>
@@ -1242,7 +1242,7 @@
           <a:p>
             <a:fld id="{55326EAA-D170-421E-872D-6B74E357AC81}" type="datetimeFigureOut">
               <a:rPr lang="de-CH" smtClean="0"/>
-              <a:t>08.04.2016</a:t>
+              <a:t>09.04.2016</a:t>
             </a:fld>
             <a:endParaRPr lang="de-CH"/>
           </a:p>
@@ -1609,7 +1609,7 @@
           <a:p>
             <a:fld id="{55326EAA-D170-421E-872D-6B74E357AC81}" type="datetimeFigureOut">
               <a:rPr lang="de-CH" smtClean="0"/>
-              <a:t>08.04.2016</a:t>
+              <a:t>09.04.2016</a:t>
             </a:fld>
             <a:endParaRPr lang="de-CH"/>
           </a:p>
@@ -1727,7 +1727,7 @@
           <a:p>
             <a:fld id="{55326EAA-D170-421E-872D-6B74E357AC81}" type="datetimeFigureOut">
               <a:rPr lang="de-CH" smtClean="0"/>
-              <a:t>08.04.2016</a:t>
+              <a:t>09.04.2016</a:t>
             </a:fld>
             <a:endParaRPr lang="de-CH"/>
           </a:p>
@@ -1822,7 +1822,7 @@
           <a:p>
             <a:fld id="{55326EAA-D170-421E-872D-6B74E357AC81}" type="datetimeFigureOut">
               <a:rPr lang="de-CH" smtClean="0"/>
-              <a:t>08.04.2016</a:t>
+              <a:t>09.04.2016</a:t>
             </a:fld>
             <a:endParaRPr lang="de-CH"/>
           </a:p>
@@ -2099,7 +2099,7 @@
           <a:p>
             <a:fld id="{55326EAA-D170-421E-872D-6B74E357AC81}" type="datetimeFigureOut">
               <a:rPr lang="de-CH" smtClean="0"/>
-              <a:t>08.04.2016</a:t>
+              <a:t>09.04.2016</a:t>
             </a:fld>
             <a:endParaRPr lang="de-CH"/>
           </a:p>
@@ -2352,7 +2352,7 @@
           <a:p>
             <a:fld id="{55326EAA-D170-421E-872D-6B74E357AC81}" type="datetimeFigureOut">
               <a:rPr lang="de-CH" smtClean="0"/>
-              <a:t>08.04.2016</a:t>
+              <a:t>09.04.2016</a:t>
             </a:fld>
             <a:endParaRPr lang="de-CH"/>
           </a:p>
@@ -2565,7 +2565,7 @@
           <a:p>
             <a:fld id="{55326EAA-D170-421E-872D-6B74E357AC81}" type="datetimeFigureOut">
               <a:rPr lang="de-CH" smtClean="0"/>
-              <a:t>08.04.2016</a:t>
+              <a:t>09.04.2016</a:t>
             </a:fld>
             <a:endParaRPr lang="de-CH"/>
           </a:p>
@@ -3398,13 +3398,13 @@
       </p:sp>
       <p:sp>
         <p:nvSpPr>
-          <p:cNvPr id="47" name="Rechteck 46"/>
+          <p:cNvPr id="62" name="Rechteck 61"/>
           <p:cNvSpPr/>
           <p:nvPr/>
         </p:nvSpPr>
         <p:spPr>
           <a:xfrm>
-            <a:off x="5448395" y="3556064"/>
+            <a:off x="5449026" y="3140453"/>
             <a:ext cx="995363" cy="276225"/>
           </a:xfrm>
           <a:prstGeom prst="rect">
@@ -3432,7 +3432,18 @@
             <a:pPr algn="ctr"/>
             <a:r>
               <a:rPr lang="de-CH" sz="800" dirty="0" err="1" smtClean="0"/>
-              <a:t>InputQueue</a:t>
+              <a:t>Init</a:t>
+            </a:r>
+            <a:r>
+              <a:rPr lang="de-CH" sz="800" dirty="0" smtClean="0"/>
+              <a:t/>
+            </a:r>
+            <a:br>
+              <a:rPr lang="de-CH" sz="800" dirty="0" smtClean="0"/>
+            </a:br>
+            <a:r>
+              <a:rPr lang="de-CH" sz="800" dirty="0" err="1" smtClean="0"/>
+              <a:t>WorkerProcess</a:t>
             </a:r>
             <a:endParaRPr lang="de-CH" sz="800" dirty="0"/>
           </a:p>
@@ -3440,13 +3451,13 @@
       </p:sp>
       <p:sp>
         <p:nvSpPr>
-          <p:cNvPr id="51" name="Rechteck 50"/>
+          <p:cNvPr id="63" name="Rechteck 62"/>
           <p:cNvSpPr/>
           <p:nvPr/>
         </p:nvSpPr>
         <p:spPr>
           <a:xfrm>
-            <a:off x="5448395" y="3991058"/>
+            <a:off x="3968407" y="4935114"/>
             <a:ext cx="995363" cy="276225"/>
           </a:xfrm>
           <a:prstGeom prst="rect">
@@ -3474,7 +3485,18 @@
             <a:pPr algn="ctr"/>
             <a:r>
               <a:rPr lang="de-CH" sz="800" dirty="0" err="1" smtClean="0"/>
-              <a:t>OutputQueue</a:t>
+              <a:t>Init</a:t>
+            </a:r>
+            <a:r>
+              <a:rPr lang="de-CH" sz="800" dirty="0" smtClean="0"/>
+              <a:t/>
+            </a:r>
+            <a:br>
+              <a:rPr lang="de-CH" sz="800" dirty="0" smtClean="0"/>
+            </a:br>
+            <a:r>
+              <a:rPr lang="de-CH" sz="800" dirty="0" err="1" smtClean="0"/>
+              <a:t>InputTelegramAPI</a:t>
             </a:r>
             <a:endParaRPr lang="de-CH" sz="800" dirty="0"/>
           </a:p>
@@ -3482,14 +3504,14 @@
       </p:sp>
       <p:sp>
         <p:nvSpPr>
-          <p:cNvPr id="62" name="Rechteck 61"/>
+          <p:cNvPr id="64" name="Rechteck 63"/>
           <p:cNvSpPr/>
           <p:nvPr/>
         </p:nvSpPr>
         <p:spPr>
           <a:xfrm>
-            <a:off x="5448395" y="4426052"/>
-            <a:ext cx="995363" cy="276225"/>
+            <a:off x="7290730" y="4941921"/>
+            <a:ext cx="1033746" cy="276225"/>
           </a:xfrm>
           <a:prstGeom prst="rect">
             <a:avLst/>
@@ -3527,112 +3549,6 @@
             </a:br>
             <a:r>
               <a:rPr lang="de-CH" sz="800" dirty="0" err="1" smtClean="0"/>
-              <a:t>WorkerProcess</a:t>
-            </a:r>
-            <a:endParaRPr lang="de-CH" sz="800" dirty="0"/>
-          </a:p>
-        </p:txBody>
-      </p:sp>
-      <p:sp>
-        <p:nvSpPr>
-          <p:cNvPr id="63" name="Rechteck 62"/>
-          <p:cNvSpPr/>
-          <p:nvPr/>
-        </p:nvSpPr>
-        <p:spPr>
-          <a:xfrm>
-            <a:off x="3968407" y="4935114"/>
-            <a:ext cx="995363" cy="276225"/>
-          </a:xfrm>
-          <a:prstGeom prst="rect">
-            <a:avLst/>
-          </a:prstGeom>
-        </p:spPr>
-        <p:style>
-          <a:lnRef idx="2">
-            <a:schemeClr val="dk1"/>
-          </a:lnRef>
-          <a:fillRef idx="1">
-            <a:schemeClr val="lt1"/>
-          </a:fillRef>
-          <a:effectRef idx="0">
-            <a:schemeClr val="dk1"/>
-          </a:effectRef>
-          <a:fontRef idx="minor">
-            <a:schemeClr val="dk1"/>
-          </a:fontRef>
-        </p:style>
-        <p:txBody>
-          <a:bodyPr rtlCol="0" anchor="ctr"/>
-          <a:lstStyle/>
-          <a:p>
-            <a:pPr algn="ctr"/>
-            <a:r>
-              <a:rPr lang="de-CH" sz="800" dirty="0" err="1" smtClean="0"/>
-              <a:t>Init</a:t>
-            </a:r>
-            <a:r>
-              <a:rPr lang="de-CH" sz="800" dirty="0" smtClean="0"/>
-              <a:t/>
-            </a:r>
-            <a:br>
-              <a:rPr lang="de-CH" sz="800" dirty="0" smtClean="0"/>
-            </a:br>
-            <a:r>
-              <a:rPr lang="de-CH" sz="800" dirty="0" err="1" smtClean="0"/>
-              <a:t>InputTelegramAPI</a:t>
-            </a:r>
-            <a:endParaRPr lang="de-CH" sz="800" dirty="0"/>
-          </a:p>
-        </p:txBody>
-      </p:sp>
-      <p:sp>
-        <p:nvSpPr>
-          <p:cNvPr id="64" name="Rechteck 63"/>
-          <p:cNvSpPr/>
-          <p:nvPr/>
-        </p:nvSpPr>
-        <p:spPr>
-          <a:xfrm>
-            <a:off x="7189848" y="4935114"/>
-            <a:ext cx="1033746" cy="276225"/>
-          </a:xfrm>
-          <a:prstGeom prst="rect">
-            <a:avLst/>
-          </a:prstGeom>
-        </p:spPr>
-        <p:style>
-          <a:lnRef idx="2">
-            <a:schemeClr val="dk1"/>
-          </a:lnRef>
-          <a:fillRef idx="1">
-            <a:schemeClr val="lt1"/>
-          </a:fillRef>
-          <a:effectRef idx="0">
-            <a:schemeClr val="dk1"/>
-          </a:effectRef>
-          <a:fontRef idx="minor">
-            <a:schemeClr val="dk1"/>
-          </a:fontRef>
-        </p:style>
-        <p:txBody>
-          <a:bodyPr rtlCol="0" anchor="ctr"/>
-          <a:lstStyle/>
-          <a:p>
-            <a:pPr algn="ctr"/>
-            <a:r>
-              <a:rPr lang="de-CH" sz="800" dirty="0" err="1" smtClean="0"/>
-              <a:t>Init</a:t>
-            </a:r>
-            <a:r>
-              <a:rPr lang="de-CH" sz="800" dirty="0" smtClean="0"/>
-              <a:t/>
-            </a:r>
-            <a:br>
-              <a:rPr lang="de-CH" sz="800" dirty="0" smtClean="0"/>
-            </a:br>
-            <a:r>
-              <a:rPr lang="de-CH" sz="800" dirty="0" err="1" smtClean="0"/>
               <a:t>OutputTelegramApi</a:t>
             </a:r>
             <a:endParaRPr lang="de-CH" sz="800" dirty="0"/>
@@ -3643,14 +3559,13 @@
         <p:nvCxnSpPr>
           <p:cNvPr id="65" name="Gerade Verbindung mit Pfeil 64"/>
           <p:cNvCxnSpPr>
-            <a:stCxn id="51" idx="2"/>
             <a:endCxn id="62" idx="0"/>
           </p:cNvCxnSpPr>
           <p:nvPr/>
         </p:nvCxnSpPr>
         <p:spPr>
           <a:xfrm>
-            <a:off x="5946077" y="4267283"/>
+            <a:off x="5946708" y="2981684"/>
             <a:ext cx="0" cy="158769"/>
           </a:xfrm>
           <a:prstGeom prst="straightConnector1">
@@ -3904,138 +3819,16 @@
       <p:cxnSp>
         <p:nvCxnSpPr>
           <p:cNvPr id="79" name="Gerade Verbindung mit Pfeil 78"/>
-          <p:cNvCxnSpPr/>
+          <p:cNvCxnSpPr>
+            <a:stCxn id="71" idx="2"/>
+            <a:endCxn id="62" idx="0"/>
+          </p:cNvCxnSpPr>
           <p:nvPr/>
         </p:nvCxnSpPr>
         <p:spPr>
           <a:xfrm>
-            <a:off x="5955966" y="2876197"/>
-            <a:ext cx="0" cy="245706"/>
-          </a:xfrm>
-          <a:prstGeom prst="straightConnector1">
-            <a:avLst/>
-          </a:prstGeom>
-          <a:ln>
-            <a:tailEnd type="triangle"/>
-          </a:ln>
-        </p:spPr>
-        <p:style>
-          <a:lnRef idx="1">
-            <a:schemeClr val="dk1"/>
-          </a:lnRef>
-          <a:fillRef idx="0">
-            <a:schemeClr val="dk1"/>
-          </a:fillRef>
-          <a:effectRef idx="0">
-            <a:schemeClr val="dk1"/>
-          </a:effectRef>
-          <a:fontRef idx="minor">
-            <a:schemeClr val="tx1"/>
-          </a:fontRef>
-        </p:style>
-      </p:cxnSp>
-      <p:sp>
-        <p:nvSpPr>
-          <p:cNvPr id="80" name="Rechteck 79"/>
-          <p:cNvSpPr/>
-          <p:nvPr/>
-        </p:nvSpPr>
-        <p:spPr>
-          <a:xfrm>
-            <a:off x="5449026" y="3113695"/>
-            <a:ext cx="995363" cy="276225"/>
-          </a:xfrm>
-          <a:prstGeom prst="rect">
-            <a:avLst/>
-          </a:prstGeom>
-        </p:spPr>
-        <p:style>
-          <a:lnRef idx="2">
-            <a:schemeClr val="dk1"/>
-          </a:lnRef>
-          <a:fillRef idx="1">
-            <a:schemeClr val="lt1"/>
-          </a:fillRef>
-          <a:effectRef idx="0">
-            <a:schemeClr val="dk1"/>
-          </a:effectRef>
-          <a:fontRef idx="minor">
-            <a:schemeClr val="dk1"/>
-          </a:fontRef>
-        </p:style>
-        <p:txBody>
-          <a:bodyPr rtlCol="0" anchor="ctr"/>
-          <a:lstStyle/>
-          <a:p>
-            <a:pPr algn="ctr"/>
-            <a:r>
-              <a:rPr lang="de-CH" sz="800" dirty="0" err="1" smtClean="0"/>
-              <a:t>Init</a:t>
-            </a:r>
-            <a:r>
-              <a:rPr lang="de-CH" sz="800" dirty="0" smtClean="0"/>
-              <a:t/>
-            </a:r>
-            <a:br>
-              <a:rPr lang="de-CH" sz="800" dirty="0" smtClean="0"/>
-            </a:br>
-            <a:r>
-              <a:rPr lang="de-CH" sz="800" dirty="0" smtClean="0"/>
-              <a:t>Queues</a:t>
-            </a:r>
-            <a:endParaRPr lang="de-CH" sz="800" dirty="0"/>
-          </a:p>
-        </p:txBody>
-      </p:sp>
-      <p:cxnSp>
-        <p:nvCxnSpPr>
-          <p:cNvPr id="81" name="Gerade Verbindung mit Pfeil 80"/>
-          <p:cNvCxnSpPr>
-            <a:stCxn id="47" idx="2"/>
-            <a:endCxn id="51" idx="0"/>
-          </p:cNvCxnSpPr>
-          <p:nvPr/>
-        </p:nvCxnSpPr>
-        <p:spPr>
-          <a:xfrm>
-            <a:off x="5946077" y="3832289"/>
-            <a:ext cx="0" cy="158769"/>
-          </a:xfrm>
-          <a:prstGeom prst="straightConnector1">
-            <a:avLst/>
-          </a:prstGeom>
-          <a:ln>
-            <a:tailEnd type="triangle"/>
-          </a:ln>
-        </p:spPr>
-        <p:style>
-          <a:lnRef idx="1">
-            <a:schemeClr val="dk1"/>
-          </a:lnRef>
-          <a:fillRef idx="0">
-            <a:schemeClr val="dk1"/>
-          </a:fillRef>
-          <a:effectRef idx="0">
-            <a:schemeClr val="dk1"/>
-          </a:effectRef>
-          <a:fontRef idx="minor">
-            <a:schemeClr val="tx1"/>
-          </a:fontRef>
-        </p:style>
-      </p:cxnSp>
-      <p:cxnSp>
-        <p:nvCxnSpPr>
-          <p:cNvPr id="84" name="Gerade Verbindung mit Pfeil 83"/>
-          <p:cNvCxnSpPr>
-            <a:stCxn id="80" idx="2"/>
-            <a:endCxn id="47" idx="0"/>
-          </p:cNvCxnSpPr>
-          <p:nvPr/>
-        </p:nvCxnSpPr>
-        <p:spPr>
-          <a:xfrm flipH="1">
-            <a:off x="5946077" y="3389920"/>
-            <a:ext cx="631" cy="166144"/>
+            <a:off x="5946708" y="2876197"/>
+            <a:ext cx="0" cy="264256"/>
           </a:xfrm>
           <a:prstGeom prst="straightConnector1">
             <a:avLst/>
@@ -4063,15 +3856,15 @@
         <p:nvCxnSpPr>
           <p:cNvPr id="96" name="Gewinkelte Verbindung 95"/>
           <p:cNvCxnSpPr>
-            <a:stCxn id="62" idx="2"/>
-            <a:endCxn id="64" idx="0"/>
+            <a:stCxn id="56" idx="2"/>
+            <a:endCxn id="55" idx="0"/>
           </p:cNvCxnSpPr>
           <p:nvPr/>
         </p:nvCxnSpPr>
         <p:spPr>
           <a:xfrm rot="16200000" flipH="1">
-            <a:off x="6709981" y="3938373"/>
-            <a:ext cx="232837" cy="1760644"/>
+            <a:off x="6465978" y="3359544"/>
+            <a:ext cx="280310" cy="1323821"/>
           </a:xfrm>
           <a:prstGeom prst="bentConnector3">
             <a:avLst/>
@@ -4099,15 +3892,15 @@
         <p:nvCxnSpPr>
           <p:cNvPr id="99" name="Gewinkelte Verbindung 98"/>
           <p:cNvCxnSpPr>
-            <a:stCxn id="62" idx="2"/>
+            <a:stCxn id="53" idx="2"/>
             <a:endCxn id="63" idx="0"/>
           </p:cNvCxnSpPr>
           <p:nvPr/>
         </p:nvCxnSpPr>
         <p:spPr>
           <a:xfrm rot="5400000">
-            <a:off x="5089665" y="4078701"/>
-            <a:ext cx="232837" cy="1479988"/>
+            <a:off x="4214164" y="4682447"/>
+            <a:ext cx="504593" cy="741"/>
           </a:xfrm>
           <a:prstGeom prst="bentConnector3">
             <a:avLst/>
@@ -4264,8 +4057,8 @@
         </p:nvCxnSpPr>
         <p:spPr>
           <a:xfrm rot="5400000" flipH="1" flipV="1">
-            <a:off x="4607944" y="5142141"/>
-            <a:ext cx="1418427" cy="262476"/>
+            <a:off x="3965459" y="4499026"/>
+            <a:ext cx="2704026" cy="263107"/>
           </a:xfrm>
           <a:prstGeom prst="bentConnector2">
             <a:avLst/>
@@ -4300,8 +4093,8 @@
         </p:nvCxnSpPr>
         <p:spPr>
           <a:xfrm>
-            <a:off x="6443758" y="4564165"/>
-            <a:ext cx="257025" cy="1416466"/>
+            <a:off x="6444389" y="3278566"/>
+            <a:ext cx="256394" cy="2702065"/>
           </a:xfrm>
           <a:prstGeom prst="bentConnector2">
             <a:avLst/>
@@ -4335,15 +4128,13 @@
           <p:nvPr/>
         </p:nvCxnSpPr>
         <p:spPr>
-          <a:xfrm flipH="1" flipV="1">
-            <a:off x="7189848" y="5073227"/>
-            <a:ext cx="8616" cy="1045517"/>
-          </a:xfrm>
-          <a:prstGeom prst="bentConnector5">
+          <a:xfrm flipV="1">
+            <a:off x="7198464" y="5080034"/>
+            <a:ext cx="92266" cy="1038710"/>
+          </a:xfrm>
+          <a:prstGeom prst="bentConnector3">
             <a:avLst>
-              <a:gd name="adj1" fmla="val -1680362"/>
-              <a:gd name="adj2" fmla="val 50000"/>
-              <a:gd name="adj3" fmla="val 2753203"/>
+              <a:gd name="adj1" fmla="val 50000"/>
             </a:avLst>
           </a:prstGeom>
           <a:ln>
@@ -4373,7 +4164,7 @@
         </p:nvSpPr>
         <p:spPr>
           <a:xfrm>
-            <a:off x="5653501" y="4769279"/>
+            <a:off x="5253381" y="4762974"/>
             <a:ext cx="761341" cy="338554"/>
           </a:xfrm>
           <a:prstGeom prst="rect">
@@ -4737,13 +4528,13 @@
         </p:nvCxnSpPr>
         <p:spPr>
           <a:xfrm rot="10800000" flipH="1" flipV="1">
-            <a:off x="5506155" y="663838"/>
-            <a:ext cx="439922" cy="3762214"/>
+            <a:off x="5506154" y="663837"/>
+            <a:ext cx="440553" cy="2476615"/>
           </a:xfrm>
           <a:prstGeom prst="bentConnector4">
             <a:avLst>
-              <a:gd name="adj1" fmla="val -154448"/>
-              <a:gd name="adj2" fmla="val 97446"/>
+              <a:gd name="adj1" fmla="val -85041"/>
+              <a:gd name="adj2" fmla="val 92588"/>
             </a:avLst>
           </a:prstGeom>
           <a:ln>
@@ -4816,12 +4607,12 @@
         <p:spPr>
           <a:xfrm>
             <a:off x="6376442" y="663838"/>
-            <a:ext cx="1330279" cy="4547501"/>
+            <a:ext cx="1431161" cy="4554308"/>
           </a:xfrm>
           <a:prstGeom prst="bentConnector4">
             <a:avLst>
-              <a:gd name="adj1" fmla="val 163465"/>
-              <a:gd name="adj2" fmla="val 105027"/>
+              <a:gd name="adj1" fmla="val 38154"/>
+              <a:gd name="adj2" fmla="val 105019"/>
             </a:avLst>
           </a:prstGeom>
           <a:ln>
@@ -4968,12 +4759,12 @@
         </p:nvCxnSpPr>
         <p:spPr>
           <a:xfrm flipH="1">
-            <a:off x="6546030" y="5073227"/>
-            <a:ext cx="1677564" cy="1507591"/>
+            <a:off x="6546030" y="5080034"/>
+            <a:ext cx="1778446" cy="1500784"/>
           </a:xfrm>
           <a:prstGeom prst="bentConnector3">
             <a:avLst>
-              <a:gd name="adj1" fmla="val -32932"/>
+              <a:gd name="adj1" fmla="val -12854"/>
             </a:avLst>
           </a:prstGeom>
           <a:ln>
@@ -4999,14 +4790,15 @@
         <p:nvCxnSpPr>
           <p:cNvPr id="5" name="Gewinkelte Verbindung 4"/>
           <p:cNvCxnSpPr>
+            <a:stCxn id="62" idx="3"/>
             <a:endCxn id="64" idx="0"/>
           </p:cNvCxnSpPr>
           <p:nvPr/>
         </p:nvCxnSpPr>
         <p:spPr>
           <a:xfrm>
-            <a:off x="6458158" y="4564165"/>
-            <a:ext cx="1248563" cy="370949"/>
+            <a:off x="6444389" y="3278566"/>
+            <a:ext cx="1363214" cy="1663355"/>
           </a:xfrm>
           <a:prstGeom prst="bentConnector2">
             <a:avLst/>
@@ -5038,7 +4830,7 @@
         </p:nvSpPr>
         <p:spPr>
           <a:xfrm>
-            <a:off x="6694736" y="4332095"/>
+            <a:off x="6820529" y="3292329"/>
             <a:ext cx="915739" cy="215444"/>
           </a:xfrm>
           <a:prstGeom prst="rect">
@@ -5068,6 +4860,253 @@
           </a:p>
         </p:txBody>
       </p:sp>
+      <p:sp>
+        <p:nvSpPr>
+          <p:cNvPr id="53" name="Rechteck 52"/>
+          <p:cNvSpPr/>
+          <p:nvPr/>
+        </p:nvSpPr>
+        <p:spPr>
+          <a:xfrm>
+            <a:off x="3969148" y="4154296"/>
+            <a:ext cx="995363" cy="276225"/>
+          </a:xfrm>
+          <a:prstGeom prst="rect">
+            <a:avLst/>
+          </a:prstGeom>
+        </p:spPr>
+        <p:style>
+          <a:lnRef idx="2">
+            <a:schemeClr val="dk1"/>
+          </a:lnRef>
+          <a:fillRef idx="1">
+            <a:schemeClr val="lt1"/>
+          </a:fillRef>
+          <a:effectRef idx="0">
+            <a:schemeClr val="dk1"/>
+          </a:effectRef>
+          <a:fontRef idx="minor">
+            <a:schemeClr val="dk1"/>
+          </a:fontRef>
+        </p:style>
+        <p:txBody>
+          <a:bodyPr rtlCol="0" anchor="ctr"/>
+          <a:lstStyle/>
+          <a:p>
+            <a:pPr algn="ctr"/>
+            <a:r>
+              <a:rPr lang="de-CH" sz="800" dirty="0" err="1" smtClean="0"/>
+              <a:t>InputQueue</a:t>
+            </a:r>
+            <a:endParaRPr lang="de-CH" sz="800" dirty="0"/>
+          </a:p>
+        </p:txBody>
+      </p:sp>
+      <p:sp>
+        <p:nvSpPr>
+          <p:cNvPr id="55" name="Rechteck 54"/>
+          <p:cNvSpPr/>
+          <p:nvPr/>
+        </p:nvSpPr>
+        <p:spPr>
+          <a:xfrm>
+            <a:off x="6770362" y="4161610"/>
+            <a:ext cx="995363" cy="276225"/>
+          </a:xfrm>
+          <a:prstGeom prst="rect">
+            <a:avLst/>
+          </a:prstGeom>
+        </p:spPr>
+        <p:style>
+          <a:lnRef idx="2">
+            <a:schemeClr val="dk1"/>
+          </a:lnRef>
+          <a:fillRef idx="1">
+            <a:schemeClr val="lt1"/>
+          </a:fillRef>
+          <a:effectRef idx="0">
+            <a:schemeClr val="dk1"/>
+          </a:effectRef>
+          <a:fontRef idx="minor">
+            <a:schemeClr val="dk1"/>
+          </a:fontRef>
+        </p:style>
+        <p:txBody>
+          <a:bodyPr rtlCol="0" anchor="ctr"/>
+          <a:lstStyle/>
+          <a:p>
+            <a:pPr algn="ctr"/>
+            <a:r>
+              <a:rPr lang="de-CH" sz="800" dirty="0" err="1" smtClean="0"/>
+              <a:t>OutputQueue</a:t>
+            </a:r>
+            <a:endParaRPr lang="de-CH" sz="800" dirty="0"/>
+          </a:p>
+        </p:txBody>
+      </p:sp>
+      <p:sp>
+        <p:nvSpPr>
+          <p:cNvPr id="56" name="Rechteck 55"/>
+          <p:cNvSpPr/>
+          <p:nvPr/>
+        </p:nvSpPr>
+        <p:spPr>
+          <a:xfrm>
+            <a:off x="5446541" y="3605075"/>
+            <a:ext cx="995363" cy="276225"/>
+          </a:xfrm>
+          <a:prstGeom prst="rect">
+            <a:avLst/>
+          </a:prstGeom>
+        </p:spPr>
+        <p:style>
+          <a:lnRef idx="2">
+            <a:schemeClr val="dk1"/>
+          </a:lnRef>
+          <a:fillRef idx="1">
+            <a:schemeClr val="lt1"/>
+          </a:fillRef>
+          <a:effectRef idx="0">
+            <a:schemeClr val="dk1"/>
+          </a:effectRef>
+          <a:fontRef idx="minor">
+            <a:schemeClr val="dk1"/>
+          </a:fontRef>
+        </p:style>
+        <p:txBody>
+          <a:bodyPr rtlCol="0" anchor="ctr"/>
+          <a:lstStyle/>
+          <a:p>
+            <a:pPr algn="ctr"/>
+            <a:r>
+              <a:rPr lang="de-CH" sz="800" dirty="0" err="1" smtClean="0"/>
+              <a:t>Init</a:t>
+            </a:r>
+            <a:r>
+              <a:rPr lang="de-CH" sz="800" dirty="0" smtClean="0"/>
+              <a:t/>
+            </a:r>
+            <a:br>
+              <a:rPr lang="de-CH" sz="800" dirty="0" smtClean="0"/>
+            </a:br>
+            <a:r>
+              <a:rPr lang="de-CH" sz="800" dirty="0" smtClean="0"/>
+              <a:t>Queues</a:t>
+            </a:r>
+            <a:endParaRPr lang="de-CH" sz="800" dirty="0"/>
+          </a:p>
+        </p:txBody>
+      </p:sp>
+      <p:cxnSp>
+        <p:nvCxnSpPr>
+          <p:cNvPr id="48" name="Gewinkelte Verbindung 47"/>
+          <p:cNvCxnSpPr>
+            <a:stCxn id="56" idx="2"/>
+            <a:endCxn id="53" idx="0"/>
+          </p:cNvCxnSpPr>
+          <p:nvPr/>
+        </p:nvCxnSpPr>
+        <p:spPr>
+          <a:xfrm rot="5400000">
+            <a:off x="5069029" y="3279102"/>
+            <a:ext cx="272996" cy="1477393"/>
+          </a:xfrm>
+          <a:prstGeom prst="bentConnector3">
+            <a:avLst>
+              <a:gd name="adj1" fmla="val 50000"/>
+            </a:avLst>
+          </a:prstGeom>
+          <a:ln>
+            <a:tailEnd type="triangle"/>
+          </a:ln>
+        </p:spPr>
+        <p:style>
+          <a:lnRef idx="1">
+            <a:schemeClr val="dk1"/>
+          </a:lnRef>
+          <a:fillRef idx="0">
+            <a:schemeClr val="dk1"/>
+          </a:fillRef>
+          <a:effectRef idx="0">
+            <a:schemeClr val="dk1"/>
+          </a:effectRef>
+          <a:fontRef idx="minor">
+            <a:schemeClr val="tx1"/>
+          </a:fontRef>
+        </p:style>
+      </p:cxnSp>
+      <p:cxnSp>
+        <p:nvCxnSpPr>
+          <p:cNvPr id="60" name="Gewinkelte Verbindung 59"/>
+          <p:cNvCxnSpPr>
+            <a:stCxn id="55" idx="2"/>
+            <a:endCxn id="64" idx="0"/>
+          </p:cNvCxnSpPr>
+          <p:nvPr/>
+        </p:nvCxnSpPr>
+        <p:spPr>
+          <a:xfrm rot="16200000" flipH="1">
+            <a:off x="7285780" y="4420098"/>
+            <a:ext cx="504086" cy="539559"/>
+          </a:xfrm>
+          <a:prstGeom prst="bentConnector3">
+            <a:avLst/>
+          </a:prstGeom>
+          <a:ln>
+            <a:tailEnd type="triangle"/>
+          </a:ln>
+        </p:spPr>
+        <p:style>
+          <a:lnRef idx="1">
+            <a:schemeClr val="dk1"/>
+          </a:lnRef>
+          <a:fillRef idx="0">
+            <a:schemeClr val="dk1"/>
+          </a:fillRef>
+          <a:effectRef idx="0">
+            <a:schemeClr val="dk1"/>
+          </a:effectRef>
+          <a:fontRef idx="minor">
+            <a:schemeClr val="tx1"/>
+          </a:fontRef>
+        </p:style>
+      </p:cxnSp>
+      <p:cxnSp>
+        <p:nvCxnSpPr>
+          <p:cNvPr id="66" name="Gewinkelte Verbindung 65"/>
+          <p:cNvCxnSpPr>
+            <a:stCxn id="62" idx="2"/>
+            <a:endCxn id="56" idx="0"/>
+          </p:cNvCxnSpPr>
+          <p:nvPr/>
+        </p:nvCxnSpPr>
+        <p:spPr>
+          <a:xfrm rot="5400000">
+            <a:off x="5851268" y="3509634"/>
+            <a:ext cx="188397" cy="2485"/>
+          </a:xfrm>
+          <a:prstGeom prst="bentConnector3">
+            <a:avLst/>
+          </a:prstGeom>
+          <a:ln>
+            <a:tailEnd type="triangle"/>
+          </a:ln>
+        </p:spPr>
+        <p:style>
+          <a:lnRef idx="1">
+            <a:schemeClr val="dk1"/>
+          </a:lnRef>
+          <a:fillRef idx="0">
+            <a:schemeClr val="dk1"/>
+          </a:fillRef>
+          <a:effectRef idx="0">
+            <a:schemeClr val="dk1"/>
+          </a:effectRef>
+          <a:fontRef idx="minor">
+            <a:schemeClr val="tx1"/>
+          </a:fontRef>
+        </p:style>
+      </p:cxnSp>
     </p:spTree>
     <p:extLst>
       <p:ext uri="{BB962C8B-B14F-4D97-AF65-F5344CB8AC3E}">

--- a/workflows/Programworkflow.pptx
+++ b/workflows/Programworkflow.pptx
@@ -7,6 +7,7 @@
   <p:sldIdLst>
     <p:sldId id="256" r:id="rId2"/>
     <p:sldId id="257" r:id="rId3"/>
+    <p:sldId id="258" r:id="rId4"/>
   </p:sldIdLst>
   <p:sldSz cx="12192000" cy="6858000"/>
   <p:notesSz cx="6858000" cy="9144000"/>
@@ -244,7 +245,7 @@
           <a:p>
             <a:fld id="{55326EAA-D170-421E-872D-6B74E357AC81}" type="datetimeFigureOut">
               <a:rPr lang="de-CH" smtClean="0"/>
-              <a:t>09.04.2016</a:t>
+              <a:t>30.04.2016</a:t>
             </a:fld>
             <a:endParaRPr lang="de-CH"/>
           </a:p>
@@ -414,7 +415,7 @@
           <a:p>
             <a:fld id="{55326EAA-D170-421E-872D-6B74E357AC81}" type="datetimeFigureOut">
               <a:rPr lang="de-CH" smtClean="0"/>
-              <a:t>09.04.2016</a:t>
+              <a:t>30.04.2016</a:t>
             </a:fld>
             <a:endParaRPr lang="de-CH"/>
           </a:p>
@@ -594,7 +595,7 @@
           <a:p>
             <a:fld id="{55326EAA-D170-421E-872D-6B74E357AC81}" type="datetimeFigureOut">
               <a:rPr lang="de-CH" smtClean="0"/>
-              <a:t>09.04.2016</a:t>
+              <a:t>30.04.2016</a:t>
             </a:fld>
             <a:endParaRPr lang="de-CH"/>
           </a:p>
@@ -764,7 +765,7 @@
           <a:p>
             <a:fld id="{55326EAA-D170-421E-872D-6B74E357AC81}" type="datetimeFigureOut">
               <a:rPr lang="de-CH" smtClean="0"/>
-              <a:t>09.04.2016</a:t>
+              <a:t>30.04.2016</a:t>
             </a:fld>
             <a:endParaRPr lang="de-CH"/>
           </a:p>
@@ -1010,7 +1011,7 @@
           <a:p>
             <a:fld id="{55326EAA-D170-421E-872D-6B74E357AC81}" type="datetimeFigureOut">
               <a:rPr lang="de-CH" smtClean="0"/>
-              <a:t>09.04.2016</a:t>
+              <a:t>30.04.2016</a:t>
             </a:fld>
             <a:endParaRPr lang="de-CH"/>
           </a:p>
@@ -1242,7 +1243,7 @@
           <a:p>
             <a:fld id="{55326EAA-D170-421E-872D-6B74E357AC81}" type="datetimeFigureOut">
               <a:rPr lang="de-CH" smtClean="0"/>
-              <a:t>09.04.2016</a:t>
+              <a:t>30.04.2016</a:t>
             </a:fld>
             <a:endParaRPr lang="de-CH"/>
           </a:p>
@@ -1609,7 +1610,7 @@
           <a:p>
             <a:fld id="{55326EAA-D170-421E-872D-6B74E357AC81}" type="datetimeFigureOut">
               <a:rPr lang="de-CH" smtClean="0"/>
-              <a:t>09.04.2016</a:t>
+              <a:t>30.04.2016</a:t>
             </a:fld>
             <a:endParaRPr lang="de-CH"/>
           </a:p>
@@ -1727,7 +1728,7 @@
           <a:p>
             <a:fld id="{55326EAA-D170-421E-872D-6B74E357AC81}" type="datetimeFigureOut">
               <a:rPr lang="de-CH" smtClean="0"/>
-              <a:t>09.04.2016</a:t>
+              <a:t>30.04.2016</a:t>
             </a:fld>
             <a:endParaRPr lang="de-CH"/>
           </a:p>
@@ -1822,7 +1823,7 @@
           <a:p>
             <a:fld id="{55326EAA-D170-421E-872D-6B74E357AC81}" type="datetimeFigureOut">
               <a:rPr lang="de-CH" smtClean="0"/>
-              <a:t>09.04.2016</a:t>
+              <a:t>30.04.2016</a:t>
             </a:fld>
             <a:endParaRPr lang="de-CH"/>
           </a:p>
@@ -2099,7 +2100,7 @@
           <a:p>
             <a:fld id="{55326EAA-D170-421E-872D-6B74E357AC81}" type="datetimeFigureOut">
               <a:rPr lang="de-CH" smtClean="0"/>
-              <a:t>09.04.2016</a:t>
+              <a:t>30.04.2016</a:t>
             </a:fld>
             <a:endParaRPr lang="de-CH"/>
           </a:p>
@@ -2352,7 +2353,7 @@
           <a:p>
             <a:fld id="{55326EAA-D170-421E-872D-6B74E357AC81}" type="datetimeFigureOut">
               <a:rPr lang="de-CH" smtClean="0"/>
-              <a:t>09.04.2016</a:t>
+              <a:t>30.04.2016</a:t>
             </a:fld>
             <a:endParaRPr lang="de-CH"/>
           </a:p>
@@ -2565,7 +2566,7 @@
           <a:p>
             <a:fld id="{55326EAA-D170-421E-872D-6B74E357AC81}" type="datetimeFigureOut">
               <a:rPr lang="de-CH" smtClean="0"/>
-              <a:t>09.04.2016</a:t>
+              <a:t>30.04.2016</a:t>
             </a:fld>
             <a:endParaRPr lang="de-CH"/>
           </a:p>
@@ -6578,6 +6579,741 @@
 </p:sld>
 </file>
 
+<file path=ppt/slides/slide3.xml><?xml version="1.0" encoding="utf-8"?>
+<p:sld xmlns:a="http://schemas.openxmlformats.org/drawingml/2006/main" xmlns:r="http://schemas.openxmlformats.org/officeDocument/2006/relationships" xmlns:p="http://schemas.openxmlformats.org/presentationml/2006/main">
+  <p:cSld>
+    <p:spTree>
+      <p:nvGrpSpPr>
+        <p:cNvPr id="1" name=""/>
+        <p:cNvGrpSpPr/>
+        <p:nvPr/>
+      </p:nvGrpSpPr>
+      <p:grpSpPr>
+        <a:xfrm>
+          <a:off x="0" y="0"/>
+          <a:ext cx="0" cy="0"/>
+          <a:chOff x="0" y="0"/>
+          <a:chExt cx="0" cy="0"/>
+        </a:xfrm>
+      </p:grpSpPr>
+      <p:sp>
+        <p:nvSpPr>
+          <p:cNvPr id="4" name="Titel 3"/>
+          <p:cNvSpPr>
+            <a:spLocks noGrp="1"/>
+          </p:cNvSpPr>
+          <p:nvPr>
+            <p:ph type="title"/>
+          </p:nvPr>
+        </p:nvSpPr>
+        <p:spPr>
+          <a:xfrm>
+            <a:off x="838200" y="365125"/>
+            <a:ext cx="2720546" cy="458659"/>
+          </a:xfrm>
+        </p:spPr>
+        <p:txBody>
+          <a:bodyPr>
+            <a:normAutofit/>
+          </a:bodyPr>
+          <a:lstStyle/>
+          <a:p>
+            <a:r>
+              <a:rPr lang="de-CH" sz="2400" dirty="0" smtClean="0"/>
+              <a:t>Admin </a:t>
+            </a:r>
+            <a:r>
+              <a:rPr lang="de-CH" sz="2400" dirty="0" err="1" smtClean="0"/>
+              <a:t>Commands</a:t>
+            </a:r>
+            <a:endParaRPr lang="de-CH" sz="2400" dirty="0"/>
+          </a:p>
+        </p:txBody>
+      </p:sp>
+      <p:sp>
+        <p:nvSpPr>
+          <p:cNvPr id="12" name="Inhaltsplatzhalter 11"/>
+          <p:cNvSpPr>
+            <a:spLocks noGrp="1"/>
+          </p:cNvSpPr>
+          <p:nvPr>
+            <p:ph idx="1"/>
+          </p:nvPr>
+        </p:nvSpPr>
+        <p:spPr>
+          <a:xfrm>
+            <a:off x="510745" y="823784"/>
+            <a:ext cx="11442357" cy="5766486"/>
+          </a:xfrm>
+        </p:spPr>
+        <p:txBody>
+          <a:bodyPr>
+            <a:normAutofit fontScale="62500" lnSpcReduction="20000"/>
+          </a:bodyPr>
+          <a:lstStyle/>
+          <a:p>
+            <a:r>
+              <a:rPr lang="de-CH" dirty="0" smtClean="0"/>
+              <a:t>[</a:t>
+            </a:r>
+            <a:r>
+              <a:rPr lang="de-CH" dirty="0" err="1" smtClean="0"/>
+              <a:t>Configure</a:t>
+            </a:r>
+            <a:r>
+              <a:rPr lang="de-CH" dirty="0" smtClean="0"/>
+              <a:t>] Channels</a:t>
+            </a:r>
+          </a:p>
+          <a:p>
+            <a:pPr lvl="1"/>
+            <a:r>
+              <a:rPr lang="de-CH" dirty="0"/>
+              <a:t>Add </a:t>
+            </a:r>
+            <a:r>
+              <a:rPr lang="de-CH" dirty="0" err="1"/>
+              <a:t>channel</a:t>
+            </a:r>
+            <a:endParaRPr lang="de-CH" dirty="0"/>
+          </a:p>
+          <a:p>
+            <a:pPr lvl="2"/>
+            <a:r>
+              <a:rPr lang="de-CH" dirty="0"/>
+              <a:t>Channel </a:t>
+            </a:r>
+            <a:r>
+              <a:rPr lang="de-CH" dirty="0" err="1"/>
+              <a:t>name</a:t>
+            </a:r>
+            <a:r>
+              <a:rPr lang="de-CH" dirty="0"/>
+              <a:t> (</a:t>
+            </a:r>
+            <a:r>
+              <a:rPr lang="de-CH" dirty="0" err="1"/>
+              <a:t>true</a:t>
+            </a:r>
+            <a:r>
+              <a:rPr lang="de-CH" dirty="0"/>
+              <a:t> </a:t>
+            </a:r>
+            <a:r>
+              <a:rPr lang="de-CH" dirty="0" err="1"/>
+              <a:t>name</a:t>
+            </a:r>
+            <a:r>
+              <a:rPr lang="de-CH" dirty="0"/>
+              <a:t> | @</a:t>
+            </a:r>
+            <a:r>
+              <a:rPr lang="de-CH" dirty="0" err="1"/>
+              <a:t>yourchannelname</a:t>
+            </a:r>
+            <a:r>
+              <a:rPr lang="de-CH" dirty="0"/>
+              <a:t>)</a:t>
+            </a:r>
+          </a:p>
+          <a:p>
+            <a:pPr lvl="2"/>
+            <a:r>
+              <a:rPr lang="de-CH" dirty="0"/>
+              <a:t>Channel </a:t>
+            </a:r>
+            <a:r>
+              <a:rPr lang="de-CH" dirty="0" err="1"/>
+              <a:t>description</a:t>
+            </a:r>
+            <a:r>
+              <a:rPr lang="de-CH" dirty="0"/>
+              <a:t> </a:t>
+            </a:r>
+            <a:r>
+              <a:rPr lang="de-CH" dirty="0" err="1"/>
+              <a:t>with</a:t>
+            </a:r>
+            <a:r>
+              <a:rPr lang="de-CH" dirty="0"/>
+              <a:t> </a:t>
+            </a:r>
+            <a:r>
+              <a:rPr lang="de-CH" dirty="0" err="1"/>
+              <a:t>markup</a:t>
+            </a:r>
+            <a:r>
+              <a:rPr lang="de-CH" dirty="0"/>
+              <a:t> </a:t>
+            </a:r>
+          </a:p>
+          <a:p>
+            <a:pPr lvl="3"/>
+            <a:r>
+              <a:rPr lang="de-CH" dirty="0"/>
+              <a:t>Check </a:t>
+            </a:r>
+            <a:r>
+              <a:rPr lang="de-CH" dirty="0" err="1"/>
+              <a:t>if</a:t>
+            </a:r>
+            <a:r>
+              <a:rPr lang="de-CH" dirty="0"/>
+              <a:t> </a:t>
+            </a:r>
+            <a:r>
+              <a:rPr lang="de-CH" dirty="0" err="1"/>
+              <a:t>markup</a:t>
+            </a:r>
+            <a:r>
+              <a:rPr lang="de-CH" dirty="0"/>
+              <a:t> </a:t>
+            </a:r>
+            <a:r>
+              <a:rPr lang="de-CH" dirty="0" err="1"/>
+              <a:t>is</a:t>
+            </a:r>
+            <a:r>
+              <a:rPr lang="de-CH" dirty="0"/>
+              <a:t> ok</a:t>
+            </a:r>
+          </a:p>
+          <a:p>
+            <a:pPr lvl="1"/>
+            <a:r>
+              <a:rPr lang="de-CH" dirty="0"/>
+              <a:t>Change Description</a:t>
+            </a:r>
+          </a:p>
+          <a:p>
+            <a:pPr lvl="2"/>
+            <a:r>
+              <a:rPr lang="de-CH" dirty="0" err="1"/>
+              <a:t>Choose</a:t>
+            </a:r>
+            <a:r>
+              <a:rPr lang="de-CH" dirty="0"/>
+              <a:t> </a:t>
+            </a:r>
+            <a:r>
+              <a:rPr lang="de-CH" dirty="0" err="1"/>
+              <a:t>by</a:t>
+            </a:r>
+            <a:r>
+              <a:rPr lang="de-CH" dirty="0"/>
+              <a:t> Name</a:t>
+            </a:r>
+          </a:p>
+          <a:p>
+            <a:pPr lvl="2"/>
+            <a:r>
+              <a:rPr lang="de-CH" dirty="0"/>
+              <a:t>Channel </a:t>
+            </a:r>
+            <a:r>
+              <a:rPr lang="de-CH" dirty="0" err="1"/>
+              <a:t>description</a:t>
+            </a:r>
+            <a:r>
+              <a:rPr lang="de-CH" dirty="0"/>
+              <a:t> </a:t>
+            </a:r>
+            <a:r>
+              <a:rPr lang="de-CH" dirty="0" err="1"/>
+              <a:t>with</a:t>
+            </a:r>
+            <a:r>
+              <a:rPr lang="de-CH" dirty="0"/>
+              <a:t> </a:t>
+            </a:r>
+            <a:r>
+              <a:rPr lang="de-CH" dirty="0" err="1"/>
+              <a:t>markup</a:t>
+            </a:r>
+            <a:r>
+              <a:rPr lang="de-CH" dirty="0"/>
+              <a:t> </a:t>
+            </a:r>
+          </a:p>
+          <a:p>
+            <a:pPr lvl="3"/>
+            <a:r>
+              <a:rPr lang="de-CH" dirty="0"/>
+              <a:t>Check </a:t>
+            </a:r>
+            <a:r>
+              <a:rPr lang="de-CH" dirty="0" err="1"/>
+              <a:t>if</a:t>
+            </a:r>
+            <a:r>
+              <a:rPr lang="de-CH" dirty="0"/>
+              <a:t> </a:t>
+            </a:r>
+            <a:r>
+              <a:rPr lang="de-CH" dirty="0" err="1"/>
+              <a:t>markup</a:t>
+            </a:r>
+            <a:r>
+              <a:rPr lang="de-CH" dirty="0"/>
+              <a:t> </a:t>
+            </a:r>
+            <a:r>
+              <a:rPr lang="de-CH" dirty="0" err="1"/>
+              <a:t>is</a:t>
+            </a:r>
+            <a:r>
+              <a:rPr lang="de-CH" dirty="0"/>
+              <a:t> ok</a:t>
+            </a:r>
+          </a:p>
+          <a:p>
+            <a:pPr lvl="1"/>
+            <a:r>
+              <a:rPr lang="en-US" dirty="0"/>
+              <a:t>Delete</a:t>
+            </a:r>
+            <a:r>
+              <a:rPr lang="de-CH" dirty="0"/>
+              <a:t> </a:t>
+            </a:r>
+            <a:r>
+              <a:rPr lang="de-CH" dirty="0" err="1"/>
+              <a:t>channel</a:t>
+            </a:r>
+            <a:endParaRPr lang="de-CH" dirty="0"/>
+          </a:p>
+          <a:p>
+            <a:pPr lvl="2"/>
+            <a:r>
+              <a:rPr lang="de-CH" dirty="0" err="1"/>
+              <a:t>Choose</a:t>
+            </a:r>
+            <a:r>
+              <a:rPr lang="de-CH" dirty="0"/>
+              <a:t> </a:t>
+            </a:r>
+            <a:r>
+              <a:rPr lang="de-CH" dirty="0" err="1"/>
+              <a:t>by</a:t>
+            </a:r>
+            <a:r>
+              <a:rPr lang="de-CH" dirty="0"/>
+              <a:t> Name</a:t>
+            </a:r>
+          </a:p>
+          <a:p>
+            <a:pPr lvl="2"/>
+            <a:r>
+              <a:rPr lang="de-CH" dirty="0" err="1"/>
+              <a:t>If</a:t>
+            </a:r>
+            <a:r>
+              <a:rPr lang="de-CH" dirty="0"/>
+              <a:t> </a:t>
+            </a:r>
+            <a:r>
+              <a:rPr lang="de-CH" dirty="0" err="1"/>
+              <a:t>sure</a:t>
+            </a:r>
+            <a:r>
+              <a:rPr lang="de-CH" dirty="0"/>
+              <a:t> </a:t>
+            </a:r>
+          </a:p>
+          <a:p>
+            <a:r>
+              <a:rPr lang="de-CH" dirty="0" smtClean="0"/>
+              <a:t>[</a:t>
+            </a:r>
+            <a:r>
+              <a:rPr lang="de-CH" dirty="0" err="1" smtClean="0"/>
+              <a:t>Configure</a:t>
+            </a:r>
+            <a:r>
+              <a:rPr lang="de-CH" dirty="0" smtClean="0"/>
+              <a:t>] </a:t>
+            </a:r>
+            <a:r>
+              <a:rPr lang="de-CH" dirty="0" err="1" smtClean="0"/>
+              <a:t>Animelist</a:t>
+            </a:r>
+            <a:endParaRPr lang="de-CH" dirty="0" smtClean="0"/>
+          </a:p>
+          <a:p>
+            <a:pPr lvl="1"/>
+            <a:r>
+              <a:rPr lang="de-CH" dirty="0" err="1" smtClean="0"/>
+              <a:t>From</a:t>
+            </a:r>
+            <a:r>
+              <a:rPr lang="de-CH" dirty="0" smtClean="0"/>
+              <a:t> </a:t>
+            </a:r>
+            <a:r>
+              <a:rPr lang="de-CH" dirty="0" err="1" smtClean="0"/>
+              <a:t>channel</a:t>
+            </a:r>
+            <a:endParaRPr lang="de-CH" dirty="0" smtClean="0"/>
+          </a:p>
+          <a:p>
+            <a:pPr lvl="2"/>
+            <a:r>
+              <a:rPr lang="de-CH" dirty="0" err="1"/>
+              <a:t>Detect</a:t>
+            </a:r>
+            <a:r>
+              <a:rPr lang="de-CH" dirty="0"/>
+              <a:t> </a:t>
+            </a:r>
+            <a:r>
+              <a:rPr lang="de-CH" dirty="0" err="1"/>
+              <a:t>if</a:t>
+            </a:r>
+            <a:r>
+              <a:rPr lang="de-CH" dirty="0"/>
+              <a:t> </a:t>
+            </a:r>
+            <a:r>
+              <a:rPr lang="de-CH" dirty="0" err="1" smtClean="0"/>
+              <a:t>exists</a:t>
+            </a:r>
+            <a:endParaRPr lang="de-CH" dirty="0" smtClean="0"/>
+          </a:p>
+          <a:p>
+            <a:pPr lvl="2"/>
+            <a:endParaRPr lang="de-CH" dirty="0"/>
+          </a:p>
+          <a:p>
+            <a:pPr lvl="2"/>
+            <a:r>
+              <a:rPr lang="de-CH" dirty="0" smtClean="0"/>
+              <a:t>Add Anime</a:t>
+            </a:r>
+          </a:p>
+          <a:p>
+            <a:pPr lvl="3"/>
+            <a:r>
+              <a:rPr lang="de-CH" dirty="0"/>
+              <a:t>Anime </a:t>
+            </a:r>
+            <a:r>
+              <a:rPr lang="de-CH" dirty="0" err="1"/>
+              <a:t>name</a:t>
+            </a:r>
+            <a:endParaRPr lang="de-CH" dirty="0"/>
+          </a:p>
+          <a:p>
+            <a:pPr lvl="4"/>
+            <a:r>
+              <a:rPr lang="de-CH" dirty="0" err="1"/>
+              <a:t>Detect</a:t>
+            </a:r>
+            <a:r>
+              <a:rPr lang="de-CH" dirty="0"/>
+              <a:t> </a:t>
+            </a:r>
+            <a:r>
+              <a:rPr lang="de-CH" dirty="0" err="1"/>
+              <a:t>if</a:t>
+            </a:r>
+            <a:r>
+              <a:rPr lang="de-CH" dirty="0"/>
+              <a:t> </a:t>
+            </a:r>
+            <a:r>
+              <a:rPr lang="de-CH" dirty="0" err="1"/>
+              <a:t>exists</a:t>
+            </a:r>
+            <a:endParaRPr lang="de-CH" dirty="0"/>
+          </a:p>
+          <a:p>
+            <a:pPr lvl="3"/>
+            <a:r>
+              <a:rPr lang="de-CH" dirty="0" err="1"/>
+              <a:t>MyAnimeList</a:t>
+            </a:r>
+            <a:r>
+              <a:rPr lang="de-CH" dirty="0"/>
+              <a:t> </a:t>
+            </a:r>
+            <a:r>
+              <a:rPr lang="de-CH" dirty="0" err="1"/>
+              <a:t>url</a:t>
+            </a:r>
+            <a:endParaRPr lang="de-CH" dirty="0"/>
+          </a:p>
+          <a:p>
+            <a:pPr lvl="3"/>
+            <a:r>
+              <a:rPr lang="de-CH" dirty="0" err="1"/>
+              <a:t>Telegram</a:t>
+            </a:r>
+            <a:r>
+              <a:rPr lang="de-CH" dirty="0"/>
+              <a:t> </a:t>
+            </a:r>
+            <a:r>
+              <a:rPr lang="de-CH" dirty="0" err="1"/>
+              <a:t>url</a:t>
+            </a:r>
+            <a:endParaRPr lang="de-CH" dirty="0"/>
+          </a:p>
+          <a:p>
+            <a:pPr lvl="3"/>
+            <a:r>
+              <a:rPr lang="de-CH" dirty="0"/>
+              <a:t>Image (</a:t>
+            </a:r>
+            <a:r>
+              <a:rPr lang="de-CH" dirty="0" err="1"/>
+              <a:t>id</a:t>
+            </a:r>
+            <a:r>
+              <a:rPr lang="de-CH" dirty="0" smtClean="0"/>
+              <a:t>)</a:t>
+            </a:r>
+          </a:p>
+          <a:p>
+            <a:pPr lvl="2"/>
+            <a:r>
+              <a:rPr lang="de-CH" dirty="0" smtClean="0"/>
+              <a:t>[</a:t>
+            </a:r>
+            <a:r>
+              <a:rPr lang="de-CH" dirty="0" err="1" smtClean="0"/>
+              <a:t>Configure</a:t>
+            </a:r>
+            <a:r>
+              <a:rPr lang="de-CH" dirty="0" smtClean="0"/>
+              <a:t>] Anime</a:t>
+            </a:r>
+          </a:p>
+          <a:p>
+            <a:pPr lvl="3"/>
+            <a:r>
+              <a:rPr lang="de-CH" dirty="0" err="1"/>
+              <a:t>By</a:t>
+            </a:r>
+            <a:r>
+              <a:rPr lang="de-CH" dirty="0"/>
+              <a:t> </a:t>
+            </a:r>
+            <a:r>
+              <a:rPr lang="de-CH" dirty="0" err="1"/>
+              <a:t>name</a:t>
+            </a:r>
+            <a:r>
+              <a:rPr lang="de-CH" dirty="0"/>
+              <a:t> (</a:t>
+            </a:r>
+            <a:r>
+              <a:rPr lang="de-CH" dirty="0" err="1"/>
+              <a:t>search</a:t>
+            </a:r>
+            <a:r>
+              <a:rPr lang="de-CH" dirty="0"/>
+              <a:t> </a:t>
+            </a:r>
+            <a:r>
+              <a:rPr lang="de-CH" dirty="0" err="1"/>
+              <a:t>by</a:t>
+            </a:r>
+            <a:r>
+              <a:rPr lang="de-CH" dirty="0"/>
+              <a:t> </a:t>
+            </a:r>
+            <a:r>
+              <a:rPr lang="de-CH" dirty="0" err="1"/>
+              <a:t>letter</a:t>
+            </a:r>
+            <a:r>
+              <a:rPr lang="de-CH" dirty="0"/>
+              <a:t>)</a:t>
+            </a:r>
+          </a:p>
+          <a:p>
+            <a:pPr lvl="3"/>
+            <a:r>
+              <a:rPr lang="de-CH" dirty="0"/>
+              <a:t>Property (Name, </a:t>
+            </a:r>
+            <a:r>
+              <a:rPr lang="de-CH" dirty="0" err="1"/>
+              <a:t>Airing</a:t>
+            </a:r>
+            <a:r>
+              <a:rPr lang="de-CH" dirty="0"/>
+              <a:t> </a:t>
+            </a:r>
+            <a:r>
+              <a:rPr lang="de-CH" dirty="0" err="1"/>
+              <a:t>year</a:t>
+            </a:r>
+            <a:r>
+              <a:rPr lang="de-CH" dirty="0"/>
+              <a:t>, </a:t>
+            </a:r>
+            <a:r>
+              <a:rPr lang="de-CH" dirty="0" err="1"/>
+              <a:t>MyAnimeList</a:t>
+            </a:r>
+            <a:r>
+              <a:rPr lang="de-CH" dirty="0"/>
+              <a:t> </a:t>
+            </a:r>
+            <a:r>
+              <a:rPr lang="de-CH" dirty="0" err="1"/>
+              <a:t>url</a:t>
+            </a:r>
+            <a:r>
+              <a:rPr lang="de-CH" dirty="0"/>
+              <a:t>, </a:t>
+            </a:r>
+            <a:r>
+              <a:rPr lang="de-CH" dirty="0" err="1"/>
+              <a:t>Telegram</a:t>
+            </a:r>
+            <a:r>
+              <a:rPr lang="de-CH" dirty="0"/>
+              <a:t> </a:t>
+            </a:r>
+            <a:r>
+              <a:rPr lang="de-CH" dirty="0" err="1"/>
+              <a:t>url</a:t>
+            </a:r>
+            <a:r>
+              <a:rPr lang="de-CH" dirty="0"/>
+              <a:t>, Image</a:t>
+            </a:r>
+            <a:r>
+              <a:rPr lang="de-CH" dirty="0" smtClean="0"/>
+              <a:t>]</a:t>
+            </a:r>
+          </a:p>
+          <a:p>
+            <a:pPr lvl="2"/>
+            <a:r>
+              <a:rPr lang="de-CH" dirty="0" smtClean="0"/>
+              <a:t>Remove</a:t>
+            </a:r>
+          </a:p>
+          <a:p>
+            <a:pPr lvl="3"/>
+            <a:r>
+              <a:rPr lang="de-CH" dirty="0" err="1"/>
+              <a:t>By</a:t>
+            </a:r>
+            <a:r>
+              <a:rPr lang="de-CH" dirty="0"/>
+              <a:t> </a:t>
+            </a:r>
+            <a:r>
+              <a:rPr lang="de-CH" dirty="0" err="1"/>
+              <a:t>name</a:t>
+            </a:r>
+            <a:r>
+              <a:rPr lang="de-CH" dirty="0"/>
+              <a:t> (</a:t>
+            </a:r>
+            <a:r>
+              <a:rPr lang="de-CH" dirty="0" err="1"/>
+              <a:t>search</a:t>
+            </a:r>
+            <a:r>
+              <a:rPr lang="de-CH" dirty="0"/>
+              <a:t> </a:t>
+            </a:r>
+            <a:r>
+              <a:rPr lang="de-CH" dirty="0" err="1"/>
+              <a:t>by</a:t>
+            </a:r>
+            <a:r>
+              <a:rPr lang="de-CH" dirty="0"/>
+              <a:t> </a:t>
+            </a:r>
+            <a:r>
+              <a:rPr lang="de-CH" dirty="0" err="1"/>
+              <a:t>letter</a:t>
+            </a:r>
+            <a:r>
+              <a:rPr lang="de-CH" dirty="0" smtClean="0"/>
+              <a:t>)</a:t>
+            </a:r>
+            <a:endParaRPr lang="de-CH" dirty="0"/>
+          </a:p>
+          <a:p>
+            <a:pPr lvl="4"/>
+            <a:r>
+              <a:rPr lang="de-CH" dirty="0" smtClean="0"/>
+              <a:t>Check </a:t>
+            </a:r>
+            <a:r>
+              <a:rPr lang="de-CH" dirty="0" err="1" smtClean="0"/>
+              <a:t>if</a:t>
+            </a:r>
+            <a:r>
+              <a:rPr lang="de-CH" dirty="0" smtClean="0"/>
+              <a:t>  </a:t>
+            </a:r>
+            <a:r>
+              <a:rPr lang="de-CH" dirty="0" err="1" smtClean="0"/>
+              <a:t>sure</a:t>
+            </a:r>
+            <a:endParaRPr lang="de-CH" dirty="0" smtClean="0"/>
+          </a:p>
+          <a:p>
+            <a:pPr marL="1828800" lvl="4" indent="0">
+              <a:buNone/>
+            </a:pPr>
+            <a:endParaRPr lang="de-CH" dirty="0" smtClean="0"/>
+          </a:p>
+          <a:p>
+            <a:pPr lvl="2"/>
+            <a:endParaRPr lang="de-CH" dirty="0" smtClean="0"/>
+          </a:p>
+          <a:p>
+            <a:pPr lvl="3"/>
+            <a:endParaRPr lang="de-CH" dirty="0" smtClean="0"/>
+          </a:p>
+          <a:p>
+            <a:pPr marL="914400" lvl="2" indent="0">
+              <a:buNone/>
+            </a:pPr>
+            <a:endParaRPr lang="de-CH" dirty="0"/>
+          </a:p>
+          <a:p>
+            <a:pPr marL="914400" lvl="2" indent="0">
+              <a:buNone/>
+            </a:pPr>
+            <a:endParaRPr lang="de-CH" dirty="0" smtClean="0"/>
+          </a:p>
+          <a:p>
+            <a:pPr marL="914400" lvl="2" indent="0">
+              <a:buNone/>
+            </a:pPr>
+            <a:endParaRPr lang="de-CH" dirty="0" smtClean="0"/>
+          </a:p>
+          <a:p>
+            <a:pPr marL="1371600" lvl="3" indent="0">
+              <a:buNone/>
+            </a:pPr>
+            <a:endParaRPr lang="de-CH" dirty="0"/>
+          </a:p>
+        </p:txBody>
+      </p:sp>
+    </p:spTree>
+    <p:extLst>
+      <p:ext uri="{BB962C8B-B14F-4D97-AF65-F5344CB8AC3E}">
+        <p14:creationId xmlns:p14="http://schemas.microsoft.com/office/powerpoint/2010/main" val="2467609241"/>
+      </p:ext>
+    </p:extLst>
+  </p:cSld>
+  <p:clrMapOvr>
+    <a:masterClrMapping/>
+  </p:clrMapOvr>
+</p:sld>
+</file>
+
 <file path=ppt/theme/theme1.xml><?xml version="1.0" encoding="utf-8"?>
 <a:theme xmlns:a="http://schemas.openxmlformats.org/drawingml/2006/main" name="Office Theme">
   <a:themeElements>
